--- a/B10 PRC 3.pptx
+++ b/B10 PRC 3.pptx
@@ -5,7 +5,7 @@
     <p:sldMasterId id="2147484313" r:id="rId1"/>
   </p:sldMasterIdLst>
   <p:notesMasterIdLst>
-    <p:notesMasterId r:id="rId24"/>
+    <p:notesMasterId r:id="rId21"/>
   </p:notesMasterIdLst>
   <p:sldIdLst>
     <p:sldId id="289" r:id="rId2"/>
@@ -14,43 +14,40 @@
     <p:sldId id="300" r:id="rId5"/>
     <p:sldId id="304" r:id="rId6"/>
     <p:sldId id="303" r:id="rId7"/>
-    <p:sldId id="305" r:id="rId8"/>
-    <p:sldId id="301" r:id="rId9"/>
-    <p:sldId id="307" r:id="rId10"/>
+    <p:sldId id="301" r:id="rId8"/>
+    <p:sldId id="307" r:id="rId9"/>
+    <p:sldId id="310" r:id="rId10"/>
     <p:sldId id="306" r:id="rId11"/>
     <p:sldId id="308" r:id="rId12"/>
     <p:sldId id="309" r:id="rId13"/>
-    <p:sldId id="310" r:id="rId14"/>
-    <p:sldId id="302" r:id="rId15"/>
-    <p:sldId id="311" r:id="rId16"/>
+    <p:sldId id="302" r:id="rId14"/>
+    <p:sldId id="311" r:id="rId15"/>
+    <p:sldId id="320" r:id="rId16"/>
     <p:sldId id="312" r:id="rId17"/>
-    <p:sldId id="314" r:id="rId18"/>
-    <p:sldId id="313" r:id="rId19"/>
-    <p:sldId id="315" r:id="rId20"/>
-    <p:sldId id="316" r:id="rId21"/>
-    <p:sldId id="317" r:id="rId22"/>
-    <p:sldId id="319" r:id="rId23"/>
+    <p:sldId id="316" r:id="rId18"/>
+    <p:sldId id="317" r:id="rId19"/>
+    <p:sldId id="319" r:id="rId20"/>
   </p:sldIdLst>
   <p:sldSz cx="12192000" cy="6858000"/>
   <p:notesSz cx="6858000" cy="9144000"/>
   <p:embeddedFontLst>
     <p:embeddedFont>
       <p:font typeface="Century Schoolbook" panose="02040604050505020304" pitchFamily="18" charset="0"/>
-      <p:regular r:id="rId25"/>
-      <p:bold r:id="rId26"/>
-      <p:italic r:id="rId27"/>
-      <p:boldItalic r:id="rId28"/>
+      <p:regular r:id="rId22"/>
+      <p:bold r:id="rId23"/>
+      <p:italic r:id="rId24"/>
+      <p:boldItalic r:id="rId25"/>
     </p:embeddedFont>
     <p:embeddedFont>
       <p:font typeface="Libre Franklin" pitchFamily="2" charset="0"/>
-      <p:regular r:id="rId29"/>
-      <p:bold r:id="rId30"/>
-      <p:italic r:id="rId31"/>
-      <p:boldItalic r:id="rId32"/>
+      <p:regular r:id="rId26"/>
+      <p:bold r:id="rId27"/>
+      <p:italic r:id="rId28"/>
+      <p:boldItalic r:id="rId29"/>
     </p:embeddedFont>
     <p:embeddedFont>
       <p:font typeface="Wingdings 2" panose="05020102010507070707" pitchFamily="18" charset="2"/>
-      <p:regular r:id="rId33"/>
+      <p:regular r:id="rId30"/>
     </p:embeddedFont>
   </p:embeddedFontLst>
   <p:defaultTextStyle>
@@ -6918,7 +6915,7 @@
                 <a:cs typeface="Times New Roman" panose="02020603050405020304"/>
                 <a:sym typeface="Times New Roman" panose="02020603050405020304"/>
               </a:rPr>
-              <a:t>A  MINI PROJECT (PRC-3)</a:t>
+              <a:t>A  MAJOR PROJECT</a:t>
             </a:r>
             <a:endParaRPr sz="1800" b="0" i="0" u="none" strike="noStrike" cap="none" dirty="0">
               <a:solidFill>
@@ -6999,7 +6996,7 @@
                 <a:cs typeface="Times New Roman" panose="02020603050405020304" pitchFamily="18" charset="0"/>
                 <a:sym typeface="Times New Roman" panose="02020603050405020304"/>
               </a:rPr>
-              <a:t>Detection of Human Action in Public Places</a:t>
+              <a:t>REVOLUTIONIZING ADS WITH MOBILE VEHICLES CAMPAIGNS (PRC-3)</a:t>
             </a:r>
           </a:p>
           <a:p>
@@ -7357,7 +7354,7 @@
               <a:buNone/>
             </a:pPr>
             <a:r>
-              <a:rPr lang="en-US" b="1" err="1">
+              <a:rPr lang="en-US" b="1" dirty="0">
                 <a:solidFill>
                   <a:schemeClr val="dk1"/>
                 </a:solidFill>
@@ -7366,19 +7363,7 @@
                 <a:cs typeface="Times New Roman" panose="02020603050405020304"/>
                 <a:sym typeface="Times New Roman" panose="02020603050405020304"/>
               </a:rPr>
-              <a:t>Dr</a:t>
-            </a:r>
-            <a:r>
-              <a:rPr lang="en-US" b="1">
-                <a:solidFill>
-                  <a:schemeClr val="dk1"/>
-                </a:solidFill>
-                <a:latin typeface="Times New Roman" panose="02020603050405020304"/>
-                <a:ea typeface="Times New Roman" panose="02020603050405020304"/>
-                <a:cs typeface="Times New Roman" panose="02020603050405020304"/>
-                <a:sym typeface="Times New Roman" panose="02020603050405020304"/>
-              </a:rPr>
-              <a:t>. Swathi </a:t>
+              <a:t>Dr. Swathi </a:t>
             </a:r>
             <a:r>
               <a:rPr lang="en-US" b="1" dirty="0" err="1">
@@ -7468,7 +7453,7 @@
                 <a:cs typeface="Times New Roman" panose="02020603050405020304"/>
                 <a:sym typeface="Times New Roman" panose="02020603050405020304"/>
               </a:rPr>
-              <a:t>ACADEMIC YEAR: (2021-2025)</a:t>
+              <a:t>ACADEMIC YEAR: (2024-2025)</a:t>
             </a:r>
             <a:endParaRPr lang="en-US" b="0" i="0" u="none" strike="noStrike" cap="none" dirty="0">
               <a:solidFill>
@@ -7745,10 +7730,10 @@
       </p:sp>
       <p:pic>
         <p:nvPicPr>
-          <p:cNvPr id="7" name="Content Placeholder 6" descr="A diagram of a process&#10;&#10;Description automatically generated">
+          <p:cNvPr id="6" name="Content Placeholder 5" descr="A diagram of a system&#10;&#10;AI-generated content may be incorrect.">
             <a:extLst>
               <a:ext uri="{FF2B5EF4-FFF2-40B4-BE49-F238E27FC236}">
-                <a16:creationId xmlns:a16="http://schemas.microsoft.com/office/drawing/2014/main" id="{D31D4C3F-5482-82F4-F25D-633A08D355F9}"/>
+                <a16:creationId xmlns:a16="http://schemas.microsoft.com/office/drawing/2014/main" id="{D7BCC29F-27C6-481B-C50B-9091D2CD0E12}"/>
               </a:ext>
             </a:extLst>
           </p:cNvPr>
@@ -7767,8 +7752,8 @@
         </p:blipFill>
         <p:spPr>
           <a:xfrm>
-            <a:off x="2230364" y="1600200"/>
-            <a:ext cx="6715271" cy="4873625"/>
+            <a:off x="609600" y="2896978"/>
+            <a:ext cx="9956800" cy="2280069"/>
           </a:xfrm>
         </p:spPr>
       </p:pic>
@@ -7842,10 +7827,10 @@
       </p:sp>
       <p:pic>
         <p:nvPicPr>
-          <p:cNvPr id="6" name="Content Placeholder 5" descr="A diagram with text and arrows&#10;&#10;Description automatically generated with medium confidence">
+          <p:cNvPr id="7" name="Content Placeholder 6" descr="A screenshot of a computer&#10;&#10;AI-generated content may be incorrect.">
             <a:extLst>
               <a:ext uri="{FF2B5EF4-FFF2-40B4-BE49-F238E27FC236}">
-                <a16:creationId xmlns:a16="http://schemas.microsoft.com/office/drawing/2014/main" id="{928F60F0-587C-F3B8-0566-922A2AFAF5F2}"/>
+                <a16:creationId xmlns:a16="http://schemas.microsoft.com/office/drawing/2014/main" id="{CAD1E35A-B96A-93EB-D07D-72716FB81104}"/>
               </a:ext>
             </a:extLst>
           </p:cNvPr>
@@ -7864,8 +7849,8 @@
         </p:blipFill>
         <p:spPr>
           <a:xfrm>
-            <a:off x="1676709" y="1600200"/>
-            <a:ext cx="7822581" cy="4873625"/>
+            <a:off x="762001" y="1600200"/>
+            <a:ext cx="10058400" cy="4873625"/>
           </a:xfrm>
         </p:spPr>
       </p:pic>
@@ -7947,10 +7932,10 @@
       </p:sp>
       <p:pic>
         <p:nvPicPr>
-          <p:cNvPr id="6" name="Content Placeholder 5" descr="A diagram of a process&#10;&#10;Description automatically generated">
+          <p:cNvPr id="7" name="Content Placeholder 6" descr="A diagram of a company&#10;&#10;AI-generated content may be incorrect.">
             <a:extLst>
               <a:ext uri="{FF2B5EF4-FFF2-40B4-BE49-F238E27FC236}">
-                <a16:creationId xmlns:a16="http://schemas.microsoft.com/office/drawing/2014/main" id="{0DE769DF-FFA3-2E81-90BF-2D80C47EE7A4}"/>
+                <a16:creationId xmlns:a16="http://schemas.microsoft.com/office/drawing/2014/main" id="{92BC5BA0-8046-F3EF-B185-F93D4B75FB57}"/>
               </a:ext>
             </a:extLst>
           </p:cNvPr>
@@ -7969,8 +7954,8 @@
         </p:blipFill>
         <p:spPr>
           <a:xfrm>
-            <a:off x="3639853" y="1600200"/>
-            <a:ext cx="4818347" cy="4873625"/>
+            <a:off x="2626971" y="1600200"/>
+            <a:ext cx="7126629" cy="4873625"/>
           </a:xfrm>
         </p:spPr>
       </p:pic>
@@ -7992,13 +7977,7 @@
   <p:cSld>
     <p:spTree>
       <p:nvGrpSpPr>
-        <p:cNvPr id="1" name="">
-          <a:extLst>
-            <a:ext uri="{FF2B5EF4-FFF2-40B4-BE49-F238E27FC236}">
-              <a16:creationId xmlns:a16="http://schemas.microsoft.com/office/drawing/2014/main" id="{646D3F78-8FB4-1B50-F60E-02EEF63279EA}"/>
-            </a:ext>
-          </a:extLst>
-        </p:cNvPr>
+        <p:cNvPr id="1" name=""/>
         <p:cNvGrpSpPr/>
         <p:nvPr/>
       </p:nvGrpSpPr>
@@ -8015,7 +7994,7 @@
           <p:cNvPr id="2" name="Title 1">
             <a:extLst>
               <a:ext uri="{FF2B5EF4-FFF2-40B4-BE49-F238E27FC236}">
-                <a16:creationId xmlns:a16="http://schemas.microsoft.com/office/drawing/2014/main" id="{234E915A-E9A3-22F1-7163-C967C4356C6A}"/>
+                <a16:creationId xmlns:a16="http://schemas.microsoft.com/office/drawing/2014/main" id="{9D82D59F-DABB-9F72-E17F-B125EA1CE01B}"/>
               </a:ext>
             </a:extLst>
           </p:cNvPr>
@@ -8032,49 +8011,53 @@
           <a:lstStyle/>
           <a:p>
             <a:r>
-              <a:rPr lang="en-IN" dirty="0" err="1"/>
-              <a:t>Uml</a:t>
-            </a:r>
-            <a:r>
-              <a:rPr lang="en-IN" dirty="0"/>
-              <a:t> diagrams CLASS DIAGRAM</a:t>
-            </a:r>
-          </a:p>
-        </p:txBody>
-      </p:sp>
-      <p:pic>
-        <p:nvPicPr>
-          <p:cNvPr id="6" name="Content Placeholder 5" descr="A diagram of a diagram&#10;&#10;Description automatically generated with medium confidence">
+              <a:rPr lang="fi-FI" b="1" dirty="0"/>
+              <a:t>Dataset</a:t>
+            </a:r>
+            <a:br>
+              <a:rPr lang="fi-FI" dirty="0"/>
+            </a:br>
+            <a:endParaRPr lang="en-IN" dirty="0"/>
+          </a:p>
+        </p:txBody>
+      </p:sp>
+      <p:sp>
+        <p:nvSpPr>
+          <p:cNvPr id="3" name="Content Placeholder 2">
             <a:extLst>
               <a:ext uri="{FF2B5EF4-FFF2-40B4-BE49-F238E27FC236}">
-                <a16:creationId xmlns:a16="http://schemas.microsoft.com/office/drawing/2014/main" id="{3D95222E-0333-7F48-1D40-6C8C834BDF53}"/>
+                <a16:creationId xmlns:a16="http://schemas.microsoft.com/office/drawing/2014/main" id="{53AD359C-CBA2-FE21-C5D8-16037382E13A}"/>
               </a:ext>
             </a:extLst>
           </p:cNvPr>
-          <p:cNvPicPr>
-            <a:picLocks noGrp="1" noChangeAspect="1"/>
-          </p:cNvPicPr>
+          <p:cNvSpPr>
+            <a:spLocks noGrp="1"/>
+          </p:cNvSpPr>
           <p:nvPr>
             <p:ph sz="quarter" idx="1"/>
           </p:nvPr>
-        </p:nvPicPr>
-        <p:blipFill>
-          <a:blip r:embed="rId2"/>
-          <a:stretch>
-            <a:fillRect/>
-          </a:stretch>
-        </p:blipFill>
-        <p:spPr>
-          <a:xfrm>
-            <a:off x="609600" y="2397895"/>
-            <a:ext cx="9956800" cy="3278235"/>
-          </a:xfrm>
-        </p:spPr>
-      </p:pic>
+        </p:nvSpPr>
+        <p:spPr/>
+        <p:txBody>
+          <a:bodyPr>
+            <a:normAutofit/>
+          </a:bodyPr>
+          <a:lstStyle/>
+          <a:p>
+            <a:r>
+              <a:rPr lang="en-US" sz="2800" dirty="0">
+                <a:hlinkClick r:id="rId2"/>
+              </a:rPr>
+              <a:t>COCO - Common Objects in Context</a:t>
+            </a:r>
+            <a:endParaRPr lang="en-IN" sz="2800" dirty="0"/>
+          </a:p>
+        </p:txBody>
+      </p:sp>
     </p:spTree>
     <p:extLst>
       <p:ext uri="{BB962C8B-B14F-4D97-AF65-F5344CB8AC3E}">
-        <p14:creationId xmlns:p14="http://schemas.microsoft.com/office/powerpoint/2010/main" val="3597675650"/>
+        <p14:creationId xmlns:p14="http://schemas.microsoft.com/office/powerpoint/2010/main" val="1386695454"/>
       </p:ext>
     </p:extLst>
   </p:cSld>
@@ -8106,121 +8089,6 @@
           <p:cNvPr id="2" name="Title 1">
             <a:extLst>
               <a:ext uri="{FF2B5EF4-FFF2-40B4-BE49-F238E27FC236}">
-                <a16:creationId xmlns:a16="http://schemas.microsoft.com/office/drawing/2014/main" id="{9D82D59F-DABB-9F72-E17F-B125EA1CE01B}"/>
-              </a:ext>
-            </a:extLst>
-          </p:cNvPr>
-          <p:cNvSpPr>
-            <a:spLocks noGrp="1"/>
-          </p:cNvSpPr>
-          <p:nvPr>
-            <p:ph type="title"/>
-          </p:nvPr>
-        </p:nvSpPr>
-        <p:spPr/>
-        <p:txBody>
-          <a:bodyPr/>
-          <a:lstStyle/>
-          <a:p>
-            <a:r>
-              <a:rPr lang="fi-FI" b="1" dirty="0"/>
-              <a:t>Dataset</a:t>
-            </a:r>
-            <a:br>
-              <a:rPr lang="fi-FI" dirty="0"/>
-            </a:br>
-            <a:endParaRPr lang="en-IN" dirty="0"/>
-          </a:p>
-        </p:txBody>
-      </p:sp>
-      <p:sp>
-        <p:nvSpPr>
-          <p:cNvPr id="3" name="Content Placeholder 2">
-            <a:extLst>
-              <a:ext uri="{FF2B5EF4-FFF2-40B4-BE49-F238E27FC236}">
-                <a16:creationId xmlns:a16="http://schemas.microsoft.com/office/drawing/2014/main" id="{53AD359C-CBA2-FE21-C5D8-16037382E13A}"/>
-              </a:ext>
-            </a:extLst>
-          </p:cNvPr>
-          <p:cNvSpPr>
-            <a:spLocks noGrp="1"/>
-          </p:cNvSpPr>
-          <p:nvPr>
-            <p:ph sz="quarter" idx="1"/>
-          </p:nvPr>
-        </p:nvSpPr>
-        <p:spPr/>
-        <p:txBody>
-          <a:bodyPr>
-            <a:normAutofit/>
-          </a:bodyPr>
-          <a:lstStyle/>
-          <a:p>
-            <a:endParaRPr lang="fi-FI" sz="2000" dirty="0"/>
-          </a:p>
-          <a:p>
-            <a:pPr>
-              <a:buFont typeface="Wingdings" panose="05000000000000000000" pitchFamily="2" charset="2"/>
-              <a:buChar char="Ø"/>
-            </a:pPr>
-            <a:r>
-              <a:rPr lang="fi-FI" sz="2000" dirty="0">
-                <a:hlinkClick r:id="rId2"/>
-              </a:rPr>
-              <a:t>https://www.crcv.ucf.edu/data/UCF101.php</a:t>
-            </a:r>
-            <a:endParaRPr lang="fi-FI" sz="2000" dirty="0"/>
-          </a:p>
-          <a:p>
-            <a:pPr>
-              <a:buFont typeface="Wingdings" panose="05000000000000000000" pitchFamily="2" charset="2"/>
-              <a:buChar char="Ø"/>
-            </a:pPr>
-            <a:r>
-              <a:rPr lang="fi-FI" sz="2000" dirty="0">
-                <a:hlinkClick r:id="rId2"/>
-              </a:rPr>
-              <a:t>https://github.com/AlexanderMelde/SPHAR-Dataset</a:t>
-            </a:r>
-            <a:endParaRPr lang="en-IN" sz="2000" dirty="0"/>
-          </a:p>
-        </p:txBody>
-      </p:sp>
-    </p:spTree>
-    <p:extLst>
-      <p:ext uri="{BB962C8B-B14F-4D97-AF65-F5344CB8AC3E}">
-        <p14:creationId xmlns:p14="http://schemas.microsoft.com/office/powerpoint/2010/main" val="1386695454"/>
-      </p:ext>
-    </p:extLst>
-  </p:cSld>
-  <p:clrMapOvr>
-    <a:masterClrMapping/>
-  </p:clrMapOvr>
-</p:sld>
-</file>
-
-<file path=ppt/slides/slide15.xml><?xml version="1.0" encoding="utf-8"?>
-<p:sld xmlns:a="http://schemas.openxmlformats.org/drawingml/2006/main" xmlns:r="http://schemas.openxmlformats.org/officeDocument/2006/relationships" xmlns:p="http://schemas.openxmlformats.org/presentationml/2006/main">
-  <p:cSld>
-    <p:spTree>
-      <p:nvGrpSpPr>
-        <p:cNvPr id="1" name=""/>
-        <p:cNvGrpSpPr/>
-        <p:nvPr/>
-      </p:nvGrpSpPr>
-      <p:grpSpPr>
-        <a:xfrm>
-          <a:off x="0" y="0"/>
-          <a:ext cx="0" cy="0"/>
-          <a:chOff x="0" y="0"/>
-          <a:chExt cx="0" cy="0"/>
-        </a:xfrm>
-      </p:grpSpPr>
-      <p:sp>
-        <p:nvSpPr>
-          <p:cNvPr id="2" name="Title 1">
-            <a:extLst>
-              <a:ext uri="{FF2B5EF4-FFF2-40B4-BE49-F238E27FC236}">
                 <a16:creationId xmlns:a16="http://schemas.microsoft.com/office/drawing/2014/main" id="{956E9813-EC26-9083-28D7-0CE115FF82DE}"/>
               </a:ext>
             </a:extLst>
@@ -8271,8 +8139,8 @@
         </p:nvSpPr>
         <p:spPr bwMode="auto">
           <a:xfrm>
-            <a:off x="609600" y="2328916"/>
-            <a:ext cx="9753600" cy="3416320"/>
+            <a:off x="609600" y="1636419"/>
+            <a:ext cx="9753600" cy="4801314"/>
           </a:xfrm>
           <a:prstGeom prst="rect">
             <a:avLst/>
@@ -8336,36 +8204,6 @@
               <a:buNone/>
               <a:tabLst/>
             </a:pPr>
-            <a:endParaRPr kumimoji="0" lang="en-US" altLang="en-US" sz="1800" b="0" i="0" u="none" strike="noStrike" cap="none" normalizeH="0" baseline="0" dirty="0">
-              <a:ln>
-                <a:noFill/>
-              </a:ln>
-              <a:solidFill>
-                <a:schemeClr val="tx1"/>
-              </a:solidFill>
-              <a:effectLst/>
-              <a:latin typeface="Calibri" panose="020F0502020204030204" pitchFamily="34" charset="0"/>
-              <a:ea typeface="Calibri" panose="020F0502020204030204" pitchFamily="34" charset="0"/>
-              <a:cs typeface="Calibri" panose="020F0502020204030204" pitchFamily="34" charset="0"/>
-            </a:endParaRPr>
-          </a:p>
-          <a:p>
-            <a:pPr marL="0" marR="0" lvl="0" indent="0" algn="just" defTabSz="914400" rtl="0" eaLnBrk="0" fontAlgn="base" latinLnBrk="0" hangingPunct="0">
-              <a:lnSpc>
-                <a:spcPct val="100000"/>
-              </a:lnSpc>
-              <a:spcBef>
-                <a:spcPct val="0"/>
-              </a:spcBef>
-              <a:spcAft>
-                <a:spcPct val="0"/>
-              </a:spcAft>
-              <a:buClrTx/>
-              <a:buSzTx/>
-              <a:buFontTx/>
-              <a:buAutoNum type="arabicPeriod"/>
-              <a:tabLst/>
-            </a:pPr>
             <a:r>
               <a:rPr kumimoji="0" lang="en-US" altLang="en-US" sz="1800" b="1" i="0" u="none" strike="noStrike" cap="none" normalizeH="0" baseline="0" dirty="0">
                 <a:ln>
@@ -8379,214 +8217,7 @@
                 <a:ea typeface="Calibri" panose="020F0502020204030204" pitchFamily="34" charset="0"/>
                 <a:cs typeface="Calibri" panose="020F0502020204030204" pitchFamily="34" charset="0"/>
               </a:rPr>
-              <a:t>User Interface (UI)</a:t>
-            </a:r>
-            <a:r>
-              <a:rPr kumimoji="0" lang="en-US" altLang="en-US" sz="1800" b="0" i="0" u="none" strike="noStrike" cap="none" normalizeH="0" baseline="0" dirty="0">
-                <a:ln>
-                  <a:noFill/>
-                </a:ln>
-                <a:solidFill>
-                  <a:schemeClr val="tx1"/>
-                </a:solidFill>
-                <a:effectLst/>
-                <a:latin typeface="Calibri" panose="020F0502020204030204" pitchFamily="34" charset="0"/>
-                <a:ea typeface="Calibri" panose="020F0502020204030204" pitchFamily="34" charset="0"/>
-                <a:cs typeface="Calibri" panose="020F0502020204030204" pitchFamily="34" charset="0"/>
-              </a:rPr>
-              <a:t>: Facilitates video uploads and displays detected actions, enabling seamless interaction and result retrieval. </a:t>
-            </a:r>
-          </a:p>
-          <a:p>
-            <a:pPr marL="0" marR="0" lvl="0" indent="0" algn="just" defTabSz="914400" rtl="0" eaLnBrk="0" fontAlgn="base" latinLnBrk="0" hangingPunct="0">
-              <a:lnSpc>
-                <a:spcPct val="100000"/>
-              </a:lnSpc>
-              <a:spcBef>
-                <a:spcPct val="0"/>
-              </a:spcBef>
-              <a:spcAft>
-                <a:spcPct val="0"/>
-              </a:spcAft>
-              <a:buClrTx/>
-              <a:buSzTx/>
-              <a:buFontTx/>
-              <a:buAutoNum type="arabicPeriod" startAt="2"/>
-              <a:tabLst/>
-            </a:pPr>
-            <a:r>
-              <a:rPr kumimoji="0" lang="en-US" altLang="en-US" sz="1800" b="1" i="0" u="none" strike="noStrike" cap="none" normalizeH="0" baseline="0" dirty="0">
-                <a:ln>
-                  <a:noFill/>
-                </a:ln>
-                <a:solidFill>
-                  <a:schemeClr val="tx1"/>
-                </a:solidFill>
-                <a:effectLst/>
-                <a:latin typeface="Calibri" panose="020F0502020204030204" pitchFamily="34" charset="0"/>
-                <a:ea typeface="Calibri" panose="020F0502020204030204" pitchFamily="34" charset="0"/>
-                <a:cs typeface="Calibri" panose="020F0502020204030204" pitchFamily="34" charset="0"/>
-              </a:rPr>
-              <a:t>API Gateway</a:t>
-            </a:r>
-            <a:r>
-              <a:rPr kumimoji="0" lang="en-US" altLang="en-US" sz="1800" b="0" i="0" u="none" strike="noStrike" cap="none" normalizeH="0" baseline="0" dirty="0">
-                <a:ln>
-                  <a:noFill/>
-                </a:ln>
-                <a:solidFill>
-                  <a:schemeClr val="tx1"/>
-                </a:solidFill>
-                <a:effectLst/>
-                <a:latin typeface="Calibri" panose="020F0502020204030204" pitchFamily="34" charset="0"/>
-                <a:ea typeface="Calibri" panose="020F0502020204030204" pitchFamily="34" charset="0"/>
-                <a:cs typeface="Calibri" panose="020F0502020204030204" pitchFamily="34" charset="0"/>
-              </a:rPr>
-              <a:t>: Routes requests between the UI, Action Recognition Model, and storage components, ensuring smooth video processing and data flow. </a:t>
-            </a:r>
-          </a:p>
-          <a:p>
-            <a:pPr marL="0" marR="0" lvl="0" indent="0" algn="just" defTabSz="914400" rtl="0" eaLnBrk="0" fontAlgn="base" latinLnBrk="0" hangingPunct="0">
-              <a:lnSpc>
-                <a:spcPct val="100000"/>
-              </a:lnSpc>
-              <a:spcBef>
-                <a:spcPct val="0"/>
-              </a:spcBef>
-              <a:spcAft>
-                <a:spcPct val="0"/>
-              </a:spcAft>
-              <a:buClrTx/>
-              <a:buSzTx/>
-              <a:buFontTx/>
-              <a:buAutoNum type="arabicPeriod" startAt="3"/>
-              <a:tabLst/>
-            </a:pPr>
-            <a:r>
-              <a:rPr kumimoji="0" lang="en-US" altLang="en-US" sz="1800" b="1" i="0" u="none" strike="noStrike" cap="none" normalizeH="0" baseline="0" dirty="0">
-                <a:ln>
-                  <a:noFill/>
-                </a:ln>
-                <a:solidFill>
-                  <a:schemeClr val="tx1"/>
-                </a:solidFill>
-                <a:effectLst/>
-                <a:latin typeface="Calibri" panose="020F0502020204030204" pitchFamily="34" charset="0"/>
-                <a:ea typeface="Calibri" panose="020F0502020204030204" pitchFamily="34" charset="0"/>
-                <a:cs typeface="Calibri" panose="020F0502020204030204" pitchFamily="34" charset="0"/>
-              </a:rPr>
-              <a:t>Action Recognition Model</a:t>
-            </a:r>
-            <a:r>
-              <a:rPr kumimoji="0" lang="en-US" altLang="en-US" sz="1800" b="0" i="0" u="none" strike="noStrike" cap="none" normalizeH="0" baseline="0" dirty="0">
-                <a:ln>
-                  <a:noFill/>
-                </a:ln>
-                <a:solidFill>
-                  <a:schemeClr val="tx1"/>
-                </a:solidFill>
-                <a:effectLst/>
-                <a:latin typeface="Calibri" panose="020F0502020204030204" pitchFamily="34" charset="0"/>
-                <a:ea typeface="Calibri" panose="020F0502020204030204" pitchFamily="34" charset="0"/>
-                <a:cs typeface="Calibri" panose="020F0502020204030204" pitchFamily="34" charset="0"/>
-              </a:rPr>
-              <a:t>: Analyzes video frames to detect human actions, generating predictions and sending results for display and storage. </a:t>
-            </a:r>
-          </a:p>
-          <a:p>
-            <a:pPr marL="0" marR="0" lvl="0" indent="0" algn="just" defTabSz="914400" rtl="0" eaLnBrk="0" fontAlgn="base" latinLnBrk="0" hangingPunct="0">
-              <a:lnSpc>
-                <a:spcPct val="100000"/>
-              </a:lnSpc>
-              <a:spcBef>
-                <a:spcPct val="0"/>
-              </a:spcBef>
-              <a:spcAft>
-                <a:spcPct val="0"/>
-              </a:spcAft>
-              <a:buClrTx/>
-              <a:buSzTx/>
-              <a:buFontTx/>
-              <a:buAutoNum type="arabicPeriod" startAt="4"/>
-              <a:tabLst/>
-            </a:pPr>
-            <a:r>
-              <a:rPr kumimoji="0" lang="en-US" altLang="en-US" sz="1800" b="1" i="0" u="none" strike="noStrike" cap="none" normalizeH="0" baseline="0" dirty="0">
-                <a:ln>
-                  <a:noFill/>
-                </a:ln>
-                <a:solidFill>
-                  <a:schemeClr val="tx1"/>
-                </a:solidFill>
-                <a:effectLst/>
-                <a:latin typeface="Calibri" panose="020F0502020204030204" pitchFamily="34" charset="0"/>
-                <a:ea typeface="Calibri" panose="020F0502020204030204" pitchFamily="34" charset="0"/>
-                <a:cs typeface="Calibri" panose="020F0502020204030204" pitchFamily="34" charset="0"/>
-              </a:rPr>
-              <a:t>Video Storage</a:t>
-            </a:r>
-            <a:r>
-              <a:rPr kumimoji="0" lang="en-US" altLang="en-US" sz="1800" b="0" i="0" u="none" strike="noStrike" cap="none" normalizeH="0" baseline="0" dirty="0">
-                <a:ln>
-                  <a:noFill/>
-                </a:ln>
-                <a:solidFill>
-                  <a:schemeClr val="tx1"/>
-                </a:solidFill>
-                <a:effectLst/>
-                <a:latin typeface="Calibri" panose="020F0502020204030204" pitchFamily="34" charset="0"/>
-                <a:ea typeface="Calibri" panose="020F0502020204030204" pitchFamily="34" charset="0"/>
-                <a:cs typeface="Calibri" panose="020F0502020204030204" pitchFamily="34" charset="0"/>
-              </a:rPr>
-              <a:t>: Securely stores uploaded videos for future analysis or reference, ensuring they remain accessible for reprocessing. </a:t>
-            </a:r>
-          </a:p>
-          <a:p>
-            <a:pPr marL="0" marR="0" lvl="0" indent="0" algn="just" defTabSz="914400" rtl="0" eaLnBrk="0" fontAlgn="base" latinLnBrk="0" hangingPunct="0">
-              <a:lnSpc>
-                <a:spcPct val="100000"/>
-              </a:lnSpc>
-              <a:spcBef>
-                <a:spcPct val="0"/>
-              </a:spcBef>
-              <a:spcAft>
-                <a:spcPct val="0"/>
-              </a:spcAft>
-              <a:buClrTx/>
-              <a:buSzTx/>
-              <a:buFontTx/>
-              <a:buAutoNum type="arabicPeriod" startAt="5"/>
-              <a:tabLst/>
-            </a:pPr>
-            <a:r>
-              <a:rPr kumimoji="0" lang="en-US" altLang="en-US" sz="1800" b="1" i="0" u="none" strike="noStrike" cap="none" normalizeH="0" baseline="0" dirty="0">
-                <a:ln>
-                  <a:noFill/>
-                </a:ln>
-                <a:solidFill>
-                  <a:schemeClr val="tx1"/>
-                </a:solidFill>
-                <a:effectLst/>
-                <a:latin typeface="Calibri" panose="020F0502020204030204" pitchFamily="34" charset="0"/>
-                <a:ea typeface="Calibri" panose="020F0502020204030204" pitchFamily="34" charset="0"/>
-                <a:cs typeface="Calibri" panose="020F0502020204030204" pitchFamily="34" charset="0"/>
-              </a:rPr>
-              <a:t>Metadata Storage</a:t>
-            </a:r>
-            <a:r>
-              <a:rPr kumimoji="0" lang="en-US" altLang="en-US" sz="1800" b="0" i="0" u="none" strike="noStrike" cap="none" normalizeH="0" baseline="0" dirty="0">
-                <a:ln>
-                  <a:noFill/>
-                </a:ln>
-                <a:solidFill>
-                  <a:schemeClr val="tx1"/>
-                </a:solidFill>
-                <a:effectLst/>
-                <a:latin typeface="Calibri" panose="020F0502020204030204" pitchFamily="34" charset="0"/>
-                <a:ea typeface="Calibri" panose="020F0502020204030204" pitchFamily="34" charset="0"/>
-                <a:cs typeface="Calibri" panose="020F0502020204030204" pitchFamily="34" charset="0"/>
-              </a:rPr>
-              <a:t>: Stores critical metadata, such as detected actions and timestamps, for efficient retrieval and future analysis. </a:t>
+              <a:t>User Interface (UI):</a:t>
             </a:r>
           </a:p>
           <a:p>
@@ -8606,6 +8237,39 @@
               <a:buNone/>
               <a:tabLst/>
             </a:pPr>
+            <a:r>
+              <a:rPr kumimoji="0" lang="en-US" altLang="en-US" sz="1800" b="0" i="0" u="none" strike="noStrike" cap="none" normalizeH="0" baseline="0" dirty="0">
+                <a:ln>
+                  <a:noFill/>
+                </a:ln>
+                <a:solidFill>
+                  <a:schemeClr val="tx1"/>
+                </a:solidFill>
+                <a:effectLst/>
+                <a:latin typeface="Calibri" panose="020F0502020204030204" pitchFamily="34" charset="0"/>
+                <a:ea typeface="Calibri" panose="020F0502020204030204" pitchFamily="34" charset="0"/>
+                <a:cs typeface="Calibri" panose="020F0502020204030204" pitchFamily="34" charset="0"/>
+              </a:rPr>
+              <a:t>	Lets the user start or stop the system and view both the live traffic video and the selected 	advertisement on a webpage.</a:t>
+            </a:r>
+          </a:p>
+          <a:p>
+            <a:pPr marL="0" marR="0" lvl="0" indent="0" algn="l" defTabSz="914400" rtl="0" eaLnBrk="0" fontAlgn="base" latinLnBrk="0" hangingPunct="0">
+              <a:lnSpc>
+                <a:spcPct val="100000"/>
+              </a:lnSpc>
+              <a:spcBef>
+                <a:spcPct val="0"/>
+              </a:spcBef>
+              <a:spcAft>
+                <a:spcPct val="0"/>
+              </a:spcAft>
+              <a:buClrTx/>
+              <a:buSzTx/>
+              <a:buFontTx/>
+              <a:buNone/>
+              <a:tabLst/>
+            </a:pPr>
             <a:endParaRPr kumimoji="0" lang="en-US" altLang="en-US" sz="1800" b="0" i="0" u="none" strike="noStrike" cap="none" normalizeH="0" baseline="0" dirty="0">
               <a:ln>
                 <a:noFill/>
@@ -8619,12 +8283,759 @@
               <a:cs typeface="Calibri" panose="020F0502020204030204" pitchFamily="34" charset="0"/>
             </a:endParaRPr>
           </a:p>
+          <a:p>
+            <a:pPr marL="0" marR="0" lvl="0" indent="0" algn="l" defTabSz="914400" rtl="0" eaLnBrk="0" fontAlgn="base" latinLnBrk="0" hangingPunct="0">
+              <a:lnSpc>
+                <a:spcPct val="100000"/>
+              </a:lnSpc>
+              <a:spcBef>
+                <a:spcPct val="0"/>
+              </a:spcBef>
+              <a:spcAft>
+                <a:spcPct val="0"/>
+              </a:spcAft>
+              <a:buClrTx/>
+              <a:buSzTx/>
+              <a:buFontTx/>
+              <a:buNone/>
+              <a:tabLst/>
+            </a:pPr>
+            <a:r>
+              <a:rPr kumimoji="0" lang="en-US" altLang="en-US" sz="1800" b="1" i="0" u="none" strike="noStrike" cap="none" normalizeH="0" baseline="0" dirty="0">
+                <a:ln>
+                  <a:noFill/>
+                </a:ln>
+                <a:solidFill>
+                  <a:schemeClr val="tx1"/>
+                </a:solidFill>
+                <a:effectLst/>
+                <a:latin typeface="Calibri" panose="020F0502020204030204" pitchFamily="34" charset="0"/>
+                <a:ea typeface="Calibri" panose="020F0502020204030204" pitchFamily="34" charset="0"/>
+                <a:cs typeface="Calibri" panose="020F0502020204030204" pitchFamily="34" charset="0"/>
+              </a:rPr>
+              <a:t>Camera Module:</a:t>
+            </a:r>
+          </a:p>
+          <a:p>
+            <a:pPr marL="0" marR="0" lvl="0" indent="0" algn="l" defTabSz="914400" rtl="0" eaLnBrk="0" fontAlgn="base" latinLnBrk="0" hangingPunct="0">
+              <a:lnSpc>
+                <a:spcPct val="100000"/>
+              </a:lnSpc>
+              <a:spcBef>
+                <a:spcPct val="0"/>
+              </a:spcBef>
+              <a:spcAft>
+                <a:spcPct val="0"/>
+              </a:spcAft>
+              <a:buClrTx/>
+              <a:buSzTx/>
+              <a:buFontTx/>
+              <a:buNone/>
+              <a:tabLst/>
+            </a:pPr>
+            <a:r>
+              <a:rPr kumimoji="0" lang="en-US" altLang="en-US" sz="1800" b="0" i="0" u="none" strike="noStrike" cap="none" normalizeH="0" baseline="0" dirty="0">
+                <a:ln>
+                  <a:noFill/>
+                </a:ln>
+                <a:solidFill>
+                  <a:schemeClr val="tx1"/>
+                </a:solidFill>
+                <a:effectLst/>
+                <a:latin typeface="Calibri" panose="020F0502020204030204" pitchFamily="34" charset="0"/>
+                <a:ea typeface="Calibri" panose="020F0502020204030204" pitchFamily="34" charset="0"/>
+                <a:cs typeface="Calibri" panose="020F0502020204030204" pitchFamily="34" charset="0"/>
+              </a:rPr>
+              <a:t>	Captures live video from the road using a camera. It sends these video frames for further 	processing to detect vehicles.</a:t>
+            </a:r>
+          </a:p>
+          <a:p>
+            <a:pPr marL="0" marR="0" lvl="0" indent="0" algn="l" defTabSz="914400" rtl="0" eaLnBrk="0" fontAlgn="base" latinLnBrk="0" hangingPunct="0">
+              <a:lnSpc>
+                <a:spcPct val="100000"/>
+              </a:lnSpc>
+              <a:spcBef>
+                <a:spcPct val="0"/>
+              </a:spcBef>
+              <a:spcAft>
+                <a:spcPct val="0"/>
+              </a:spcAft>
+              <a:buClrTx/>
+              <a:buSzTx/>
+              <a:buFontTx/>
+              <a:buNone/>
+              <a:tabLst/>
+            </a:pPr>
+            <a:endParaRPr kumimoji="0" lang="en-US" altLang="en-US" sz="1800" b="0" i="0" u="none" strike="noStrike" cap="none" normalizeH="0" baseline="0" dirty="0">
+              <a:ln>
+                <a:noFill/>
+              </a:ln>
+              <a:solidFill>
+                <a:schemeClr val="tx1"/>
+              </a:solidFill>
+              <a:effectLst/>
+              <a:latin typeface="Calibri" panose="020F0502020204030204" pitchFamily="34" charset="0"/>
+              <a:ea typeface="Calibri" panose="020F0502020204030204" pitchFamily="34" charset="0"/>
+              <a:cs typeface="Calibri" panose="020F0502020204030204" pitchFamily="34" charset="0"/>
+            </a:endParaRPr>
+          </a:p>
+          <a:p>
+            <a:pPr marL="0" marR="0" lvl="0" indent="0" algn="l" defTabSz="914400" rtl="0" eaLnBrk="0" fontAlgn="base" latinLnBrk="0" hangingPunct="0">
+              <a:lnSpc>
+                <a:spcPct val="100000"/>
+              </a:lnSpc>
+              <a:spcBef>
+                <a:spcPct val="0"/>
+              </a:spcBef>
+              <a:spcAft>
+                <a:spcPct val="0"/>
+              </a:spcAft>
+              <a:buClrTx/>
+              <a:buSzTx/>
+              <a:buFontTx/>
+              <a:buNone/>
+              <a:tabLst/>
+            </a:pPr>
+            <a:r>
+              <a:rPr kumimoji="0" lang="en-US" altLang="en-US" sz="1800" b="1" i="0" u="none" strike="noStrike" cap="none" normalizeH="0" baseline="0" dirty="0">
+                <a:ln>
+                  <a:noFill/>
+                </a:ln>
+                <a:solidFill>
+                  <a:schemeClr val="tx1"/>
+                </a:solidFill>
+                <a:effectLst/>
+                <a:latin typeface="Calibri" panose="020F0502020204030204" pitchFamily="34" charset="0"/>
+                <a:ea typeface="Calibri" panose="020F0502020204030204" pitchFamily="34" charset="0"/>
+                <a:cs typeface="Calibri" panose="020F0502020204030204" pitchFamily="34" charset="0"/>
+              </a:rPr>
+              <a:t>Vehicle Detection Module</a:t>
+            </a:r>
+            <a:r>
+              <a:rPr kumimoji="0" lang="en-US" altLang="en-US" sz="1800" b="0" i="0" u="none" strike="noStrike" cap="none" normalizeH="0" baseline="0" dirty="0">
+                <a:ln>
+                  <a:noFill/>
+                </a:ln>
+                <a:solidFill>
+                  <a:schemeClr val="tx1"/>
+                </a:solidFill>
+                <a:effectLst/>
+                <a:latin typeface="Calibri" panose="020F0502020204030204" pitchFamily="34" charset="0"/>
+                <a:ea typeface="Calibri" panose="020F0502020204030204" pitchFamily="34" charset="0"/>
+                <a:cs typeface="Calibri" panose="020F0502020204030204" pitchFamily="34" charset="0"/>
+              </a:rPr>
+              <a:t>:</a:t>
+            </a:r>
+          </a:p>
+          <a:p>
+            <a:pPr marL="0" marR="0" lvl="0" indent="0" algn="l" defTabSz="914400" rtl="0" eaLnBrk="0" fontAlgn="base" latinLnBrk="0" hangingPunct="0">
+              <a:lnSpc>
+                <a:spcPct val="100000"/>
+              </a:lnSpc>
+              <a:spcBef>
+                <a:spcPct val="0"/>
+              </a:spcBef>
+              <a:spcAft>
+                <a:spcPct val="0"/>
+              </a:spcAft>
+              <a:buClrTx/>
+              <a:buSzTx/>
+              <a:buFontTx/>
+              <a:buNone/>
+              <a:tabLst/>
+            </a:pPr>
+            <a:r>
+              <a:rPr kumimoji="0" lang="en-US" altLang="en-US" sz="1800" b="0" i="0" u="none" strike="noStrike" cap="none" normalizeH="0" baseline="0" dirty="0">
+                <a:ln>
+                  <a:noFill/>
+                </a:ln>
+                <a:solidFill>
+                  <a:schemeClr val="tx1"/>
+                </a:solidFill>
+                <a:effectLst/>
+                <a:latin typeface="Calibri" panose="020F0502020204030204" pitchFamily="34" charset="0"/>
+                <a:ea typeface="Calibri" panose="020F0502020204030204" pitchFamily="34" charset="0"/>
+                <a:cs typeface="Calibri" panose="020F0502020204030204" pitchFamily="34" charset="0"/>
+              </a:rPr>
+              <a:t>	Uses the YOLOv8 model to detect and count vehicles like cars, buses, and trucks in each 	frame of the live video.</a:t>
+            </a:r>
+          </a:p>
+          <a:p>
+            <a:pPr marL="0" marR="0" lvl="0" indent="0" algn="l" defTabSz="914400" rtl="0" eaLnBrk="0" fontAlgn="base" latinLnBrk="0" hangingPunct="0">
+              <a:lnSpc>
+                <a:spcPct val="100000"/>
+              </a:lnSpc>
+              <a:spcBef>
+                <a:spcPct val="0"/>
+              </a:spcBef>
+              <a:spcAft>
+                <a:spcPct val="0"/>
+              </a:spcAft>
+              <a:buClrTx/>
+              <a:buSzTx/>
+              <a:buFontTx/>
+              <a:buNone/>
+              <a:tabLst/>
+            </a:pPr>
+            <a:endParaRPr kumimoji="0" lang="en-US" altLang="en-US" sz="1800" b="0" i="0" u="none" strike="noStrike" cap="none" normalizeH="0" baseline="0" dirty="0">
+              <a:ln>
+                <a:noFill/>
+              </a:ln>
+              <a:solidFill>
+                <a:schemeClr val="tx1"/>
+              </a:solidFill>
+              <a:effectLst/>
+              <a:latin typeface="Calibri" panose="020F0502020204030204" pitchFamily="34" charset="0"/>
+              <a:ea typeface="Calibri" panose="020F0502020204030204" pitchFamily="34" charset="0"/>
+              <a:cs typeface="Calibri" panose="020F0502020204030204" pitchFamily="34" charset="0"/>
+            </a:endParaRPr>
+          </a:p>
+          <a:p>
+            <a:pPr marL="0" marR="0" lvl="0" indent="0" algn="l" defTabSz="914400" rtl="0" eaLnBrk="0" fontAlgn="base" latinLnBrk="0" hangingPunct="0">
+              <a:lnSpc>
+                <a:spcPct val="100000"/>
+              </a:lnSpc>
+              <a:spcBef>
+                <a:spcPct val="0"/>
+              </a:spcBef>
+              <a:spcAft>
+                <a:spcPct val="0"/>
+              </a:spcAft>
+              <a:buClrTx/>
+              <a:buSzTx/>
+              <a:buFontTx/>
+              <a:buNone/>
+              <a:tabLst/>
+            </a:pPr>
+            <a:r>
+              <a:rPr kumimoji="0" lang="en-US" altLang="en-US" sz="1800" b="1" i="0" u="none" strike="noStrike" cap="none" normalizeH="0" baseline="0" dirty="0">
+                <a:ln>
+                  <a:noFill/>
+                </a:ln>
+                <a:solidFill>
+                  <a:schemeClr val="tx1"/>
+                </a:solidFill>
+                <a:effectLst/>
+                <a:latin typeface="Calibri" panose="020F0502020204030204" pitchFamily="34" charset="0"/>
+                <a:ea typeface="Calibri" panose="020F0502020204030204" pitchFamily="34" charset="0"/>
+                <a:cs typeface="Calibri" panose="020F0502020204030204" pitchFamily="34" charset="0"/>
+              </a:rPr>
+              <a:t>Ad Decision Module</a:t>
+            </a:r>
+            <a:r>
+              <a:rPr kumimoji="0" lang="en-US" altLang="en-US" sz="1800" b="0" i="0" u="none" strike="noStrike" cap="none" normalizeH="0" baseline="0" dirty="0">
+                <a:ln>
+                  <a:noFill/>
+                </a:ln>
+                <a:solidFill>
+                  <a:schemeClr val="tx1"/>
+                </a:solidFill>
+                <a:effectLst/>
+                <a:latin typeface="Calibri" panose="020F0502020204030204" pitchFamily="34" charset="0"/>
+                <a:ea typeface="Calibri" panose="020F0502020204030204" pitchFamily="34" charset="0"/>
+                <a:cs typeface="Calibri" panose="020F0502020204030204" pitchFamily="34" charset="0"/>
+              </a:rPr>
+              <a:t>:</a:t>
+            </a:r>
+          </a:p>
+          <a:p>
+            <a:pPr marL="0" marR="0" lvl="0" indent="0" algn="l" defTabSz="914400" rtl="0" eaLnBrk="0" fontAlgn="base" latinLnBrk="0" hangingPunct="0">
+              <a:lnSpc>
+                <a:spcPct val="100000"/>
+              </a:lnSpc>
+              <a:spcBef>
+                <a:spcPct val="0"/>
+              </a:spcBef>
+              <a:spcAft>
+                <a:spcPct val="0"/>
+              </a:spcAft>
+              <a:buClrTx/>
+              <a:buSzTx/>
+              <a:buFontTx/>
+              <a:buNone/>
+              <a:tabLst/>
+            </a:pPr>
+            <a:r>
+              <a:rPr kumimoji="0" lang="en-US" altLang="en-US" sz="1800" b="0" i="0" u="none" strike="noStrike" cap="none" normalizeH="0" baseline="0" dirty="0">
+                <a:ln>
+                  <a:noFill/>
+                </a:ln>
+                <a:solidFill>
+                  <a:schemeClr val="tx1"/>
+                </a:solidFill>
+                <a:effectLst/>
+                <a:latin typeface="Calibri" panose="020F0502020204030204" pitchFamily="34" charset="0"/>
+                <a:ea typeface="Calibri" panose="020F0502020204030204" pitchFamily="34" charset="0"/>
+                <a:cs typeface="Calibri" panose="020F0502020204030204" pitchFamily="34" charset="0"/>
+              </a:rPr>
+              <a:t>	Chooses the right advertisement based on how many vehicles are detected. Fewer vehicles 	show basic ads; more vehicles show premium ads.</a:t>
+            </a:r>
+          </a:p>
+          <a:p>
+            <a:pPr marL="0" marR="0" lvl="0" indent="0" algn="l" defTabSz="914400" rtl="0" eaLnBrk="0" fontAlgn="base" latinLnBrk="0" hangingPunct="0">
+              <a:lnSpc>
+                <a:spcPct val="100000"/>
+              </a:lnSpc>
+              <a:spcBef>
+                <a:spcPct val="0"/>
+              </a:spcBef>
+              <a:spcAft>
+                <a:spcPct val="0"/>
+              </a:spcAft>
+              <a:buClrTx/>
+              <a:buSzTx/>
+              <a:buFontTx/>
+              <a:buNone/>
+              <a:tabLst/>
+            </a:pPr>
+            <a:endParaRPr kumimoji="0" lang="en-US" altLang="en-US" sz="1800" b="0" i="0" u="none" strike="noStrike" cap="none" normalizeH="0" baseline="0" dirty="0">
+              <a:ln>
+                <a:noFill/>
+              </a:ln>
+              <a:solidFill>
+                <a:schemeClr val="tx1"/>
+              </a:solidFill>
+              <a:effectLst/>
+              <a:latin typeface="Calibri" panose="020F0502020204030204" pitchFamily="34" charset="0"/>
+              <a:ea typeface="Calibri" panose="020F0502020204030204" pitchFamily="34" charset="0"/>
+              <a:cs typeface="Calibri" panose="020F0502020204030204" pitchFamily="34" charset="0"/>
+            </a:endParaRPr>
+          </a:p>
+          <a:p>
+            <a:pPr marL="0" marR="0" lvl="0" indent="0" algn="l" defTabSz="914400" rtl="0" eaLnBrk="0" fontAlgn="base" latinLnBrk="0" hangingPunct="0">
+              <a:lnSpc>
+                <a:spcPct val="100000"/>
+              </a:lnSpc>
+              <a:spcBef>
+                <a:spcPct val="0"/>
+              </a:spcBef>
+              <a:spcAft>
+                <a:spcPct val="0"/>
+              </a:spcAft>
+              <a:buClrTx/>
+              <a:buSzTx/>
+              <a:buFontTx/>
+              <a:buNone/>
+              <a:tabLst/>
+            </a:pPr>
+            <a:endParaRPr kumimoji="0" lang="en-US" altLang="en-US" sz="1800" b="0" i="0" u="none" strike="noStrike" cap="none" normalizeH="0" baseline="0" dirty="0">
+              <a:ln>
+                <a:noFill/>
+              </a:ln>
+              <a:solidFill>
+                <a:schemeClr val="tx1"/>
+              </a:solidFill>
+              <a:effectLst/>
+              <a:latin typeface="Calibri" panose="020F0502020204030204" pitchFamily="34" charset="0"/>
+              <a:ea typeface="Calibri" panose="020F0502020204030204" pitchFamily="34" charset="0"/>
+              <a:cs typeface="Calibri" panose="020F0502020204030204" pitchFamily="34" charset="0"/>
+            </a:endParaRPr>
+          </a:p>
         </p:txBody>
       </p:sp>
     </p:spTree>
     <p:extLst>
       <p:ext uri="{BB962C8B-B14F-4D97-AF65-F5344CB8AC3E}">
         <p14:creationId xmlns:p14="http://schemas.microsoft.com/office/powerpoint/2010/main" val="1879267690"/>
+      </p:ext>
+    </p:extLst>
+  </p:cSld>
+  <p:clrMapOvr>
+    <a:masterClrMapping/>
+  </p:clrMapOvr>
+</p:sld>
+</file>
+
+<file path=ppt/slides/slide15.xml><?xml version="1.0" encoding="utf-8"?>
+<p:sld xmlns:a="http://schemas.openxmlformats.org/drawingml/2006/main" xmlns:r="http://schemas.openxmlformats.org/officeDocument/2006/relationships" xmlns:p="http://schemas.openxmlformats.org/presentationml/2006/main">
+  <p:cSld>
+    <p:spTree>
+      <p:nvGrpSpPr>
+        <p:cNvPr id="1" name="">
+          <a:extLst>
+            <a:ext uri="{FF2B5EF4-FFF2-40B4-BE49-F238E27FC236}">
+              <a16:creationId xmlns:a16="http://schemas.microsoft.com/office/drawing/2014/main" id="{9682B3AD-1589-CD50-259E-34DFA343FA7F}"/>
+            </a:ext>
+          </a:extLst>
+        </p:cNvPr>
+        <p:cNvGrpSpPr/>
+        <p:nvPr/>
+      </p:nvGrpSpPr>
+      <p:grpSpPr>
+        <a:xfrm>
+          <a:off x="0" y="0"/>
+          <a:ext cx="0" cy="0"/>
+          <a:chOff x="0" y="0"/>
+          <a:chExt cx="0" cy="0"/>
+        </a:xfrm>
+      </p:grpSpPr>
+      <p:sp>
+        <p:nvSpPr>
+          <p:cNvPr id="2" name="Title 1">
+            <a:extLst>
+              <a:ext uri="{FF2B5EF4-FFF2-40B4-BE49-F238E27FC236}">
+                <a16:creationId xmlns:a16="http://schemas.microsoft.com/office/drawing/2014/main" id="{D99567A6-8E79-AB92-10E7-AEA79146A92F}"/>
+              </a:ext>
+            </a:extLst>
+          </p:cNvPr>
+          <p:cNvSpPr>
+            <a:spLocks noGrp="1"/>
+          </p:cNvSpPr>
+          <p:nvPr>
+            <p:ph type="title"/>
+          </p:nvPr>
+        </p:nvSpPr>
+        <p:spPr/>
+        <p:txBody>
+          <a:bodyPr/>
+          <a:lstStyle/>
+          <a:p>
+            <a:r>
+              <a:rPr lang="en-US" sz="3200" dirty="0">
+                <a:solidFill>
+                  <a:schemeClr val="tx1"/>
+                </a:solidFill>
+                <a:latin typeface="Times New Roman" pitchFamily="18" charset="0"/>
+                <a:ea typeface="Times New Roman" panose="02020603050405020304"/>
+                <a:cs typeface="Times New Roman" pitchFamily="18" charset="0"/>
+                <a:sym typeface="Times New Roman" panose="02020603050405020304"/>
+              </a:rPr>
+              <a:t>Modules Description</a:t>
+            </a:r>
+            <a:endParaRPr lang="en-IN" dirty="0"/>
+          </a:p>
+        </p:txBody>
+      </p:sp>
+      <p:sp>
+        <p:nvSpPr>
+          <p:cNvPr id="4" name="Rectangle 1">
+            <a:extLst>
+              <a:ext uri="{FF2B5EF4-FFF2-40B4-BE49-F238E27FC236}">
+                <a16:creationId xmlns:a16="http://schemas.microsoft.com/office/drawing/2014/main" id="{96434424-D22E-A955-F070-045AB9940719}"/>
+              </a:ext>
+            </a:extLst>
+          </p:cNvPr>
+          <p:cNvSpPr>
+            <a:spLocks noGrp="1" noChangeArrowheads="1"/>
+          </p:cNvSpPr>
+          <p:nvPr>
+            <p:ph sz="quarter" idx="1"/>
+          </p:nvPr>
+        </p:nvSpPr>
+        <p:spPr bwMode="auto">
+          <a:xfrm>
+            <a:off x="609600" y="2467416"/>
+            <a:ext cx="9753600" cy="3139321"/>
+          </a:xfrm>
+          <a:prstGeom prst="rect">
+            <a:avLst/>
+          </a:prstGeom>
+          <a:noFill/>
+          <a:ln>
+            <a:noFill/>
+          </a:ln>
+          <a:effectLst/>
+          <a:extLst>
+            <a:ext uri="{909E8E84-426E-40DD-AFC4-6F175D3DCCD1}">
+              <a14:hiddenFill xmlns:a14="http://schemas.microsoft.com/office/drawing/2010/main">
+                <a:solidFill>
+                  <a:schemeClr val="accent1"/>
+                </a:solidFill>
+              </a14:hiddenFill>
+            </a:ext>
+            <a:ext uri="{91240B29-F687-4F45-9708-019B960494DF}">
+              <a14:hiddenLine xmlns:a14="http://schemas.microsoft.com/office/drawing/2010/main" w="9525">
+                <a:solidFill>
+                  <a:schemeClr val="tx1"/>
+                </a:solidFill>
+                <a:miter lim="800000"/>
+                <a:headEnd/>
+                <a:tailEnd/>
+              </a14:hiddenLine>
+            </a:ext>
+            <a:ext uri="{AF507438-7753-43E0-B8FC-AC1667EBCBE1}">
+              <a14:hiddenEffects xmlns:a14="http://schemas.microsoft.com/office/drawing/2010/main">
+                <a:effectLst>
+                  <a:outerShdw dist="35921" dir="2700000" algn="ctr" rotWithShape="0">
+                    <a:schemeClr val="bg2"/>
+                  </a:outerShdw>
+                </a:effectLst>
+              </a14:hiddenEffects>
+            </a:ext>
+          </a:extLst>
+        </p:spPr>
+        <p:txBody>
+          <a:bodyPr vert="horz" wrap="square" lIns="91440" tIns="45720" rIns="91440" bIns="45720" numCol="1" anchor="ctr" anchorCtr="0" compatLnSpc="1">
+            <a:prstTxWarp prst="textNoShape">
+              <a:avLst/>
+            </a:prstTxWarp>
+            <a:spAutoFit/>
+          </a:bodyPr>
+          <a:lstStyle/>
+          <a:p>
+            <a:pPr marL="0" marR="0" lvl="0" indent="0" algn="l" defTabSz="914400" rtl="0" eaLnBrk="0" fontAlgn="base" latinLnBrk="0" hangingPunct="0">
+              <a:lnSpc>
+                <a:spcPct val="100000"/>
+              </a:lnSpc>
+              <a:spcBef>
+                <a:spcPct val="0"/>
+              </a:spcBef>
+              <a:spcAft>
+                <a:spcPct val="0"/>
+              </a:spcAft>
+              <a:buClrTx/>
+              <a:buSzTx/>
+              <a:buFontTx/>
+              <a:buNone/>
+              <a:tabLst/>
+            </a:pPr>
+            <a:r>
+              <a:rPr kumimoji="0" lang="en-US" altLang="en-US" sz="1800" b="1" i="0" u="none" strike="noStrike" cap="none" normalizeH="0" baseline="0" dirty="0">
+                <a:ln>
+                  <a:noFill/>
+                </a:ln>
+                <a:solidFill>
+                  <a:schemeClr val="tx1"/>
+                </a:solidFill>
+                <a:effectLst/>
+                <a:latin typeface="Calibri" panose="020F0502020204030204" pitchFamily="34" charset="0"/>
+                <a:ea typeface="Calibri" panose="020F0502020204030204" pitchFamily="34" charset="0"/>
+                <a:cs typeface="Calibri" panose="020F0502020204030204" pitchFamily="34" charset="0"/>
+              </a:rPr>
+              <a:t>Ad Storage Module:</a:t>
+            </a:r>
+          </a:p>
+          <a:p>
+            <a:pPr marL="0" marR="0" lvl="0" indent="0" algn="l" defTabSz="914400" rtl="0" eaLnBrk="0" fontAlgn="base" latinLnBrk="0" hangingPunct="0">
+              <a:lnSpc>
+                <a:spcPct val="100000"/>
+              </a:lnSpc>
+              <a:spcBef>
+                <a:spcPct val="0"/>
+              </a:spcBef>
+              <a:spcAft>
+                <a:spcPct val="0"/>
+              </a:spcAft>
+              <a:buClrTx/>
+              <a:buSzTx/>
+              <a:buFontTx/>
+              <a:buNone/>
+              <a:tabLst/>
+            </a:pPr>
+            <a:r>
+              <a:rPr kumimoji="0" lang="en-US" altLang="en-US" sz="1800" b="0" i="0" u="none" strike="noStrike" cap="none" normalizeH="0" baseline="0" dirty="0">
+                <a:ln>
+                  <a:noFill/>
+                </a:ln>
+                <a:solidFill>
+                  <a:schemeClr val="tx1"/>
+                </a:solidFill>
+                <a:effectLst/>
+                <a:latin typeface="Calibri" panose="020F0502020204030204" pitchFamily="34" charset="0"/>
+                <a:ea typeface="Calibri" panose="020F0502020204030204" pitchFamily="34" charset="0"/>
+                <a:cs typeface="Calibri" panose="020F0502020204030204" pitchFamily="34" charset="0"/>
+              </a:rPr>
+              <a:t>	Stores all advertisement images in different categories such as low, medium, and high. The 	system picks the right ad from here.</a:t>
+            </a:r>
+          </a:p>
+          <a:p>
+            <a:pPr marL="0" marR="0" lvl="0" indent="0" algn="l" defTabSz="914400" rtl="0" eaLnBrk="0" fontAlgn="base" latinLnBrk="0" hangingPunct="0">
+              <a:lnSpc>
+                <a:spcPct val="100000"/>
+              </a:lnSpc>
+              <a:spcBef>
+                <a:spcPct val="0"/>
+              </a:spcBef>
+              <a:spcAft>
+                <a:spcPct val="0"/>
+              </a:spcAft>
+              <a:buClrTx/>
+              <a:buSzTx/>
+              <a:buFontTx/>
+              <a:buNone/>
+              <a:tabLst/>
+            </a:pPr>
+            <a:endParaRPr kumimoji="0" lang="en-US" altLang="en-US" sz="1800" b="0" i="0" u="none" strike="noStrike" cap="none" normalizeH="0" baseline="0" dirty="0">
+              <a:ln>
+                <a:noFill/>
+              </a:ln>
+              <a:solidFill>
+                <a:schemeClr val="tx1"/>
+              </a:solidFill>
+              <a:effectLst/>
+              <a:latin typeface="Calibri" panose="020F0502020204030204" pitchFamily="34" charset="0"/>
+              <a:ea typeface="Calibri" panose="020F0502020204030204" pitchFamily="34" charset="0"/>
+              <a:cs typeface="Calibri" panose="020F0502020204030204" pitchFamily="34" charset="0"/>
+            </a:endParaRPr>
+          </a:p>
+          <a:p>
+            <a:pPr marL="0" marR="0" lvl="0" indent="0" algn="l" defTabSz="914400" rtl="0" eaLnBrk="0" fontAlgn="base" latinLnBrk="0" hangingPunct="0">
+              <a:lnSpc>
+                <a:spcPct val="100000"/>
+              </a:lnSpc>
+              <a:spcBef>
+                <a:spcPct val="0"/>
+              </a:spcBef>
+              <a:spcAft>
+                <a:spcPct val="0"/>
+              </a:spcAft>
+              <a:buClrTx/>
+              <a:buSzTx/>
+              <a:buFontTx/>
+              <a:buNone/>
+              <a:tabLst/>
+            </a:pPr>
+            <a:r>
+              <a:rPr kumimoji="0" lang="en-US" altLang="en-US" sz="1800" b="1" i="0" u="none" strike="noStrike" cap="none" normalizeH="0" baseline="0" dirty="0">
+                <a:ln>
+                  <a:noFill/>
+                </a:ln>
+                <a:solidFill>
+                  <a:schemeClr val="tx1"/>
+                </a:solidFill>
+                <a:effectLst/>
+                <a:latin typeface="Calibri" panose="020F0502020204030204" pitchFamily="34" charset="0"/>
+                <a:ea typeface="Calibri" panose="020F0502020204030204" pitchFamily="34" charset="0"/>
+                <a:cs typeface="Calibri" panose="020F0502020204030204" pitchFamily="34" charset="0"/>
+              </a:rPr>
+              <a:t>Streaming Module:</a:t>
+            </a:r>
+          </a:p>
+          <a:p>
+            <a:pPr marL="0" marR="0" lvl="0" indent="0" algn="l" defTabSz="914400" rtl="0" eaLnBrk="0" fontAlgn="base" latinLnBrk="0" hangingPunct="0">
+              <a:lnSpc>
+                <a:spcPct val="100000"/>
+              </a:lnSpc>
+              <a:spcBef>
+                <a:spcPct val="0"/>
+              </a:spcBef>
+              <a:spcAft>
+                <a:spcPct val="0"/>
+              </a:spcAft>
+              <a:buClrTx/>
+              <a:buSzTx/>
+              <a:buFontTx/>
+              <a:buNone/>
+              <a:tabLst/>
+            </a:pPr>
+            <a:r>
+              <a:rPr kumimoji="0" lang="en-US" altLang="en-US" sz="1800" b="0" i="0" u="none" strike="noStrike" cap="none" normalizeH="0" baseline="0" dirty="0">
+                <a:ln>
+                  <a:noFill/>
+                </a:ln>
+                <a:solidFill>
+                  <a:schemeClr val="tx1"/>
+                </a:solidFill>
+                <a:effectLst/>
+                <a:latin typeface="Calibri" panose="020F0502020204030204" pitchFamily="34" charset="0"/>
+                <a:ea typeface="Calibri" panose="020F0502020204030204" pitchFamily="34" charset="0"/>
+                <a:cs typeface="Calibri" panose="020F0502020204030204" pitchFamily="34" charset="0"/>
+              </a:rPr>
+              <a:t>	Streams both the live video and the selected advertisement to the browser in real time so 	the user can see everything live.</a:t>
+            </a:r>
+          </a:p>
+          <a:p>
+            <a:pPr marL="0" marR="0" lvl="0" indent="0" algn="l" defTabSz="914400" rtl="0" eaLnBrk="0" fontAlgn="base" latinLnBrk="0" hangingPunct="0">
+              <a:lnSpc>
+                <a:spcPct val="100000"/>
+              </a:lnSpc>
+              <a:spcBef>
+                <a:spcPct val="0"/>
+              </a:spcBef>
+              <a:spcAft>
+                <a:spcPct val="0"/>
+              </a:spcAft>
+              <a:buClrTx/>
+              <a:buSzTx/>
+              <a:buFontTx/>
+              <a:buNone/>
+              <a:tabLst/>
+            </a:pPr>
+            <a:endParaRPr kumimoji="0" lang="en-US" altLang="en-US" sz="1800" b="0" i="0" u="none" strike="noStrike" cap="none" normalizeH="0" baseline="0" dirty="0">
+              <a:ln>
+                <a:noFill/>
+              </a:ln>
+              <a:solidFill>
+                <a:schemeClr val="tx1"/>
+              </a:solidFill>
+              <a:effectLst/>
+              <a:latin typeface="Calibri" panose="020F0502020204030204" pitchFamily="34" charset="0"/>
+              <a:ea typeface="Calibri" panose="020F0502020204030204" pitchFamily="34" charset="0"/>
+              <a:cs typeface="Calibri" panose="020F0502020204030204" pitchFamily="34" charset="0"/>
+            </a:endParaRPr>
+          </a:p>
+          <a:p>
+            <a:pPr marL="0" marR="0" lvl="0" indent="0" algn="l" defTabSz="914400" rtl="0" eaLnBrk="0" fontAlgn="base" latinLnBrk="0" hangingPunct="0">
+              <a:lnSpc>
+                <a:spcPct val="100000"/>
+              </a:lnSpc>
+              <a:spcBef>
+                <a:spcPct val="0"/>
+              </a:spcBef>
+              <a:spcAft>
+                <a:spcPct val="0"/>
+              </a:spcAft>
+              <a:buClrTx/>
+              <a:buSzTx/>
+              <a:buFontTx/>
+              <a:buNone/>
+              <a:tabLst/>
+            </a:pPr>
+            <a:r>
+              <a:rPr kumimoji="0" lang="en-US" altLang="en-US" sz="1800" b="1" i="0" u="none" strike="noStrike" cap="none" normalizeH="0" baseline="0" dirty="0">
+                <a:ln>
+                  <a:noFill/>
+                </a:ln>
+                <a:solidFill>
+                  <a:schemeClr val="tx1"/>
+                </a:solidFill>
+                <a:effectLst/>
+                <a:latin typeface="Calibri" panose="020F0502020204030204" pitchFamily="34" charset="0"/>
+                <a:ea typeface="Calibri" panose="020F0502020204030204" pitchFamily="34" charset="0"/>
+                <a:cs typeface="Calibri" panose="020F0502020204030204" pitchFamily="34" charset="0"/>
+              </a:rPr>
+              <a:t>Shared Data Module:</a:t>
+            </a:r>
+          </a:p>
+          <a:p>
+            <a:pPr marL="0" marR="0" lvl="0" indent="0" algn="l" defTabSz="914400" rtl="0" eaLnBrk="0" fontAlgn="base" latinLnBrk="0" hangingPunct="0">
+              <a:lnSpc>
+                <a:spcPct val="100000"/>
+              </a:lnSpc>
+              <a:spcBef>
+                <a:spcPct val="0"/>
+              </a:spcBef>
+              <a:spcAft>
+                <a:spcPct val="0"/>
+              </a:spcAft>
+              <a:buClrTx/>
+              <a:buSzTx/>
+              <a:buFontTx/>
+              <a:buNone/>
+              <a:tabLst/>
+            </a:pPr>
+            <a:r>
+              <a:rPr kumimoji="0" lang="en-US" altLang="en-US" sz="1800" b="0" i="0" u="none" strike="noStrike" cap="none" normalizeH="0" baseline="0" dirty="0">
+                <a:ln>
+                  <a:noFill/>
+                </a:ln>
+                <a:solidFill>
+                  <a:schemeClr val="tx1"/>
+                </a:solidFill>
+                <a:effectLst/>
+                <a:latin typeface="Calibri" panose="020F0502020204030204" pitchFamily="34" charset="0"/>
+                <a:ea typeface="Calibri" panose="020F0502020204030204" pitchFamily="34" charset="0"/>
+                <a:cs typeface="Calibri" panose="020F0502020204030204" pitchFamily="34" charset="0"/>
+              </a:rPr>
+              <a:t>	Temporarily stores the latest video frame and the selected ad so that other parts of the 	system can use or update them quickly.</a:t>
+            </a:r>
+          </a:p>
+        </p:txBody>
+      </p:sp>
+    </p:spTree>
+    <p:extLst>
+      <p:ext uri="{BB962C8B-B14F-4D97-AF65-F5344CB8AC3E}">
+        <p14:creationId xmlns:p14="http://schemas.microsoft.com/office/powerpoint/2010/main" val="3178844190"/>
       </p:ext>
     </p:extLst>
   </p:cSld>
@@ -8682,7 +9093,7 @@
                 <a:cs typeface="Times New Roman" pitchFamily="18" charset="0"/>
                 <a:sym typeface="Times New Roman" panose="02020603050405020304"/>
               </a:rPr>
-              <a:t>Module wise Results (Screenshots</a:t>
+              <a:t>Results (Screenshots</a:t>
             </a:r>
             <a:r>
               <a:rPr lang="en-US" sz="3200" dirty="0">
@@ -8699,10 +9110,10 @@
       </p:sp>
       <p:pic>
         <p:nvPicPr>
-          <p:cNvPr id="5" name="Content Placeholder 4">
+          <p:cNvPr id="7" name="Content Placeholder 6">
             <a:extLst>
               <a:ext uri="{FF2B5EF4-FFF2-40B4-BE49-F238E27FC236}">
-                <a16:creationId xmlns:a16="http://schemas.microsoft.com/office/drawing/2014/main" id="{F987F08B-BA0F-39C8-1CCC-AFCEE8941E9E}"/>
+                <a16:creationId xmlns:a16="http://schemas.microsoft.com/office/drawing/2014/main" id="{D040B9E8-6331-8D98-1027-054296EB5941}"/>
               </a:ext>
             </a:extLst>
           </p:cNvPr>
@@ -8721,8 +9132,8 @@
         </p:blipFill>
         <p:spPr>
           <a:xfrm>
-            <a:off x="609600" y="1772195"/>
-            <a:ext cx="9956800" cy="4529635"/>
+            <a:off x="1255889" y="1600200"/>
+            <a:ext cx="8664222" cy="4876800"/>
           </a:xfrm>
         </p:spPr>
       </p:pic>
@@ -8744,13 +9155,7 @@
   <p:cSld>
     <p:spTree>
       <p:nvGrpSpPr>
-        <p:cNvPr id="1" name="">
-          <a:extLst>
-            <a:ext uri="{FF2B5EF4-FFF2-40B4-BE49-F238E27FC236}">
-              <a16:creationId xmlns:a16="http://schemas.microsoft.com/office/drawing/2014/main" id="{60454574-73AF-8BD8-638A-222DDE71E098}"/>
-            </a:ext>
-          </a:extLst>
-        </p:cNvPr>
+        <p:cNvPr id="1" name=""/>
         <p:cNvGrpSpPr/>
         <p:nvPr/>
       </p:nvGrpSpPr>
@@ -8767,7 +9172,7 @@
           <p:cNvPr id="2" name="Title 1">
             <a:extLst>
               <a:ext uri="{FF2B5EF4-FFF2-40B4-BE49-F238E27FC236}">
-                <a16:creationId xmlns:a16="http://schemas.microsoft.com/office/drawing/2014/main" id="{2BB34DF9-EB6A-61AB-3A9B-14DA97313F6A}"/>
+                <a16:creationId xmlns:a16="http://schemas.microsoft.com/office/drawing/2014/main" id="{463AD3ED-A9EA-2EF2-73D1-565843D8DC5A}"/>
               </a:ext>
             </a:extLst>
           </p:cNvPr>
@@ -8784,63 +9189,156 @@
           <a:lstStyle/>
           <a:p>
             <a:r>
-              <a:rPr lang="en-US" sz="3200" dirty="0">
-                <a:solidFill>
-                  <a:schemeClr val="tx1"/>
-                </a:solidFill>
-                <a:latin typeface="Times New Roman" pitchFamily="18" charset="0"/>
-                <a:ea typeface="Times New Roman" panose="02020603050405020304"/>
-                <a:cs typeface="Times New Roman" pitchFamily="18" charset="0"/>
-                <a:sym typeface="Times New Roman" panose="02020603050405020304"/>
-              </a:rPr>
-              <a:t>Module wise Results (Screenshots</a:t>
-            </a:r>
-            <a:r>
-              <a:rPr lang="en-US" sz="3200" dirty="0">
-                <a:latin typeface="Times New Roman" pitchFamily="18" charset="0"/>
-                <a:ea typeface="Times New Roman" panose="02020603050405020304"/>
-                <a:cs typeface="Times New Roman" pitchFamily="18" charset="0"/>
-                <a:sym typeface="Times New Roman" panose="02020603050405020304"/>
-              </a:rPr>
-              <a:t>)</a:t>
-            </a:r>
-            <a:endParaRPr lang="en-IN" dirty="0"/>
-          </a:p>
-        </p:txBody>
-      </p:sp>
-      <p:pic>
-        <p:nvPicPr>
-          <p:cNvPr id="7" name="Content Placeholder 6">
+              <a:rPr lang="en-IN" dirty="0"/>
+              <a:t>reference</a:t>
+            </a:r>
+          </a:p>
+        </p:txBody>
+      </p:sp>
+      <p:sp>
+        <p:nvSpPr>
+          <p:cNvPr id="3" name="Content Placeholder 2">
             <a:extLst>
               <a:ext uri="{FF2B5EF4-FFF2-40B4-BE49-F238E27FC236}">
-                <a16:creationId xmlns:a16="http://schemas.microsoft.com/office/drawing/2014/main" id="{42278A3D-DE33-4325-66A2-410E4392EF4F}"/>
+                <a16:creationId xmlns:a16="http://schemas.microsoft.com/office/drawing/2014/main" id="{A63B5BEC-D42C-09D6-75C2-94C639C9741C}"/>
               </a:ext>
             </a:extLst>
           </p:cNvPr>
-          <p:cNvPicPr>
-            <a:picLocks noGrp="1" noChangeAspect="1"/>
-          </p:cNvPicPr>
+          <p:cNvSpPr>
+            <a:spLocks noGrp="1"/>
+          </p:cNvSpPr>
           <p:nvPr>
             <p:ph sz="quarter" idx="1"/>
           </p:nvPr>
-        </p:nvPicPr>
-        <p:blipFill>
-          <a:blip r:embed="rId2"/>
-          <a:stretch>
-            <a:fillRect/>
-          </a:stretch>
-        </p:blipFill>
-        <p:spPr>
-          <a:xfrm>
-            <a:off x="609600" y="2006579"/>
-            <a:ext cx="9956800" cy="4060867"/>
-          </a:xfrm>
-        </p:spPr>
-      </p:pic>
+        </p:nvSpPr>
+        <p:spPr/>
+        <p:txBody>
+          <a:bodyPr>
+            <a:normAutofit fontScale="62500" lnSpcReduction="20000"/>
+          </a:bodyPr>
+          <a:lstStyle/>
+          <a:p>
+            <a:pPr>
+              <a:buFont typeface="Wingdings" panose="05000000000000000000" pitchFamily="2" charset="2"/>
+              <a:buChar char="q"/>
+            </a:pPr>
+            <a:r>
+              <a:rPr lang="en-IN" dirty="0"/>
+              <a:t>1. A. </a:t>
+            </a:r>
+            <a:r>
+              <a:rPr lang="en-IN" dirty="0" err="1"/>
+              <a:t>Bochkovskiy</a:t>
+            </a:r>
+            <a:r>
+              <a:rPr lang="en-IN" dirty="0"/>
+              <a:t>, C.-Y. Wang, and H.-Y. M. Liao, “YOLOv4: Optimal speed and accuracy of object detection,” *</a:t>
+            </a:r>
+            <a:r>
+              <a:rPr lang="en-IN" dirty="0" err="1"/>
+              <a:t>arXiv</a:t>
+            </a:r>
+            <a:r>
+              <a:rPr lang="en-IN" dirty="0"/>
+              <a:t> preprint arXiv:2004.10934*, Apr. 2020. \[Online]. Available: [https://arxiv.org/abs/2004.10934](https://arxiv.org/abs/2004.10934)</a:t>
+            </a:r>
+          </a:p>
+          <a:p>
+            <a:pPr>
+              <a:buFont typeface="Wingdings" panose="05000000000000000000" pitchFamily="2" charset="2"/>
+              <a:buChar char="q"/>
+            </a:pPr>
+            <a:endParaRPr lang="en-IN" dirty="0"/>
+          </a:p>
+          <a:p>
+            <a:pPr>
+              <a:buFont typeface="Wingdings" panose="05000000000000000000" pitchFamily="2" charset="2"/>
+              <a:buChar char="q"/>
+            </a:pPr>
+            <a:r>
+              <a:rPr lang="en-IN" dirty="0"/>
+              <a:t>2. J. Redmon and A. Farhadi, “YOLOv3: An incremental improvement,” *</a:t>
+            </a:r>
+            <a:r>
+              <a:rPr lang="en-IN" dirty="0" err="1"/>
+              <a:t>arXiv</a:t>
+            </a:r>
+            <a:r>
+              <a:rPr lang="en-IN" dirty="0"/>
+              <a:t> preprint arXiv:1804.02767*, Apr. 2018. \[Online]. Available: [https://arxiv.org/abs/1804.02767](https://arxiv.org/abs/1804.02767)</a:t>
+            </a:r>
+          </a:p>
+          <a:p>
+            <a:pPr>
+              <a:buFont typeface="Wingdings" panose="05000000000000000000" pitchFamily="2" charset="2"/>
+              <a:buChar char="q"/>
+            </a:pPr>
+            <a:endParaRPr lang="en-IN" dirty="0"/>
+          </a:p>
+          <a:p>
+            <a:pPr>
+              <a:buFont typeface="Wingdings" panose="05000000000000000000" pitchFamily="2" charset="2"/>
+              <a:buChar char="q"/>
+            </a:pPr>
+            <a:r>
+              <a:rPr lang="en-IN" dirty="0"/>
+              <a:t>3. V. N. Ribeiro and N. S. T. Hirata, “Combining YOLO and Visual Rhythm for Vehicle Counting,” *</a:t>
+            </a:r>
+            <a:r>
+              <a:rPr lang="en-IN" dirty="0" err="1"/>
+              <a:t>arXiv</a:t>
+            </a:r>
+            <a:r>
+              <a:rPr lang="en-IN" dirty="0"/>
+              <a:t> preprint arXiv:2501.04534*, Jan. 2025. \[Online]. Available: [https://arxiv.org/abs/2501.04534](https://arxiv.org/abs/2501.04534)</a:t>
+            </a:r>
+          </a:p>
+          <a:p>
+            <a:pPr>
+              <a:buFont typeface="Wingdings" panose="05000000000000000000" pitchFamily="2" charset="2"/>
+              <a:buChar char="q"/>
+            </a:pPr>
+            <a:endParaRPr lang="en-IN" dirty="0"/>
+          </a:p>
+          <a:p>
+            <a:pPr>
+              <a:buFont typeface="Wingdings" panose="05000000000000000000" pitchFamily="2" charset="2"/>
+              <a:buChar char="q"/>
+            </a:pPr>
+            <a:r>
+              <a:rPr lang="en-IN" dirty="0"/>
+              <a:t>4. Y. Liu, H. Shen, T. Wang, and G. Bai, “Vehicle Counting in Drone Images: An Adaptive Method with Spatial Attention and Multiscale Receptive Fields,” *ETRI Journal*, vol. 45, no. 2, pp. 234–244, 2023. \[Online]. Available: [https://onlinelibrary.wiley.com/doi/10.4218/etrij.2023-0426](https://onlinelibrary.wiley.com/doi/10.4218/etrij.2023-0426)</a:t>
+            </a:r>
+          </a:p>
+          <a:p>
+            <a:pPr>
+              <a:buFont typeface="Wingdings" panose="05000000000000000000" pitchFamily="2" charset="2"/>
+              <a:buChar char="q"/>
+            </a:pPr>
+            <a:endParaRPr lang="en-IN" dirty="0"/>
+          </a:p>
+          <a:p>
+            <a:pPr>
+              <a:buFont typeface="Wingdings" panose="05000000000000000000" pitchFamily="2" charset="2"/>
+              <a:buChar char="q"/>
+            </a:pPr>
+            <a:r>
+              <a:rPr lang="en-IN" dirty="0"/>
+              <a:t>5. K. A. Redmill et al., “Automated Traffic Surveillance Using Existing Cameras on Transit Buses,” *Sensors*, vol. 23, no. 11, p. 5086, 2023. \[Online]. Available: [https://www.mdpi.com/1424-8220/23/11/5086](https://www.mdpi.com/1424-8220/23/11/5086)</a:t>
+            </a:r>
+          </a:p>
+          <a:p>
+            <a:endParaRPr lang="en-IN" dirty="0"/>
+          </a:p>
+          <a:p>
+            <a:endParaRPr lang="en-IN" dirty="0"/>
+          </a:p>
+        </p:txBody>
+      </p:sp>
     </p:spTree>
     <p:extLst>
       <p:ext uri="{BB962C8B-B14F-4D97-AF65-F5344CB8AC3E}">
-        <p14:creationId xmlns:p14="http://schemas.microsoft.com/office/powerpoint/2010/main" val="3014593481"/>
+        <p14:creationId xmlns:p14="http://schemas.microsoft.com/office/powerpoint/2010/main" val="1642010579"/>
       </p:ext>
     </p:extLst>
   </p:cSld>
@@ -8858,7 +9356,7 @@
         <p:cNvPr id="1" name="">
           <a:extLst>
             <a:ext uri="{FF2B5EF4-FFF2-40B4-BE49-F238E27FC236}">
-              <a16:creationId xmlns:a16="http://schemas.microsoft.com/office/drawing/2014/main" id="{18224F1F-C27D-5440-EC2A-0AE9517B7AA4}"/>
+              <a16:creationId xmlns:a16="http://schemas.microsoft.com/office/drawing/2014/main" id="{A6E2D10B-F54B-DB9A-7433-7418F1DC2DA7}"/>
             </a:ext>
           </a:extLst>
         </p:cNvPr>
@@ -8878,7 +9376,7 @@
           <p:cNvPr id="2" name="Title 1">
             <a:extLst>
               <a:ext uri="{FF2B5EF4-FFF2-40B4-BE49-F238E27FC236}">
-                <a16:creationId xmlns:a16="http://schemas.microsoft.com/office/drawing/2014/main" id="{BBBD9446-13CF-00DA-B80A-767D21FB8AA7}"/>
+                <a16:creationId xmlns:a16="http://schemas.microsoft.com/office/drawing/2014/main" id="{BDEAFDF0-3670-D753-2E17-77D9A5369255}"/>
               </a:ext>
             </a:extLst>
           </p:cNvPr>
@@ -8895,63 +9393,149 @@
           <a:lstStyle/>
           <a:p>
             <a:r>
-              <a:rPr lang="en-US" sz="3200" dirty="0">
-                <a:solidFill>
-                  <a:schemeClr val="tx1"/>
-                </a:solidFill>
-                <a:latin typeface="Times New Roman" pitchFamily="18" charset="0"/>
-                <a:ea typeface="Times New Roman" panose="02020603050405020304"/>
-                <a:cs typeface="Times New Roman" pitchFamily="18" charset="0"/>
-                <a:sym typeface="Times New Roman" panose="02020603050405020304"/>
-              </a:rPr>
-              <a:t>Module wise Results (Screenshots</a:t>
-            </a:r>
-            <a:r>
-              <a:rPr lang="en-US" sz="3200" dirty="0">
-                <a:latin typeface="Times New Roman" pitchFamily="18" charset="0"/>
-                <a:ea typeface="Times New Roman" panose="02020603050405020304"/>
-                <a:cs typeface="Times New Roman" pitchFamily="18" charset="0"/>
-                <a:sym typeface="Times New Roman" panose="02020603050405020304"/>
-              </a:rPr>
-              <a:t>)</a:t>
-            </a:r>
-            <a:endParaRPr lang="en-IN" dirty="0"/>
-          </a:p>
-        </p:txBody>
-      </p:sp>
-      <p:pic>
-        <p:nvPicPr>
-          <p:cNvPr id="7" name="Content Placeholder 6">
+              <a:rPr lang="en-IN" dirty="0"/>
+              <a:t>reference</a:t>
+            </a:r>
+          </a:p>
+        </p:txBody>
+      </p:sp>
+      <p:sp>
+        <p:nvSpPr>
+          <p:cNvPr id="3" name="Content Placeholder 2">
             <a:extLst>
               <a:ext uri="{FF2B5EF4-FFF2-40B4-BE49-F238E27FC236}">
-                <a16:creationId xmlns:a16="http://schemas.microsoft.com/office/drawing/2014/main" id="{87CA6B32-C5D7-9FB6-EC44-E54731C498CF}"/>
+                <a16:creationId xmlns:a16="http://schemas.microsoft.com/office/drawing/2014/main" id="{1D6BB99F-F84F-3921-D134-E35BCB631B96}"/>
               </a:ext>
             </a:extLst>
           </p:cNvPr>
-          <p:cNvPicPr>
-            <a:picLocks noGrp="1" noChangeAspect="1"/>
-          </p:cNvPicPr>
+          <p:cNvSpPr>
+            <a:spLocks noGrp="1"/>
+          </p:cNvSpPr>
           <p:nvPr>
             <p:ph sz="quarter" idx="1"/>
           </p:nvPr>
-        </p:nvPicPr>
-        <p:blipFill>
-          <a:blip r:embed="rId2"/>
-          <a:stretch>
-            <a:fillRect/>
-          </a:stretch>
-        </p:blipFill>
-        <p:spPr>
-          <a:xfrm>
-            <a:off x="609600" y="1725944"/>
-            <a:ext cx="9956800" cy="4622136"/>
-          </a:xfrm>
-        </p:spPr>
-      </p:pic>
+        </p:nvSpPr>
+        <p:spPr/>
+        <p:txBody>
+          <a:bodyPr>
+            <a:normAutofit fontScale="62500" lnSpcReduction="20000"/>
+          </a:bodyPr>
+          <a:lstStyle/>
+          <a:p>
+            <a:pPr>
+              <a:buFont typeface="Wingdings" panose="05000000000000000000" pitchFamily="2" charset="2"/>
+              <a:buChar char="q"/>
+            </a:pPr>
+            <a:r>
+              <a:rPr lang="en-IN" dirty="0"/>
+              <a:t>6. Z. </a:t>
+            </a:r>
+            <a:r>
+              <a:rPr lang="en-IN" dirty="0" err="1"/>
+              <a:t>Černeková</a:t>
+            </a:r>
+            <a:r>
+              <a:rPr lang="en-IN" dirty="0"/>
+              <a:t> et al., “Evaluating the Significance of Outdoor Advertising from Driver’s Perspective Using Computer Vision,” *</a:t>
+            </a:r>
+            <a:r>
+              <a:rPr lang="en-IN" dirty="0" err="1"/>
+              <a:t>arXiv</a:t>
+            </a:r>
+            <a:r>
+              <a:rPr lang="en-IN" dirty="0"/>
+              <a:t> preprint arXiv:2311.07390*, Nov. 2023. \[Online]. Available: [https://arxiv.org/abs/2311.07390](https://arxiv.org/abs/2311.07390)</a:t>
+            </a:r>
+          </a:p>
+          <a:p>
+            <a:pPr>
+              <a:buFont typeface="Wingdings" panose="05000000000000000000" pitchFamily="2" charset="2"/>
+              <a:buChar char="q"/>
+            </a:pPr>
+            <a:endParaRPr lang="en-IN" dirty="0"/>
+          </a:p>
+          <a:p>
+            <a:pPr>
+              <a:buFont typeface="Wingdings" panose="05000000000000000000" pitchFamily="2" charset="2"/>
+              <a:buChar char="q"/>
+            </a:pPr>
+            <a:r>
+              <a:rPr lang="en-IN" dirty="0"/>
+              <a:t>7. M. Everingham et al., “The PASCAL Visual Object Classes (VOC) Challenge,” *International Journal of Computer Vision*, vol. 88, no. 2, pp. 303–338, Jun. 2010. \[Online]. Available: [https://link.springer.com/article/10.1007/s11263-009-0275-4](https://link.springer.com/article/10.1007/s11263-009-0275-4)</a:t>
+            </a:r>
+          </a:p>
+          <a:p>
+            <a:pPr>
+              <a:buFont typeface="Wingdings" panose="05000000000000000000" pitchFamily="2" charset="2"/>
+              <a:buChar char="q"/>
+            </a:pPr>
+            <a:endParaRPr lang="en-IN" dirty="0"/>
+          </a:p>
+          <a:p>
+            <a:pPr>
+              <a:buFont typeface="Wingdings" panose="05000000000000000000" pitchFamily="2" charset="2"/>
+              <a:buChar char="q"/>
+            </a:pPr>
+            <a:r>
+              <a:rPr lang="en-IN" dirty="0"/>
+              <a:t>8. T.-Y. Lin et al., “Microsoft COCO: Common Objects in Context,” in *European Conference on Computer Vision (ECCV)*, 2014, pp. 740–755. \[Online]. Available: [https://arxiv.org/abs/1405.0312](https://arxiv.org/abs/1405.0312)</a:t>
+            </a:r>
+          </a:p>
+          <a:p>
+            <a:pPr>
+              <a:buFont typeface="Wingdings" panose="05000000000000000000" pitchFamily="2" charset="2"/>
+              <a:buChar char="q"/>
+            </a:pPr>
+            <a:endParaRPr lang="en-IN" dirty="0"/>
+          </a:p>
+          <a:p>
+            <a:pPr>
+              <a:buFont typeface="Wingdings" panose="05000000000000000000" pitchFamily="2" charset="2"/>
+              <a:buChar char="q"/>
+            </a:pPr>
+            <a:r>
+              <a:rPr lang="en-IN" dirty="0"/>
+              <a:t>9. M. Tan and Q. Le, “</a:t>
+            </a:r>
+            <a:r>
+              <a:rPr lang="en-IN" dirty="0" err="1"/>
+              <a:t>EfficientNet</a:t>
+            </a:r>
+            <a:r>
+              <a:rPr lang="en-IN" dirty="0"/>
+              <a:t>: Rethinking model scaling for convolutional neural networks,” in *Proc. ICML*, 2019. \[Online]. Available: [https://arxiv.org/abs/1905.11946](https://arxiv.org/abs/1905.11946)</a:t>
+            </a:r>
+          </a:p>
+          <a:p>
+            <a:pPr>
+              <a:buFont typeface="Wingdings" panose="05000000000000000000" pitchFamily="2" charset="2"/>
+              <a:buChar char="q"/>
+            </a:pPr>
+            <a:endParaRPr lang="en-IN" dirty="0"/>
+          </a:p>
+          <a:p>
+            <a:pPr>
+              <a:buFont typeface="Wingdings" panose="05000000000000000000" pitchFamily="2" charset="2"/>
+              <a:buChar char="q"/>
+            </a:pPr>
+            <a:r>
+              <a:rPr lang="en-IN" dirty="0"/>
+              <a:t>10. H. Wang et al., “Deep Learning for Object Detection: A Comprehensive Review,” *IEEE Transactions on Neural Networks and Learning Systems*, vol. 32, no. 9, pp. 4031–4052, Sept. 2021. \[Online]. Available: [https://ieeexplore.ieee.org/document/9390379](https://ieeexplore.ieee.org/document/9390379)</a:t>
+            </a:r>
+          </a:p>
+          <a:p>
+            <a:pPr>
+              <a:buFont typeface="Wingdings" panose="05000000000000000000" pitchFamily="2" charset="2"/>
+              <a:buChar char="q"/>
+            </a:pPr>
+            <a:endParaRPr lang="en-IN" dirty="0"/>
+          </a:p>
+        </p:txBody>
+      </p:sp>
     </p:spTree>
     <p:extLst>
       <p:ext uri="{BB962C8B-B14F-4D97-AF65-F5344CB8AC3E}">
-        <p14:creationId xmlns:p14="http://schemas.microsoft.com/office/powerpoint/2010/main" val="2842054506"/>
+        <p14:creationId xmlns:p14="http://schemas.microsoft.com/office/powerpoint/2010/main" val="1139935611"/>
       </p:ext>
     </p:extLst>
   </p:cSld>
@@ -8983,7 +9567,7 @@
           <p:cNvPr id="2" name="Title 1">
             <a:extLst>
               <a:ext uri="{FF2B5EF4-FFF2-40B4-BE49-F238E27FC236}">
-                <a16:creationId xmlns:a16="http://schemas.microsoft.com/office/drawing/2014/main" id="{2AE1012F-983B-A49A-7137-F5D3079DD9B8}"/>
+                <a16:creationId xmlns:a16="http://schemas.microsoft.com/office/drawing/2014/main" id="{35C792D0-02B1-89E6-1CEB-191244AD9905}"/>
               </a:ext>
             </a:extLst>
           </p:cNvPr>
@@ -9000,38 +9584,41 @@
           <a:lstStyle/>
           <a:p>
             <a:r>
-              <a:rPr lang="en-IN" sz="3200" cap="none" dirty="0">
+              <a:rPr kumimoji="0" lang="en-US" altLang="en-US" sz="3200" b="1" i="0" u="none" strike="noStrike" cap="none" normalizeH="0" baseline="0" dirty="0">
+                <a:ln>
+                  <a:noFill/>
+                </a:ln>
                 <a:solidFill>
                   <a:schemeClr val="tx1"/>
                 </a:solidFill>
-                <a:latin typeface="Times New Roman" pitchFamily="18" charset="0"/>
-                <a:ea typeface="Times New Roman" panose="02020603050405020304"/>
-                <a:cs typeface="Times New Roman" pitchFamily="18" charset="0"/>
-                <a:sym typeface="Times New Roman" panose="02020603050405020304"/>
+                <a:effectLst/>
+                <a:latin typeface="Arial" panose="020B0604020202020204" pitchFamily="34" charset="0"/>
               </a:rPr>
-              <a:t>Applications of proposed system</a:t>
-            </a:r>
-            <a:br>
-              <a:rPr lang="en-US" sz="3200" cap="none" dirty="0">
+              <a:t>Conclusion</a:t>
+            </a:r>
+            <a:r>
+              <a:rPr kumimoji="0" lang="en-US" altLang="en-US" sz="3200" b="0" i="0" u="none" strike="noStrike" cap="none" normalizeH="0" baseline="0" dirty="0">
+                <a:ln>
+                  <a:noFill/>
+                </a:ln>
                 <a:solidFill>
                   <a:schemeClr val="tx1"/>
                 </a:solidFill>
-                <a:latin typeface="Times New Roman" pitchFamily="18" charset="0"/>
-                <a:ea typeface="Times New Roman" panose="02020603050405020304"/>
-                <a:cs typeface="Times New Roman" pitchFamily="18" charset="0"/>
-                <a:sym typeface="Times New Roman" panose="02020603050405020304"/>
+                <a:effectLst/>
+                <a:latin typeface="Arial" panose="020B0604020202020204" pitchFamily="34" charset="0"/>
               </a:rPr>
-            </a:br>
+              <a:t>:</a:t>
+            </a:r>
             <a:endParaRPr lang="en-IN" dirty="0"/>
           </a:p>
         </p:txBody>
       </p:sp>
       <p:sp>
         <p:nvSpPr>
-          <p:cNvPr id="4" name="Rectangle 1">
+          <p:cNvPr id="5" name="Rectangle 2">
             <a:extLst>
               <a:ext uri="{FF2B5EF4-FFF2-40B4-BE49-F238E27FC236}">
-                <a16:creationId xmlns:a16="http://schemas.microsoft.com/office/drawing/2014/main" id="{427A0710-E71D-2D21-260D-EBC39F082466}"/>
+                <a16:creationId xmlns:a16="http://schemas.microsoft.com/office/drawing/2014/main" id="{CF951E36-B33E-461A-506D-5BA9196D0016}"/>
               </a:ext>
             </a:extLst>
           </p:cNvPr>
@@ -9044,8 +9631,8 @@
         </p:nvSpPr>
         <p:spPr bwMode="auto">
           <a:xfrm>
-            <a:off x="457200" y="1359420"/>
-            <a:ext cx="10591800" cy="5355312"/>
+            <a:off x="685800" y="1564214"/>
+            <a:ext cx="10286999" cy="3447098"/>
           </a:xfrm>
           <a:prstGeom prst="rect">
             <a:avLst/>
@@ -9093,56 +9680,17 @@
           </a:bodyPr>
           <a:lstStyle/>
           <a:p>
-            <a:pPr marL="0" marR="0" lvl="0" indent="0" algn="just" defTabSz="914400" rtl="0" eaLnBrk="0" fontAlgn="base" latinLnBrk="0" hangingPunct="0">
-              <a:lnSpc>
-                <a:spcPct val="100000"/>
-              </a:lnSpc>
-              <a:spcBef>
-                <a:spcPct val="0"/>
-              </a:spcBef>
-              <a:spcAft>
-                <a:spcPct val="0"/>
-              </a:spcAft>
-              <a:buClrTx/>
-              <a:buSzTx/>
-              <a:buNone/>
-              <a:tabLst/>
-            </a:pPr>
-            <a:r>
-              <a:rPr lang="en-US" altLang="en-US" sz="1800" b="1" dirty="0">
-                <a:latin typeface="Arial" panose="020B0604020202020204" pitchFamily="34" charset="0"/>
-              </a:rPr>
-              <a:t>1.</a:t>
-            </a:r>
-            <a:r>
-              <a:rPr kumimoji="0" lang="en-US" altLang="en-US" sz="1800" b="1" i="0" u="none" strike="noStrike" cap="none" normalizeH="0" baseline="0" dirty="0">
-                <a:ln>
-                  <a:noFill/>
-                </a:ln>
-                <a:solidFill>
-                  <a:schemeClr val="tx1"/>
-                </a:solidFill>
-                <a:effectLst/>
-                <a:latin typeface="Arial" panose="020B0604020202020204" pitchFamily="34" charset="0"/>
-              </a:rPr>
-              <a:t>Automated Surveillance</a:t>
-            </a:r>
-            <a:r>
-              <a:rPr kumimoji="0" lang="en-US" altLang="en-US" sz="1800" b="0" i="0" u="none" strike="noStrike" cap="none" normalizeH="0" baseline="0" dirty="0">
-                <a:ln>
-                  <a:noFill/>
-                </a:ln>
-                <a:solidFill>
-                  <a:schemeClr val="tx1"/>
-                </a:solidFill>
-                <a:effectLst/>
-                <a:latin typeface="Arial" panose="020B0604020202020204" pitchFamily="34" charset="0"/>
-              </a:rPr>
-              <a:t>: Enhances real-time security by detecting suspicious behavior in public spaces. </a:t>
-            </a:r>
-          </a:p>
-          <a:p>
-            <a:pPr marL="0" marR="0" lvl="0" indent="0" algn="just" defTabSz="914400" rtl="0" eaLnBrk="0" fontAlgn="base" latinLnBrk="0" hangingPunct="0">
+            <a:r>
+              <a:rPr lang="en-US" sz="1400" dirty="0"/>
+              <a:t>                </a:t>
+            </a:r>
+            <a:r>
+              <a:rPr lang="en-US" sz="2000" dirty="0"/>
+              <a:t>The project "Revolutionizing Ads with Mobile Vehicles Campaigns" presents a smart and adaptive solution for modern advertising using real-time traffic data. By combining computer vision with deep learning (YOLOv8), the system detects and counts vehicles from a live camera feed and automatically selects the most suitable advertisement based on traffic density. This approach makes mobile advertising more dynamic, targeted, and efficient. It not only improves engagement by showing relevant ads to the right audience but also introduces a cost-effective and scalable model for outdoor campaigns. Overall, the system brings innovation to traditional billboard advertising and shows great potential for future smart city applications.</a:t>
+            </a:r>
+          </a:p>
+          <a:p>
+            <a:pPr marL="0" marR="0" lvl="0" indent="0" algn="l" defTabSz="914400" rtl="0" eaLnBrk="0" fontAlgn="base" latinLnBrk="0" hangingPunct="0">
               <a:lnSpc>
                 <a:spcPct val="100000"/>
               </a:lnSpc>
@@ -9155,402 +9703,6 @@
               <a:buClrTx/>
               <a:buSzTx/>
               <a:buFontTx/>
-              <a:buAutoNum type="arabicPeriod" startAt="2"/>
-              <a:tabLst/>
-            </a:pPr>
-            <a:r>
-              <a:rPr kumimoji="0" lang="en-US" altLang="en-US" sz="1800" b="1" i="0" u="none" strike="noStrike" cap="none" normalizeH="0" baseline="0" dirty="0">
-                <a:ln>
-                  <a:noFill/>
-                </a:ln>
-                <a:solidFill>
-                  <a:schemeClr val="tx1"/>
-                </a:solidFill>
-                <a:effectLst/>
-                <a:latin typeface="Arial" panose="020B0604020202020204" pitchFamily="34" charset="0"/>
-              </a:rPr>
-              <a:t>Security Monitoring</a:t>
-            </a:r>
-            <a:r>
-              <a:rPr kumimoji="0" lang="en-US" altLang="en-US" sz="1800" b="0" i="0" u="none" strike="noStrike" cap="none" normalizeH="0" baseline="0" dirty="0">
-                <a:ln>
-                  <a:noFill/>
-                </a:ln>
-                <a:solidFill>
-                  <a:schemeClr val="tx1"/>
-                </a:solidFill>
-                <a:effectLst/>
-                <a:latin typeface="Arial" panose="020B0604020202020204" pitchFamily="34" charset="0"/>
-              </a:rPr>
-              <a:t>: Identifies unauthorized actions for prompt alerts to security personnel. </a:t>
-            </a:r>
-          </a:p>
-          <a:p>
-            <a:pPr marL="0" marR="0" lvl="0" indent="0" algn="just" defTabSz="914400" rtl="0" eaLnBrk="0" fontAlgn="base" latinLnBrk="0" hangingPunct="0">
-              <a:lnSpc>
-                <a:spcPct val="100000"/>
-              </a:lnSpc>
-              <a:spcBef>
-                <a:spcPct val="0"/>
-              </a:spcBef>
-              <a:spcAft>
-                <a:spcPct val="0"/>
-              </a:spcAft>
-              <a:buClrTx/>
-              <a:buSzTx/>
-              <a:buFontTx/>
-              <a:buAutoNum type="arabicPeriod" startAt="3"/>
-              <a:tabLst/>
-            </a:pPr>
-            <a:r>
-              <a:rPr kumimoji="0" lang="en-US" altLang="en-US" sz="1800" b="1" i="0" u="none" strike="noStrike" cap="none" normalizeH="0" baseline="0" dirty="0">
-                <a:ln>
-                  <a:noFill/>
-                </a:ln>
-                <a:solidFill>
-                  <a:schemeClr val="tx1"/>
-                </a:solidFill>
-                <a:effectLst/>
-                <a:latin typeface="Arial" panose="020B0604020202020204" pitchFamily="34" charset="0"/>
-              </a:rPr>
-              <a:t>Crowd Control and Management</a:t>
-            </a:r>
-            <a:r>
-              <a:rPr kumimoji="0" lang="en-US" altLang="en-US" sz="1800" b="0" i="0" u="none" strike="noStrike" cap="none" normalizeH="0" baseline="0" dirty="0">
-                <a:ln>
-                  <a:noFill/>
-                </a:ln>
-                <a:solidFill>
-                  <a:schemeClr val="tx1"/>
-                </a:solidFill>
-                <a:effectLst/>
-                <a:latin typeface="Arial" panose="020B0604020202020204" pitchFamily="34" charset="0"/>
-              </a:rPr>
-              <a:t>: Monitors crowd movements and detects potential hazards in large events. </a:t>
-            </a:r>
-          </a:p>
-          <a:p>
-            <a:pPr marL="0" marR="0" lvl="0" indent="0" algn="just" defTabSz="914400" rtl="0" eaLnBrk="0" fontAlgn="base" latinLnBrk="0" hangingPunct="0">
-              <a:lnSpc>
-                <a:spcPct val="100000"/>
-              </a:lnSpc>
-              <a:spcBef>
-                <a:spcPct val="0"/>
-              </a:spcBef>
-              <a:spcAft>
-                <a:spcPct val="0"/>
-              </a:spcAft>
-              <a:buClrTx/>
-              <a:buSzTx/>
-              <a:buFontTx/>
-              <a:buAutoNum type="arabicPeriod" startAt="4"/>
-              <a:tabLst/>
-            </a:pPr>
-            <a:r>
-              <a:rPr kumimoji="0" lang="en-US" altLang="en-US" sz="1800" b="1" i="0" u="none" strike="noStrike" cap="none" normalizeH="0" baseline="0" dirty="0">
-                <a:ln>
-                  <a:noFill/>
-                </a:ln>
-                <a:solidFill>
-                  <a:schemeClr val="tx1"/>
-                </a:solidFill>
-                <a:effectLst/>
-                <a:latin typeface="Arial" panose="020B0604020202020204" pitchFamily="34" charset="0"/>
-              </a:rPr>
-              <a:t>Public Safety and Emergency Response</a:t>
-            </a:r>
-            <a:r>
-              <a:rPr kumimoji="0" lang="en-US" altLang="en-US" sz="1800" b="0" i="0" u="none" strike="noStrike" cap="none" normalizeH="0" baseline="0" dirty="0">
-                <a:ln>
-                  <a:noFill/>
-                </a:ln>
-                <a:solidFill>
-                  <a:schemeClr val="tx1"/>
-                </a:solidFill>
-                <a:effectLst/>
-                <a:latin typeface="Arial" panose="020B0604020202020204" pitchFamily="34" charset="0"/>
-              </a:rPr>
-              <a:t>: Enables faster emergency response by detecting distress or accidents in real-time. </a:t>
-            </a:r>
-          </a:p>
-          <a:p>
-            <a:pPr marL="0" marR="0" lvl="0" indent="0" algn="just" defTabSz="914400" rtl="0" eaLnBrk="0" fontAlgn="base" latinLnBrk="0" hangingPunct="0">
-              <a:lnSpc>
-                <a:spcPct val="100000"/>
-              </a:lnSpc>
-              <a:spcBef>
-                <a:spcPct val="0"/>
-              </a:spcBef>
-              <a:spcAft>
-                <a:spcPct val="0"/>
-              </a:spcAft>
-              <a:buClrTx/>
-              <a:buSzTx/>
-              <a:buFontTx/>
-              <a:buAutoNum type="arabicPeriod" startAt="5"/>
-              <a:tabLst/>
-            </a:pPr>
-            <a:r>
-              <a:rPr kumimoji="0" lang="en-US" altLang="en-US" sz="1800" b="1" i="0" u="none" strike="noStrike" cap="none" normalizeH="0" baseline="0" dirty="0">
-                <a:ln>
-                  <a:noFill/>
-                </a:ln>
-                <a:solidFill>
-                  <a:schemeClr val="tx1"/>
-                </a:solidFill>
-                <a:effectLst/>
-                <a:latin typeface="Arial" panose="020B0604020202020204" pitchFamily="34" charset="0"/>
-              </a:rPr>
-              <a:t>Human Behavior Analysis</a:t>
-            </a:r>
-            <a:r>
-              <a:rPr kumimoji="0" lang="en-US" altLang="en-US" sz="1800" b="0" i="0" u="none" strike="noStrike" cap="none" normalizeH="0" baseline="0" dirty="0">
-                <a:ln>
-                  <a:noFill/>
-                </a:ln>
-                <a:solidFill>
-                  <a:schemeClr val="tx1"/>
-                </a:solidFill>
-                <a:effectLst/>
-                <a:latin typeface="Arial" panose="020B0604020202020204" pitchFamily="34" charset="0"/>
-              </a:rPr>
-              <a:t>: Analyzes public behavior for research in sociology, urban planning, and psychology. </a:t>
-            </a:r>
-          </a:p>
-          <a:p>
-            <a:pPr marL="0" marR="0" lvl="0" indent="0" algn="just" defTabSz="914400" rtl="0" eaLnBrk="0" fontAlgn="base" latinLnBrk="0" hangingPunct="0">
-              <a:lnSpc>
-                <a:spcPct val="100000"/>
-              </a:lnSpc>
-              <a:spcBef>
-                <a:spcPct val="0"/>
-              </a:spcBef>
-              <a:spcAft>
-                <a:spcPct val="0"/>
-              </a:spcAft>
-              <a:buClrTx/>
-              <a:buSzTx/>
-              <a:buFontTx/>
-              <a:buAutoNum type="arabicPeriod" startAt="6"/>
-              <a:tabLst/>
-            </a:pPr>
-            <a:r>
-              <a:rPr kumimoji="0" lang="en-US" altLang="en-US" sz="1800" b="1" i="0" u="none" strike="noStrike" cap="none" normalizeH="0" baseline="0" dirty="0">
-                <a:ln>
-                  <a:noFill/>
-                </a:ln>
-                <a:solidFill>
-                  <a:schemeClr val="tx1"/>
-                </a:solidFill>
-                <a:effectLst/>
-                <a:latin typeface="Arial" panose="020B0604020202020204" pitchFamily="34" charset="0"/>
-              </a:rPr>
-              <a:t>Retail Analytics</a:t>
-            </a:r>
-            <a:r>
-              <a:rPr kumimoji="0" lang="en-US" altLang="en-US" sz="1800" b="0" i="0" u="none" strike="noStrike" cap="none" normalizeH="0" baseline="0" dirty="0">
-                <a:ln>
-                  <a:noFill/>
-                </a:ln>
-                <a:solidFill>
-                  <a:schemeClr val="tx1"/>
-                </a:solidFill>
-                <a:effectLst/>
-                <a:latin typeface="Arial" panose="020B0604020202020204" pitchFamily="34" charset="0"/>
-              </a:rPr>
-              <a:t>: Detects suspicious activities like shoplifting and improves customer behavior analysis in stores. </a:t>
-            </a:r>
-          </a:p>
-          <a:p>
-            <a:pPr marL="0" marR="0" lvl="0" indent="0" algn="just" defTabSz="914400" rtl="0" eaLnBrk="0" fontAlgn="base" latinLnBrk="0" hangingPunct="0">
-              <a:lnSpc>
-                <a:spcPct val="100000"/>
-              </a:lnSpc>
-              <a:spcBef>
-                <a:spcPct val="0"/>
-              </a:spcBef>
-              <a:spcAft>
-                <a:spcPct val="0"/>
-              </a:spcAft>
-              <a:buClrTx/>
-              <a:buSzTx/>
-              <a:buFontTx/>
-              <a:buAutoNum type="arabicPeriod" startAt="7"/>
-              <a:tabLst/>
-            </a:pPr>
-            <a:r>
-              <a:rPr kumimoji="0" lang="en-US" altLang="en-US" sz="1800" b="1" i="0" u="none" strike="noStrike" cap="none" normalizeH="0" baseline="0" dirty="0">
-                <a:ln>
-                  <a:noFill/>
-                </a:ln>
-                <a:solidFill>
-                  <a:schemeClr val="tx1"/>
-                </a:solidFill>
-                <a:effectLst/>
-                <a:latin typeface="Arial" panose="020B0604020202020204" pitchFamily="34" charset="0"/>
-              </a:rPr>
-              <a:t>Smart City Initiatives</a:t>
-            </a:r>
-            <a:r>
-              <a:rPr kumimoji="0" lang="en-US" altLang="en-US" sz="1800" b="0" i="0" u="none" strike="noStrike" cap="none" normalizeH="0" baseline="0" dirty="0">
-                <a:ln>
-                  <a:noFill/>
-                </a:ln>
-                <a:solidFill>
-                  <a:schemeClr val="tx1"/>
-                </a:solidFill>
-                <a:effectLst/>
-                <a:latin typeface="Arial" panose="020B0604020202020204" pitchFamily="34" charset="0"/>
-              </a:rPr>
-              <a:t>: Provides insights into public behavior and traffic for better urban planning. </a:t>
-            </a:r>
-          </a:p>
-          <a:p>
-            <a:pPr marL="0" marR="0" lvl="0" indent="0" algn="just" defTabSz="914400" rtl="0" eaLnBrk="0" fontAlgn="base" latinLnBrk="0" hangingPunct="0">
-              <a:lnSpc>
-                <a:spcPct val="100000"/>
-              </a:lnSpc>
-              <a:spcBef>
-                <a:spcPct val="0"/>
-              </a:spcBef>
-              <a:spcAft>
-                <a:spcPct val="0"/>
-              </a:spcAft>
-              <a:buClrTx/>
-              <a:buSzTx/>
-              <a:buFontTx/>
-              <a:buAutoNum type="arabicPeriod" startAt="8"/>
-              <a:tabLst/>
-            </a:pPr>
-            <a:r>
-              <a:rPr kumimoji="0" lang="en-US" altLang="en-US" sz="1800" b="1" i="0" u="none" strike="noStrike" cap="none" normalizeH="0" baseline="0" dirty="0">
-                <a:ln>
-                  <a:noFill/>
-                </a:ln>
-                <a:solidFill>
-                  <a:schemeClr val="tx1"/>
-                </a:solidFill>
-                <a:effectLst/>
-                <a:latin typeface="Arial" panose="020B0604020202020204" pitchFamily="34" charset="0"/>
-              </a:rPr>
-              <a:t>Healthcare Monitoring</a:t>
-            </a:r>
-            <a:r>
-              <a:rPr kumimoji="0" lang="en-US" altLang="en-US" sz="1800" b="0" i="0" u="none" strike="noStrike" cap="none" normalizeH="0" baseline="0" dirty="0">
-                <a:ln>
-                  <a:noFill/>
-                </a:ln>
-                <a:solidFill>
-                  <a:schemeClr val="tx1"/>
-                </a:solidFill>
-                <a:effectLst/>
-                <a:latin typeface="Arial" panose="020B0604020202020204" pitchFamily="34" charset="0"/>
-              </a:rPr>
-              <a:t>: Monitors patient actions, detecting falls or abnormal movements for timely intervention. </a:t>
-            </a:r>
-          </a:p>
-          <a:p>
-            <a:pPr marL="0" marR="0" lvl="0" indent="0" algn="just" defTabSz="914400" rtl="0" eaLnBrk="0" fontAlgn="base" latinLnBrk="0" hangingPunct="0">
-              <a:lnSpc>
-                <a:spcPct val="100000"/>
-              </a:lnSpc>
-              <a:spcBef>
-                <a:spcPct val="0"/>
-              </a:spcBef>
-              <a:spcAft>
-                <a:spcPct val="0"/>
-              </a:spcAft>
-              <a:buClrTx/>
-              <a:buSzTx/>
-              <a:buFontTx/>
-              <a:buAutoNum type="arabicPeriod" startAt="9"/>
-              <a:tabLst/>
-            </a:pPr>
-            <a:r>
-              <a:rPr kumimoji="0" lang="en-US" altLang="en-US" sz="1800" b="1" i="0" u="none" strike="noStrike" cap="none" normalizeH="0" baseline="0" dirty="0">
-                <a:ln>
-                  <a:noFill/>
-                </a:ln>
-                <a:solidFill>
-                  <a:schemeClr val="tx1"/>
-                </a:solidFill>
-                <a:effectLst/>
-                <a:latin typeface="Arial" panose="020B0604020202020204" pitchFamily="34" charset="0"/>
-              </a:rPr>
-              <a:t>Sports Event Analysis</a:t>
-            </a:r>
-            <a:r>
-              <a:rPr kumimoji="0" lang="en-US" altLang="en-US" sz="1800" b="0" i="0" u="none" strike="noStrike" cap="none" normalizeH="0" baseline="0" dirty="0">
-                <a:ln>
-                  <a:noFill/>
-                </a:ln>
-                <a:solidFill>
-                  <a:schemeClr val="tx1"/>
-                </a:solidFill>
-                <a:effectLst/>
-                <a:latin typeface="Arial" panose="020B0604020202020204" pitchFamily="34" charset="0"/>
-              </a:rPr>
-              <a:t>: Analyzes player actions and movements to improve performance and fan engagement. </a:t>
-            </a:r>
-          </a:p>
-          <a:p>
-            <a:pPr marL="0" marR="0" lvl="0" indent="0" algn="just" defTabSz="914400" rtl="0" eaLnBrk="0" fontAlgn="base" latinLnBrk="0" hangingPunct="0">
-              <a:lnSpc>
-                <a:spcPct val="100000"/>
-              </a:lnSpc>
-              <a:spcBef>
-                <a:spcPct val="0"/>
-              </a:spcBef>
-              <a:spcAft>
-                <a:spcPct val="0"/>
-              </a:spcAft>
-              <a:buClrTx/>
-              <a:buSzTx/>
-              <a:buFontTx/>
-              <a:buAutoNum type="arabicPeriod" startAt="10"/>
-              <a:tabLst/>
-            </a:pPr>
-            <a:r>
-              <a:rPr kumimoji="0" lang="en-US" altLang="en-US" sz="1800" b="1" i="0" u="none" strike="noStrike" cap="none" normalizeH="0" baseline="0" dirty="0">
-                <a:ln>
-                  <a:noFill/>
-                </a:ln>
-                <a:solidFill>
-                  <a:schemeClr val="tx1"/>
-                </a:solidFill>
-                <a:effectLst/>
-                <a:latin typeface="Arial" panose="020B0604020202020204" pitchFamily="34" charset="0"/>
-              </a:rPr>
-              <a:t>Autonomous Vehicles and Robotics</a:t>
-            </a:r>
-            <a:r>
-              <a:rPr kumimoji="0" lang="en-US" altLang="en-US" sz="1800" b="0" i="0" u="none" strike="noStrike" cap="none" normalizeH="0" baseline="0" dirty="0">
-                <a:ln>
-                  <a:noFill/>
-                </a:ln>
-                <a:solidFill>
-                  <a:schemeClr val="tx1"/>
-                </a:solidFill>
-                <a:effectLst/>
-                <a:latin typeface="Arial" panose="020B0604020202020204" pitchFamily="34" charset="0"/>
-              </a:rPr>
-              <a:t>: Helps robots or drones navigate public spaces by understanding human actions. </a:t>
-            </a:r>
-          </a:p>
-          <a:p>
-            <a:pPr marL="0" marR="0" lvl="0" indent="0" algn="just" defTabSz="914400" rtl="0" eaLnBrk="0" fontAlgn="base" latinLnBrk="0" hangingPunct="0">
-              <a:lnSpc>
-                <a:spcPct val="100000"/>
-              </a:lnSpc>
-              <a:spcBef>
-                <a:spcPct val="0"/>
-              </a:spcBef>
-              <a:spcAft>
-                <a:spcPct val="0"/>
-              </a:spcAft>
-              <a:buClrTx/>
-              <a:buSzTx/>
-              <a:buFontTx/>
               <a:buNone/>
               <a:tabLst/>
             </a:pPr>
@@ -9562,7 +9714,9 @@
                 <a:schemeClr val="tx1"/>
               </a:solidFill>
               <a:effectLst/>
-              <a:latin typeface="Arial" panose="020B0604020202020204" pitchFamily="34" charset="0"/>
+              <a:latin typeface="Calibri" panose="020F0502020204030204" pitchFamily="34" charset="0"/>
+              <a:ea typeface="Calibri" panose="020F0502020204030204" pitchFamily="34" charset="0"/>
+              <a:cs typeface="Calibri" panose="020F0502020204030204" pitchFamily="34" charset="0"/>
             </a:endParaRPr>
           </a:p>
         </p:txBody>
@@ -9570,7 +9724,7 @@
     </p:spTree>
     <p:extLst>
       <p:ext uri="{BB962C8B-B14F-4D97-AF65-F5344CB8AC3E}">
-        <p14:creationId xmlns:p14="http://schemas.microsoft.com/office/powerpoint/2010/main" val="1942072635"/>
+        <p14:creationId xmlns:p14="http://schemas.microsoft.com/office/powerpoint/2010/main" val="2252945209"/>
       </p:ext>
     </p:extLst>
   </p:cSld>
@@ -9632,16 +9786,9 @@
                 <a:latin typeface="Times New Roman" pitchFamily="18" charset="0"/>
                 <a:cs typeface="Times New Roman" pitchFamily="18" charset="0"/>
               </a:rPr>
-              <a:t>  </a:t>
-            </a:r>
-            <a:r>
-              <a:rPr lang="en-US" sz="3600" b="1" dirty="0">
-                <a:latin typeface="Times New Roman" pitchFamily="18" charset="0"/>
-                <a:cs typeface="Times New Roman" pitchFamily="18" charset="0"/>
-              </a:rPr>
-              <a:t>Detection Of Human Action In Public Place</a:t>
-            </a:r>
-            <a:br>
+              <a:t> </a:t>
+            </a:r>
+            <a:r>
               <a:rPr lang="en-US" sz="3200" b="1" i="0" u="none" strike="noStrike" cap="none" dirty="0">
                 <a:solidFill>
                   <a:schemeClr val="dk1"/>
@@ -9651,7 +9798,8 @@
                 <a:cs typeface="Times New Roman" panose="02020603050405020304" pitchFamily="18" charset="0"/>
                 <a:sym typeface="Times New Roman" panose="02020603050405020304"/>
               </a:rPr>
-            </a:br>
+              <a:t>REVOLUTIONIZING ADS WITH MOBILE VEHICLES CAMPAIGNS</a:t>
+            </a:r>
             <a:endParaRPr lang="en-US" sz="3200" b="1" dirty="0">
               <a:latin typeface="Times New Roman" pitchFamily="18" charset="0"/>
               <a:cs typeface="Times New Roman" pitchFamily="18" charset="0"/>
@@ -10107,1530 +10255,6 @@
     <p:extLst>
       <p:ext uri="{BB962C8B-B14F-4D97-AF65-F5344CB8AC3E}">
         <p14:creationId xmlns:p14="http://schemas.microsoft.com/office/powerpoint/2010/main" val="876575418"/>
-      </p:ext>
-    </p:extLst>
-  </p:cSld>
-  <p:clrMapOvr>
-    <a:masterClrMapping/>
-  </p:clrMapOvr>
-</p:sld>
-</file>
-
-<file path=ppt/slides/slide20.xml><?xml version="1.0" encoding="utf-8"?>
-<p:sld xmlns:a="http://schemas.openxmlformats.org/drawingml/2006/main" xmlns:r="http://schemas.openxmlformats.org/officeDocument/2006/relationships" xmlns:p="http://schemas.openxmlformats.org/presentationml/2006/main">
-  <p:cSld>
-    <p:spTree>
-      <p:nvGrpSpPr>
-        <p:cNvPr id="1" name=""/>
-        <p:cNvGrpSpPr/>
-        <p:nvPr/>
-      </p:nvGrpSpPr>
-      <p:grpSpPr>
-        <a:xfrm>
-          <a:off x="0" y="0"/>
-          <a:ext cx="0" cy="0"/>
-          <a:chOff x="0" y="0"/>
-          <a:chExt cx="0" cy="0"/>
-        </a:xfrm>
-      </p:grpSpPr>
-      <p:sp>
-        <p:nvSpPr>
-          <p:cNvPr id="2" name="Title 1">
-            <a:extLst>
-              <a:ext uri="{FF2B5EF4-FFF2-40B4-BE49-F238E27FC236}">
-                <a16:creationId xmlns:a16="http://schemas.microsoft.com/office/drawing/2014/main" id="{463AD3ED-A9EA-2EF2-73D1-565843D8DC5A}"/>
-              </a:ext>
-            </a:extLst>
-          </p:cNvPr>
-          <p:cNvSpPr>
-            <a:spLocks noGrp="1"/>
-          </p:cNvSpPr>
-          <p:nvPr>
-            <p:ph type="title"/>
-          </p:nvPr>
-        </p:nvSpPr>
-        <p:spPr/>
-        <p:txBody>
-          <a:bodyPr/>
-          <a:lstStyle/>
-          <a:p>
-            <a:r>
-              <a:rPr lang="en-IN" dirty="0"/>
-              <a:t>reference</a:t>
-            </a:r>
-          </a:p>
-        </p:txBody>
-      </p:sp>
-      <p:sp>
-        <p:nvSpPr>
-          <p:cNvPr id="3" name="Content Placeholder 2">
-            <a:extLst>
-              <a:ext uri="{FF2B5EF4-FFF2-40B4-BE49-F238E27FC236}">
-                <a16:creationId xmlns:a16="http://schemas.microsoft.com/office/drawing/2014/main" id="{A63B5BEC-D42C-09D6-75C2-94C639C9741C}"/>
-              </a:ext>
-            </a:extLst>
-          </p:cNvPr>
-          <p:cNvSpPr>
-            <a:spLocks noGrp="1"/>
-          </p:cNvSpPr>
-          <p:nvPr>
-            <p:ph sz="quarter" idx="1"/>
-          </p:nvPr>
-        </p:nvSpPr>
-        <p:spPr/>
-        <p:txBody>
-          <a:bodyPr>
-            <a:normAutofit fontScale="85000" lnSpcReduction="20000"/>
-          </a:bodyPr>
-          <a:lstStyle/>
-          <a:p>
-            <a:pPr marR="0" lvl="0" algn="just" defTabSz="914400" rtl="0" eaLnBrk="0" fontAlgn="base" latinLnBrk="0" hangingPunct="0">
-              <a:lnSpc>
-                <a:spcPct val="100000"/>
-              </a:lnSpc>
-              <a:spcBef>
-                <a:spcPct val="0"/>
-              </a:spcBef>
-              <a:spcAft>
-                <a:spcPct val="0"/>
-              </a:spcAft>
-              <a:buClrTx/>
-              <a:buSzTx/>
-              <a:buFont typeface="Wingdings" panose="05000000000000000000" pitchFamily="2" charset="2"/>
-              <a:buChar char="Ø"/>
-            </a:pPr>
-            <a:r>
-              <a:rPr lang="en-GB" sz="2400" b="0" i="0" dirty="0" err="1">
-                <a:solidFill>
-                  <a:srgbClr val="000000"/>
-                </a:solidFill>
-                <a:effectLst/>
-                <a:latin typeface="Times New Roman" panose="02020603050405020304" pitchFamily="18" charset="0"/>
-              </a:rPr>
-              <a:t>Ravuri</a:t>
-            </a:r>
-            <a:r>
-              <a:rPr lang="en-GB" sz="2400" b="0" i="0" dirty="0">
-                <a:solidFill>
-                  <a:srgbClr val="000000"/>
-                </a:solidFill>
-                <a:effectLst/>
-                <a:latin typeface="Times New Roman" panose="02020603050405020304" pitchFamily="18" charset="0"/>
-              </a:rPr>
-              <a:t>, N. A. (2024). A Systematic Literature Review on Human Activity Recognition. </a:t>
-            </a:r>
-            <a:r>
-              <a:rPr lang="en-GB" sz="2400" b="0" i="1" dirty="0">
-                <a:solidFill>
-                  <a:srgbClr val="000000"/>
-                </a:solidFill>
-                <a:effectLst/>
-                <a:latin typeface="Times New Roman" panose="02020603050405020304" pitchFamily="18" charset="0"/>
-              </a:rPr>
-              <a:t>Deleted Journal</a:t>
-            </a:r>
-            <a:r>
-              <a:rPr lang="en-GB" sz="2400" b="0" i="0" dirty="0">
-                <a:solidFill>
-                  <a:srgbClr val="000000"/>
-                </a:solidFill>
-                <a:effectLst/>
-                <a:latin typeface="Times New Roman" panose="02020603050405020304" pitchFamily="18" charset="0"/>
-              </a:rPr>
-              <a:t>, </a:t>
-            </a:r>
-            <a:r>
-              <a:rPr lang="en-GB" sz="2400" b="0" i="1" dirty="0">
-                <a:solidFill>
-                  <a:srgbClr val="000000"/>
-                </a:solidFill>
-                <a:effectLst/>
-                <a:latin typeface="Times New Roman" panose="02020603050405020304" pitchFamily="18" charset="0"/>
-              </a:rPr>
-              <a:t>20</a:t>
-            </a:r>
-            <a:r>
-              <a:rPr lang="en-GB" sz="2400" b="0" i="0" dirty="0">
-                <a:solidFill>
-                  <a:srgbClr val="000000"/>
-                </a:solidFill>
-                <a:effectLst/>
-                <a:latin typeface="Times New Roman" panose="02020603050405020304" pitchFamily="18" charset="0"/>
-              </a:rPr>
-              <a:t>(6s), 1175–1191. https://doi.org/10.52783/jes.2848</a:t>
-            </a:r>
-            <a:endParaRPr kumimoji="0" lang="en-US" altLang="en-US" sz="2400" b="0" i="0" u="none" strike="noStrike" cap="none" normalizeH="0" baseline="0" dirty="0">
-              <a:ln>
-                <a:noFill/>
-              </a:ln>
-              <a:solidFill>
-                <a:srgbClr val="000000"/>
-              </a:solidFill>
-              <a:effectLst/>
-              <a:latin typeface="Times New Roman" panose="02020603050405020304" pitchFamily="18" charset="0"/>
-              <a:cs typeface="Times New Roman" panose="02020603050405020304" pitchFamily="18" charset="0"/>
-            </a:endParaRPr>
-          </a:p>
-          <a:p>
-            <a:pPr marR="0" lvl="0" algn="just" defTabSz="914400" rtl="0" eaLnBrk="0" fontAlgn="base" latinLnBrk="0" hangingPunct="0">
-              <a:lnSpc>
-                <a:spcPct val="100000"/>
-              </a:lnSpc>
-              <a:spcBef>
-                <a:spcPct val="0"/>
-              </a:spcBef>
-              <a:spcAft>
-                <a:spcPct val="0"/>
-              </a:spcAft>
-              <a:buClrTx/>
-              <a:buSzTx/>
-              <a:buFont typeface="Wingdings" panose="05000000000000000000" pitchFamily="2" charset="2"/>
-              <a:buChar char="Ø"/>
-            </a:pPr>
-            <a:endParaRPr lang="en-US" altLang="en-US" sz="2400" dirty="0">
-              <a:solidFill>
-                <a:srgbClr val="000000"/>
-              </a:solidFill>
-              <a:latin typeface="Times New Roman" panose="02020603050405020304" pitchFamily="18" charset="0"/>
-              <a:cs typeface="Times New Roman" panose="02020603050405020304" pitchFamily="18" charset="0"/>
-            </a:endParaRPr>
-          </a:p>
-          <a:p>
-            <a:pPr marR="0" lvl="0" algn="just" defTabSz="914400" rtl="0" eaLnBrk="0" fontAlgn="base" latinLnBrk="0" hangingPunct="0">
-              <a:lnSpc>
-                <a:spcPct val="100000"/>
-              </a:lnSpc>
-              <a:spcBef>
-                <a:spcPct val="0"/>
-              </a:spcBef>
-              <a:spcAft>
-                <a:spcPct val="0"/>
-              </a:spcAft>
-              <a:buClrTx/>
-              <a:buSzTx/>
-              <a:buFont typeface="Wingdings" panose="05000000000000000000" pitchFamily="2" charset="2"/>
-              <a:buChar char="Ø"/>
-            </a:pPr>
-            <a:r>
-              <a:rPr lang="en-GB" sz="2400" b="0" i="1" dirty="0">
-                <a:solidFill>
-                  <a:srgbClr val="000000"/>
-                </a:solidFill>
-                <a:effectLst/>
-                <a:latin typeface="Times New Roman" panose="02020603050405020304" pitchFamily="18" charset="0"/>
-              </a:rPr>
-              <a:t>Human activity recognition using deep learning</a:t>
-            </a:r>
-            <a:r>
-              <a:rPr lang="en-GB" sz="2400" b="0" i="0" dirty="0">
-                <a:solidFill>
-                  <a:srgbClr val="000000"/>
-                </a:solidFill>
-                <a:effectLst/>
-                <a:latin typeface="Times New Roman" panose="02020603050405020304" pitchFamily="18" charset="0"/>
-              </a:rPr>
-              <a:t>. (2022, April 14). IEEE Conference Publication | IEEE Xplore. https://ieeexplore.ieee.org/document/9786890/</a:t>
-            </a:r>
-          </a:p>
-          <a:p>
-            <a:pPr marR="0" lvl="0" algn="just" defTabSz="914400" rtl="0" eaLnBrk="0" fontAlgn="base" latinLnBrk="0" hangingPunct="0">
-              <a:lnSpc>
-                <a:spcPct val="100000"/>
-              </a:lnSpc>
-              <a:spcBef>
-                <a:spcPct val="0"/>
-              </a:spcBef>
-              <a:spcAft>
-                <a:spcPct val="0"/>
-              </a:spcAft>
-              <a:buClrTx/>
-              <a:buSzTx/>
-              <a:buFont typeface="Wingdings" panose="05000000000000000000" pitchFamily="2" charset="2"/>
-              <a:buChar char="Ø"/>
-            </a:pPr>
-            <a:endParaRPr lang="en-GB" sz="2400" dirty="0">
-              <a:solidFill>
-                <a:srgbClr val="000000"/>
-              </a:solidFill>
-              <a:latin typeface="Times New Roman" panose="02020603050405020304" pitchFamily="18" charset="0"/>
-            </a:endParaRPr>
-          </a:p>
-          <a:p>
-            <a:pPr marR="0" lvl="0" algn="just" defTabSz="914400" rtl="0" eaLnBrk="0" fontAlgn="base" latinLnBrk="0" hangingPunct="0">
-              <a:lnSpc>
-                <a:spcPct val="100000"/>
-              </a:lnSpc>
-              <a:spcBef>
-                <a:spcPct val="0"/>
-              </a:spcBef>
-              <a:spcAft>
-                <a:spcPct val="0"/>
-              </a:spcAft>
-              <a:buClrTx/>
-              <a:buSzTx/>
-              <a:buFont typeface="Wingdings" panose="05000000000000000000" pitchFamily="2" charset="2"/>
-              <a:buChar char="Ø"/>
-            </a:pPr>
-            <a:r>
-              <a:rPr lang="en-IN" sz="2400" b="0" i="0" dirty="0">
-                <a:solidFill>
-                  <a:srgbClr val="000000"/>
-                </a:solidFill>
-                <a:effectLst/>
-                <a:latin typeface="Times New Roman" panose="02020603050405020304" pitchFamily="18" charset="0"/>
-              </a:rPr>
-              <a:t>Sánchez-Caballero, A., Fuentes-Jiménez, D., &amp; </a:t>
-            </a:r>
-            <a:r>
-              <a:rPr lang="en-IN" sz="2400" b="0" i="0" dirty="0" err="1">
-                <a:solidFill>
-                  <a:srgbClr val="000000"/>
-                </a:solidFill>
-                <a:effectLst/>
-                <a:latin typeface="Times New Roman" panose="02020603050405020304" pitchFamily="18" charset="0"/>
-              </a:rPr>
-              <a:t>Losada</a:t>
-            </a:r>
-            <a:r>
-              <a:rPr lang="en-IN" sz="2400" b="0" i="0" dirty="0">
-                <a:solidFill>
-                  <a:srgbClr val="000000"/>
-                </a:solidFill>
-                <a:effectLst/>
-                <a:latin typeface="Times New Roman" panose="02020603050405020304" pitchFamily="18" charset="0"/>
-              </a:rPr>
-              <a:t>-Gutiérrez, C. (2022). Real-time human action recognition using raw depth video-based recurrent neural networks. </a:t>
-            </a:r>
-            <a:r>
-              <a:rPr lang="en-IN" sz="2400" b="0" i="1" dirty="0">
-                <a:solidFill>
-                  <a:srgbClr val="000000"/>
-                </a:solidFill>
-                <a:effectLst/>
-                <a:latin typeface="Times New Roman" panose="02020603050405020304" pitchFamily="18" charset="0"/>
-              </a:rPr>
-              <a:t>Multimedia Tools and Applications</a:t>
-            </a:r>
-            <a:r>
-              <a:rPr lang="en-IN" sz="2400" b="0" i="0" dirty="0">
-                <a:solidFill>
-                  <a:srgbClr val="000000"/>
-                </a:solidFill>
-                <a:effectLst/>
-                <a:latin typeface="Times New Roman" panose="02020603050405020304" pitchFamily="18" charset="0"/>
-              </a:rPr>
-              <a:t>, </a:t>
-            </a:r>
-            <a:r>
-              <a:rPr lang="en-IN" sz="2400" b="0" i="1" dirty="0">
-                <a:solidFill>
-                  <a:srgbClr val="000000"/>
-                </a:solidFill>
-                <a:effectLst/>
-                <a:latin typeface="Times New Roman" panose="02020603050405020304" pitchFamily="18" charset="0"/>
-              </a:rPr>
-              <a:t>82</a:t>
-            </a:r>
-            <a:r>
-              <a:rPr lang="en-IN" sz="2400" b="0" i="0" dirty="0">
-                <a:solidFill>
-                  <a:srgbClr val="000000"/>
-                </a:solidFill>
-                <a:effectLst/>
-                <a:latin typeface="Times New Roman" panose="02020603050405020304" pitchFamily="18" charset="0"/>
-              </a:rPr>
-              <a:t>(11), 16213–16235. https://doi.org/10.1007/s11042-022-14075-5</a:t>
-            </a:r>
-            <a:endParaRPr lang="en-US" sz="2400" b="0" i="0" dirty="0">
-              <a:solidFill>
-                <a:srgbClr val="000000"/>
-              </a:solidFill>
-              <a:effectLst/>
-              <a:latin typeface="Times New Roman" panose="02020603050405020304" pitchFamily="18" charset="0"/>
-              <a:cs typeface="Times New Roman" panose="02020603050405020304" pitchFamily="18" charset="0"/>
-            </a:endParaRPr>
-          </a:p>
-          <a:p>
-            <a:pPr marR="0" lvl="0" algn="just" defTabSz="914400" rtl="0" eaLnBrk="0" fontAlgn="base" latinLnBrk="0" hangingPunct="0">
-              <a:lnSpc>
-                <a:spcPct val="100000"/>
-              </a:lnSpc>
-              <a:spcBef>
-                <a:spcPct val="0"/>
-              </a:spcBef>
-              <a:spcAft>
-                <a:spcPct val="0"/>
-              </a:spcAft>
-              <a:buClrTx/>
-              <a:buSzTx/>
-              <a:buFont typeface="Wingdings" panose="05000000000000000000" pitchFamily="2" charset="2"/>
-              <a:buChar char="Ø"/>
-            </a:pPr>
-            <a:endParaRPr lang="en-US" sz="2400" dirty="0">
-              <a:solidFill>
-                <a:srgbClr val="000000"/>
-              </a:solidFill>
-              <a:latin typeface="Times New Roman" panose="02020603050405020304" pitchFamily="18" charset="0"/>
-              <a:cs typeface="Times New Roman" panose="02020603050405020304" pitchFamily="18" charset="0"/>
-            </a:endParaRPr>
-          </a:p>
-          <a:p>
-            <a:pPr marR="0" lvl="0" algn="just" defTabSz="914400" rtl="0" eaLnBrk="0" fontAlgn="base" latinLnBrk="0" hangingPunct="0">
-              <a:lnSpc>
-                <a:spcPct val="100000"/>
-              </a:lnSpc>
-              <a:spcBef>
-                <a:spcPct val="0"/>
-              </a:spcBef>
-              <a:spcAft>
-                <a:spcPct val="0"/>
-              </a:spcAft>
-              <a:buClrTx/>
-              <a:buSzTx/>
-              <a:buFont typeface="Wingdings" panose="05000000000000000000" pitchFamily="2" charset="2"/>
-              <a:buChar char="Ø"/>
-            </a:pPr>
-            <a:r>
-              <a:rPr lang="en-GB" sz="2400" b="0" i="0" dirty="0">
-                <a:solidFill>
-                  <a:srgbClr val="000000"/>
-                </a:solidFill>
-                <a:effectLst/>
-                <a:latin typeface="Times New Roman" panose="02020603050405020304" pitchFamily="18" charset="0"/>
-              </a:rPr>
-              <a:t>Yang, C., Hsu, S., Hsu, Y., &amp; Kang, Y. (2023). HAR-time: human action recognition with time factor analysis on worker operating time. </a:t>
-            </a:r>
-            <a:r>
-              <a:rPr lang="en-GB" sz="2400" b="0" i="1" dirty="0">
-                <a:solidFill>
-                  <a:srgbClr val="000000"/>
-                </a:solidFill>
-                <a:effectLst/>
-                <a:latin typeface="Times New Roman" panose="02020603050405020304" pitchFamily="18" charset="0"/>
-              </a:rPr>
-              <a:t>International Journal of Computer Integrated Manufacturing</a:t>
-            </a:r>
-            <a:r>
-              <a:rPr lang="en-GB" sz="2400" b="0" i="0" dirty="0">
-                <a:solidFill>
-                  <a:srgbClr val="000000"/>
-                </a:solidFill>
-                <a:effectLst/>
-                <a:latin typeface="Times New Roman" panose="02020603050405020304" pitchFamily="18" charset="0"/>
-              </a:rPr>
-              <a:t>, </a:t>
-            </a:r>
-            <a:r>
-              <a:rPr lang="en-GB" sz="2400" b="0" i="1" dirty="0">
-                <a:solidFill>
-                  <a:srgbClr val="000000"/>
-                </a:solidFill>
-                <a:effectLst/>
-                <a:latin typeface="Times New Roman" panose="02020603050405020304" pitchFamily="18" charset="0"/>
-              </a:rPr>
-              <a:t>36</a:t>
-            </a:r>
-            <a:r>
-              <a:rPr lang="en-GB" sz="2400" b="0" i="0" dirty="0">
-                <a:solidFill>
-                  <a:srgbClr val="000000"/>
-                </a:solidFill>
-                <a:effectLst/>
-                <a:latin typeface="Times New Roman" panose="02020603050405020304" pitchFamily="18" charset="0"/>
-              </a:rPr>
-              <a:t>(8), 1219–1237. https://doi.org/10.1080/0951192x.2023.2177736</a:t>
-            </a:r>
-          </a:p>
-          <a:p>
-            <a:pPr marR="0" lvl="0" algn="just" defTabSz="914400" rtl="0" eaLnBrk="0" fontAlgn="base" latinLnBrk="0" hangingPunct="0">
-              <a:lnSpc>
-                <a:spcPct val="100000"/>
-              </a:lnSpc>
-              <a:spcBef>
-                <a:spcPct val="0"/>
-              </a:spcBef>
-              <a:spcAft>
-                <a:spcPct val="0"/>
-              </a:spcAft>
-              <a:buClrTx/>
-              <a:buSzTx/>
-              <a:buFont typeface="Wingdings" panose="05000000000000000000" pitchFamily="2" charset="2"/>
-              <a:buChar char="Ø"/>
-            </a:pPr>
-            <a:endParaRPr lang="en-GB" sz="2400" dirty="0">
-              <a:solidFill>
-                <a:srgbClr val="000000"/>
-              </a:solidFill>
-              <a:latin typeface="Times New Roman" panose="02020603050405020304" pitchFamily="18" charset="0"/>
-            </a:endParaRPr>
-          </a:p>
-          <a:p>
-            <a:pPr marR="0" lvl="0" algn="just" defTabSz="914400" rtl="0" eaLnBrk="0" fontAlgn="base" latinLnBrk="0" hangingPunct="0">
-              <a:lnSpc>
-                <a:spcPct val="100000"/>
-              </a:lnSpc>
-              <a:spcBef>
-                <a:spcPct val="0"/>
-              </a:spcBef>
-              <a:spcAft>
-                <a:spcPct val="0"/>
-              </a:spcAft>
-              <a:buClrTx/>
-              <a:buSzTx/>
-              <a:buFont typeface="Wingdings" panose="05000000000000000000" pitchFamily="2" charset="2"/>
-              <a:buChar char="Ø"/>
-            </a:pPr>
-            <a:r>
-              <a:rPr lang="en-IN" sz="2400" b="0" i="0" dirty="0">
-                <a:solidFill>
-                  <a:srgbClr val="000000"/>
-                </a:solidFill>
-                <a:effectLst/>
-                <a:latin typeface="Times New Roman" panose="02020603050405020304" pitchFamily="18" charset="0"/>
-              </a:rPr>
-              <a:t>Khan, S., Khan, M. A., </a:t>
-            </a:r>
-            <a:r>
-              <a:rPr lang="en-IN" sz="2400" b="0" i="0" dirty="0" err="1">
-                <a:solidFill>
-                  <a:srgbClr val="000000"/>
-                </a:solidFill>
-                <a:effectLst/>
-                <a:latin typeface="Times New Roman" panose="02020603050405020304" pitchFamily="18" charset="0"/>
-              </a:rPr>
-              <a:t>Alhaisoni</a:t>
-            </a:r>
-            <a:r>
-              <a:rPr lang="en-IN" sz="2400" b="0" i="0" dirty="0">
-                <a:solidFill>
-                  <a:srgbClr val="000000"/>
-                </a:solidFill>
-                <a:effectLst/>
-                <a:latin typeface="Times New Roman" panose="02020603050405020304" pitchFamily="18" charset="0"/>
-              </a:rPr>
-              <a:t>, M., Tariq, U., Yong, H., </a:t>
-            </a:r>
-            <a:r>
-              <a:rPr lang="en-IN" sz="2400" b="0" i="0" dirty="0" err="1">
-                <a:solidFill>
-                  <a:srgbClr val="000000"/>
-                </a:solidFill>
-                <a:effectLst/>
-                <a:latin typeface="Times New Roman" panose="02020603050405020304" pitchFamily="18" charset="0"/>
-              </a:rPr>
-              <a:t>Armghan</a:t>
-            </a:r>
-            <a:r>
-              <a:rPr lang="en-IN" sz="2400" b="0" i="0" dirty="0">
-                <a:solidFill>
-                  <a:srgbClr val="000000"/>
-                </a:solidFill>
-                <a:effectLst/>
-                <a:latin typeface="Times New Roman" panose="02020603050405020304" pitchFamily="18" charset="0"/>
-              </a:rPr>
-              <a:t>, A., &amp; </a:t>
-            </a:r>
-            <a:r>
-              <a:rPr lang="en-IN" sz="2400" b="0" i="0" dirty="0" err="1">
-                <a:solidFill>
-                  <a:srgbClr val="000000"/>
-                </a:solidFill>
-                <a:effectLst/>
-                <a:latin typeface="Times New Roman" panose="02020603050405020304" pitchFamily="18" charset="0"/>
-              </a:rPr>
-              <a:t>Alenezi</a:t>
-            </a:r>
-            <a:r>
-              <a:rPr lang="en-IN" sz="2400" b="0" i="0" dirty="0">
-                <a:solidFill>
-                  <a:srgbClr val="000000"/>
-                </a:solidFill>
-                <a:effectLst/>
-                <a:latin typeface="Times New Roman" panose="02020603050405020304" pitchFamily="18" charset="0"/>
-              </a:rPr>
-              <a:t>, F. (2021). Human Action recognition: a paradigm of best deep learning features selection and serial based extended fusion. </a:t>
-            </a:r>
-            <a:r>
-              <a:rPr lang="en-IN" sz="2400" b="0" i="1" dirty="0">
-                <a:solidFill>
-                  <a:srgbClr val="000000"/>
-                </a:solidFill>
-                <a:effectLst/>
-                <a:latin typeface="Times New Roman" panose="02020603050405020304" pitchFamily="18" charset="0"/>
-              </a:rPr>
-              <a:t>Sensors</a:t>
-            </a:r>
-            <a:r>
-              <a:rPr lang="en-IN" sz="2400" b="0" i="0" dirty="0">
-                <a:solidFill>
-                  <a:srgbClr val="000000"/>
-                </a:solidFill>
-                <a:effectLst/>
-                <a:latin typeface="Times New Roman" panose="02020603050405020304" pitchFamily="18" charset="0"/>
-              </a:rPr>
-              <a:t>, </a:t>
-            </a:r>
-            <a:r>
-              <a:rPr lang="en-IN" sz="2400" b="0" i="1" dirty="0">
-                <a:solidFill>
-                  <a:srgbClr val="000000"/>
-                </a:solidFill>
-                <a:effectLst/>
-                <a:latin typeface="Times New Roman" panose="02020603050405020304" pitchFamily="18" charset="0"/>
-              </a:rPr>
-              <a:t>21</a:t>
-            </a:r>
-            <a:r>
-              <a:rPr lang="en-IN" sz="2400" b="0" i="0" dirty="0">
-                <a:solidFill>
-                  <a:srgbClr val="000000"/>
-                </a:solidFill>
-                <a:effectLst/>
-                <a:latin typeface="Times New Roman" panose="02020603050405020304" pitchFamily="18" charset="0"/>
-              </a:rPr>
-              <a:t>(23), 7941. https://doi.org/10.3390/s21237941</a:t>
-            </a:r>
-            <a:endParaRPr lang="en-GB" sz="2400" b="0" i="0" dirty="0">
-              <a:solidFill>
-                <a:srgbClr val="000000"/>
-              </a:solidFill>
-              <a:effectLst/>
-              <a:latin typeface="Times New Roman" panose="02020603050405020304" pitchFamily="18" charset="0"/>
-            </a:endParaRPr>
-          </a:p>
-          <a:p>
-            <a:endParaRPr lang="en-IN" dirty="0"/>
-          </a:p>
-          <a:p>
-            <a:endParaRPr lang="en-IN" dirty="0"/>
-          </a:p>
-        </p:txBody>
-      </p:sp>
-    </p:spTree>
-    <p:extLst>
-      <p:ext uri="{BB962C8B-B14F-4D97-AF65-F5344CB8AC3E}">
-        <p14:creationId xmlns:p14="http://schemas.microsoft.com/office/powerpoint/2010/main" val="1642010579"/>
-      </p:ext>
-    </p:extLst>
-  </p:cSld>
-  <p:clrMapOvr>
-    <a:masterClrMapping/>
-  </p:clrMapOvr>
-</p:sld>
-</file>
-
-<file path=ppt/slides/slide21.xml><?xml version="1.0" encoding="utf-8"?>
-<p:sld xmlns:a="http://schemas.openxmlformats.org/drawingml/2006/main" xmlns:r="http://schemas.openxmlformats.org/officeDocument/2006/relationships" xmlns:p="http://schemas.openxmlformats.org/presentationml/2006/main">
-  <p:cSld>
-    <p:spTree>
-      <p:nvGrpSpPr>
-        <p:cNvPr id="1" name="">
-          <a:extLst>
-            <a:ext uri="{FF2B5EF4-FFF2-40B4-BE49-F238E27FC236}">
-              <a16:creationId xmlns:a16="http://schemas.microsoft.com/office/drawing/2014/main" id="{A6E2D10B-F54B-DB9A-7433-7418F1DC2DA7}"/>
-            </a:ext>
-          </a:extLst>
-        </p:cNvPr>
-        <p:cNvGrpSpPr/>
-        <p:nvPr/>
-      </p:nvGrpSpPr>
-      <p:grpSpPr>
-        <a:xfrm>
-          <a:off x="0" y="0"/>
-          <a:ext cx="0" cy="0"/>
-          <a:chOff x="0" y="0"/>
-          <a:chExt cx="0" cy="0"/>
-        </a:xfrm>
-      </p:grpSpPr>
-      <p:sp>
-        <p:nvSpPr>
-          <p:cNvPr id="2" name="Title 1">
-            <a:extLst>
-              <a:ext uri="{FF2B5EF4-FFF2-40B4-BE49-F238E27FC236}">
-                <a16:creationId xmlns:a16="http://schemas.microsoft.com/office/drawing/2014/main" id="{BDEAFDF0-3670-D753-2E17-77D9A5369255}"/>
-              </a:ext>
-            </a:extLst>
-          </p:cNvPr>
-          <p:cNvSpPr>
-            <a:spLocks noGrp="1"/>
-          </p:cNvSpPr>
-          <p:nvPr>
-            <p:ph type="title"/>
-          </p:nvPr>
-        </p:nvSpPr>
-        <p:spPr/>
-        <p:txBody>
-          <a:bodyPr/>
-          <a:lstStyle/>
-          <a:p>
-            <a:r>
-              <a:rPr lang="en-IN" dirty="0"/>
-              <a:t>reference</a:t>
-            </a:r>
-          </a:p>
-        </p:txBody>
-      </p:sp>
-      <p:sp>
-        <p:nvSpPr>
-          <p:cNvPr id="3" name="Content Placeholder 2">
-            <a:extLst>
-              <a:ext uri="{FF2B5EF4-FFF2-40B4-BE49-F238E27FC236}">
-                <a16:creationId xmlns:a16="http://schemas.microsoft.com/office/drawing/2014/main" id="{1D6BB99F-F84F-3921-D134-E35BCB631B96}"/>
-              </a:ext>
-            </a:extLst>
-          </p:cNvPr>
-          <p:cNvSpPr>
-            <a:spLocks noGrp="1"/>
-          </p:cNvSpPr>
-          <p:nvPr>
-            <p:ph sz="quarter" idx="1"/>
-          </p:nvPr>
-        </p:nvSpPr>
-        <p:spPr/>
-        <p:txBody>
-          <a:bodyPr>
-            <a:normAutofit fontScale="77500" lnSpcReduction="20000"/>
-          </a:bodyPr>
-          <a:lstStyle/>
-          <a:p>
-            <a:pPr marR="0" lvl="0" algn="just" defTabSz="914400" rtl="0" eaLnBrk="0" fontAlgn="base" latinLnBrk="0" hangingPunct="0">
-              <a:lnSpc>
-                <a:spcPct val="100000"/>
-              </a:lnSpc>
-              <a:spcBef>
-                <a:spcPct val="0"/>
-              </a:spcBef>
-              <a:spcAft>
-                <a:spcPct val="0"/>
-              </a:spcAft>
-              <a:buClrTx/>
-              <a:buSzTx/>
-              <a:buFont typeface="Wingdings" panose="05000000000000000000" pitchFamily="2" charset="2"/>
-              <a:buChar char="Ø"/>
-            </a:pPr>
-            <a:r>
-              <a:rPr lang="en-GB" sz="2400" b="0" i="0" dirty="0">
-                <a:solidFill>
-                  <a:srgbClr val="000000"/>
-                </a:solidFill>
-                <a:effectLst/>
-                <a:latin typeface="Times New Roman" panose="02020603050405020304" pitchFamily="18" charset="0"/>
-              </a:rPr>
-              <a:t>Karim, M., Khalid, S., </a:t>
-            </a:r>
-            <a:r>
-              <a:rPr lang="en-GB" sz="2400" b="0" i="0" dirty="0" err="1">
-                <a:solidFill>
-                  <a:srgbClr val="000000"/>
-                </a:solidFill>
-                <a:effectLst/>
-                <a:latin typeface="Times New Roman" panose="02020603050405020304" pitchFamily="18" charset="0"/>
-              </a:rPr>
-              <a:t>Aleryani</a:t>
-            </a:r>
-            <a:r>
-              <a:rPr lang="en-GB" sz="2400" b="0" i="0" dirty="0">
-                <a:solidFill>
-                  <a:srgbClr val="000000"/>
-                </a:solidFill>
-                <a:effectLst/>
-                <a:latin typeface="Times New Roman" panose="02020603050405020304" pitchFamily="18" charset="0"/>
-              </a:rPr>
-              <a:t>, A., Khan, J., Ullah, I., &amp; Ali, Z. (2024). Human Action Recognition Systems: A Review of the Trends and State-of-the-Art. </a:t>
-            </a:r>
-            <a:r>
-              <a:rPr lang="en-GB" sz="2400" b="0" i="1" dirty="0">
-                <a:solidFill>
-                  <a:srgbClr val="000000"/>
-                </a:solidFill>
-                <a:effectLst/>
-                <a:latin typeface="Times New Roman" panose="02020603050405020304" pitchFamily="18" charset="0"/>
-              </a:rPr>
-              <a:t>IEEE Access</a:t>
-            </a:r>
-            <a:r>
-              <a:rPr lang="en-GB" sz="2400" b="0" i="0" dirty="0">
-                <a:solidFill>
-                  <a:srgbClr val="000000"/>
-                </a:solidFill>
-                <a:effectLst/>
-                <a:latin typeface="Times New Roman" panose="02020603050405020304" pitchFamily="18" charset="0"/>
-              </a:rPr>
-              <a:t>, </a:t>
-            </a:r>
-            <a:r>
-              <a:rPr lang="en-GB" sz="2400" b="0" i="1" dirty="0">
-                <a:solidFill>
-                  <a:srgbClr val="000000"/>
-                </a:solidFill>
-                <a:effectLst/>
-                <a:latin typeface="Times New Roman" panose="02020603050405020304" pitchFamily="18" charset="0"/>
-              </a:rPr>
-              <a:t>12</a:t>
-            </a:r>
-            <a:r>
-              <a:rPr lang="en-GB" sz="2400" b="0" i="0" dirty="0">
-                <a:solidFill>
-                  <a:srgbClr val="000000"/>
-                </a:solidFill>
-                <a:effectLst/>
-                <a:latin typeface="Times New Roman" panose="02020603050405020304" pitchFamily="18" charset="0"/>
-              </a:rPr>
-              <a:t>, 36372–36390. https://doi.org/10.1109/access.2024.3373199</a:t>
-            </a:r>
-            <a:endParaRPr lang="en-US" altLang="en-US" sz="2800" dirty="0">
-              <a:solidFill>
-                <a:srgbClr val="000000"/>
-              </a:solidFill>
-              <a:latin typeface="Times New Roman" panose="02020603050405020304" pitchFamily="18" charset="0"/>
-              <a:cs typeface="Times New Roman" panose="02020603050405020304" pitchFamily="18" charset="0"/>
-            </a:endParaRPr>
-          </a:p>
-          <a:p>
-            <a:pPr marR="0" lvl="0" algn="just" defTabSz="914400" rtl="0" eaLnBrk="0" fontAlgn="base" latinLnBrk="0" hangingPunct="0">
-              <a:lnSpc>
-                <a:spcPct val="100000"/>
-              </a:lnSpc>
-              <a:spcBef>
-                <a:spcPct val="0"/>
-              </a:spcBef>
-              <a:spcAft>
-                <a:spcPct val="0"/>
-              </a:spcAft>
-              <a:buClrTx/>
-              <a:buSzTx/>
-              <a:buFont typeface="Wingdings" panose="05000000000000000000" pitchFamily="2" charset="2"/>
-              <a:buChar char="Ø"/>
-            </a:pPr>
-            <a:endParaRPr kumimoji="0" lang="en-US" altLang="en-US" sz="2800" b="0" i="0" u="none" strike="noStrike" cap="none" normalizeH="0" baseline="0" dirty="0">
-              <a:ln>
-                <a:noFill/>
-              </a:ln>
-              <a:solidFill>
-                <a:srgbClr val="000000"/>
-              </a:solidFill>
-              <a:effectLst/>
-              <a:latin typeface="Times New Roman" panose="02020603050405020304" pitchFamily="18" charset="0"/>
-              <a:cs typeface="Times New Roman" panose="02020603050405020304" pitchFamily="18" charset="0"/>
-            </a:endParaRPr>
-          </a:p>
-          <a:p>
-            <a:pPr marR="0" lvl="0" algn="just" defTabSz="914400" rtl="0" eaLnBrk="0" fontAlgn="base" latinLnBrk="0" hangingPunct="0">
-              <a:lnSpc>
-                <a:spcPct val="100000"/>
-              </a:lnSpc>
-              <a:spcBef>
-                <a:spcPct val="0"/>
-              </a:spcBef>
-              <a:spcAft>
-                <a:spcPct val="0"/>
-              </a:spcAft>
-              <a:buClrTx/>
-              <a:buSzTx/>
-              <a:buFont typeface="Wingdings" panose="05000000000000000000" pitchFamily="2" charset="2"/>
-              <a:buChar char="Ø"/>
-            </a:pPr>
-            <a:r>
-              <a:rPr lang="en-GB" sz="2400" b="0" i="0" dirty="0">
-                <a:solidFill>
-                  <a:srgbClr val="000000"/>
-                </a:solidFill>
-                <a:effectLst/>
-                <a:latin typeface="Times New Roman" panose="02020603050405020304" pitchFamily="18" charset="0"/>
-              </a:rPr>
-              <a:t>Morshed, M. G., Sultana, T., Alam, A., &amp; Lee, Y. (2023). Human Action Recognition: A Taxonomy-Based Survey, updates, and opportunities. </a:t>
-            </a:r>
-            <a:r>
-              <a:rPr lang="en-GB" sz="2400" b="0" i="1" dirty="0">
-                <a:solidFill>
-                  <a:srgbClr val="000000"/>
-                </a:solidFill>
-                <a:effectLst/>
-                <a:latin typeface="Times New Roman" panose="02020603050405020304" pitchFamily="18" charset="0"/>
-              </a:rPr>
-              <a:t>Sensors</a:t>
-            </a:r>
-            <a:r>
-              <a:rPr lang="en-GB" sz="2400" b="0" i="0" dirty="0">
-                <a:solidFill>
-                  <a:srgbClr val="000000"/>
-                </a:solidFill>
-                <a:effectLst/>
-                <a:latin typeface="Times New Roman" panose="02020603050405020304" pitchFamily="18" charset="0"/>
-              </a:rPr>
-              <a:t>, </a:t>
-            </a:r>
-            <a:r>
-              <a:rPr lang="en-GB" sz="2400" b="0" i="1" dirty="0">
-                <a:solidFill>
-                  <a:srgbClr val="000000"/>
-                </a:solidFill>
-                <a:effectLst/>
-                <a:latin typeface="Times New Roman" panose="02020603050405020304" pitchFamily="18" charset="0"/>
-              </a:rPr>
-              <a:t>23</a:t>
-            </a:r>
-            <a:r>
-              <a:rPr lang="en-GB" sz="2400" b="0" i="0" dirty="0">
-                <a:solidFill>
-                  <a:srgbClr val="000000"/>
-                </a:solidFill>
-                <a:effectLst/>
-                <a:latin typeface="Times New Roman" panose="02020603050405020304" pitchFamily="18" charset="0"/>
-              </a:rPr>
-              <a:t>(4), 2182. https://doi.org/10.3390/s23042182</a:t>
-            </a:r>
-            <a:endParaRPr lang="en-US" sz="2800" dirty="0">
-              <a:solidFill>
-                <a:srgbClr val="000000"/>
-              </a:solidFill>
-              <a:latin typeface="Times New Roman" panose="02020603050405020304" pitchFamily="18" charset="0"/>
-              <a:cs typeface="Times New Roman" panose="02020603050405020304" pitchFamily="18" charset="0"/>
-            </a:endParaRPr>
-          </a:p>
-          <a:p>
-            <a:pPr marR="0" lvl="0" algn="just" defTabSz="914400" rtl="0" eaLnBrk="0" fontAlgn="base" latinLnBrk="0" hangingPunct="0">
-              <a:lnSpc>
-                <a:spcPct val="100000"/>
-              </a:lnSpc>
-              <a:spcBef>
-                <a:spcPct val="0"/>
-              </a:spcBef>
-              <a:spcAft>
-                <a:spcPct val="0"/>
-              </a:spcAft>
-              <a:buClrTx/>
-              <a:buSzTx/>
-              <a:buFont typeface="Wingdings" panose="05000000000000000000" pitchFamily="2" charset="2"/>
-              <a:buChar char="Ø"/>
-            </a:pPr>
-            <a:endParaRPr kumimoji="0" lang="en-US" altLang="en-US" sz="2800" b="0" i="0" u="none" strike="noStrike" cap="none" normalizeH="0" baseline="0" dirty="0">
-              <a:ln>
-                <a:noFill/>
-              </a:ln>
-              <a:solidFill>
-                <a:srgbClr val="000000"/>
-              </a:solidFill>
-              <a:effectLst/>
-              <a:latin typeface="Times New Roman" panose="02020603050405020304" pitchFamily="18" charset="0"/>
-              <a:cs typeface="Times New Roman" panose="02020603050405020304" pitchFamily="18" charset="0"/>
-            </a:endParaRPr>
-          </a:p>
-          <a:p>
-            <a:pPr marR="0" lvl="0" algn="just" defTabSz="914400" rtl="0" eaLnBrk="0" fontAlgn="base" latinLnBrk="0" hangingPunct="0">
-              <a:lnSpc>
-                <a:spcPct val="100000"/>
-              </a:lnSpc>
-              <a:spcBef>
-                <a:spcPct val="0"/>
-              </a:spcBef>
-              <a:spcAft>
-                <a:spcPct val="0"/>
-              </a:spcAft>
-              <a:buClrTx/>
-              <a:buSzTx/>
-              <a:buFont typeface="Wingdings" panose="05000000000000000000" pitchFamily="2" charset="2"/>
-              <a:buChar char="Ø"/>
-            </a:pPr>
-            <a:r>
-              <a:rPr kumimoji="0" lang="en-US" altLang="en-US" sz="2800" b="0" i="0" u="none" strike="noStrike" cap="none" normalizeH="0" baseline="0" dirty="0" err="1">
-                <a:ln>
-                  <a:noFill/>
-                </a:ln>
-                <a:solidFill>
-                  <a:srgbClr val="000000"/>
-                </a:solidFill>
-                <a:effectLst/>
-                <a:latin typeface="Times New Roman" panose="02020603050405020304" pitchFamily="18" charset="0"/>
-                <a:cs typeface="Times New Roman" panose="02020603050405020304" pitchFamily="18" charset="0"/>
-              </a:rPr>
-              <a:t>Sarveshwaran</a:t>
-            </a:r>
-            <a:r>
-              <a:rPr kumimoji="0" lang="en-US" altLang="en-US" sz="2800" b="0" i="0" u="none" strike="noStrike" cap="none" normalizeH="0" baseline="0" dirty="0">
-                <a:ln>
-                  <a:noFill/>
-                </a:ln>
-                <a:solidFill>
-                  <a:srgbClr val="000000"/>
-                </a:solidFill>
-                <a:effectLst/>
-                <a:latin typeface="Times New Roman" panose="02020603050405020304" pitchFamily="18" charset="0"/>
-                <a:cs typeface="Times New Roman" panose="02020603050405020304" pitchFamily="18" charset="0"/>
-              </a:rPr>
-              <a:t>, V., Joseph, I. T., M, M., &amp; P, K. (2022). Investigation on Human Activity Recognition using Deep Learning. </a:t>
-            </a:r>
-            <a:r>
-              <a:rPr kumimoji="0" lang="en-US" altLang="en-US" sz="2800" b="0" i="1" u="none" strike="noStrike" cap="none" normalizeH="0" baseline="0" dirty="0">
-                <a:ln>
-                  <a:noFill/>
-                </a:ln>
-                <a:solidFill>
-                  <a:srgbClr val="000000"/>
-                </a:solidFill>
-                <a:effectLst/>
-                <a:latin typeface="Times New Roman" panose="02020603050405020304" pitchFamily="18" charset="0"/>
-                <a:cs typeface="Times New Roman" panose="02020603050405020304" pitchFamily="18" charset="0"/>
-              </a:rPr>
-              <a:t>Procedia Computer Science</a:t>
-            </a:r>
-            <a:r>
-              <a:rPr kumimoji="0" lang="en-US" altLang="en-US" sz="2800" b="0" i="0" u="none" strike="noStrike" cap="none" normalizeH="0" baseline="0" dirty="0">
-                <a:ln>
-                  <a:noFill/>
-                </a:ln>
-                <a:solidFill>
-                  <a:srgbClr val="000000"/>
-                </a:solidFill>
-                <a:effectLst/>
-                <a:latin typeface="Times New Roman" panose="02020603050405020304" pitchFamily="18" charset="0"/>
-                <a:cs typeface="Times New Roman" panose="02020603050405020304" pitchFamily="18" charset="0"/>
-              </a:rPr>
-              <a:t>, </a:t>
-            </a:r>
-            <a:r>
-              <a:rPr kumimoji="0" lang="en-US" altLang="en-US" sz="2800" b="0" i="1" u="none" strike="noStrike" cap="none" normalizeH="0" baseline="0" dirty="0">
-                <a:ln>
-                  <a:noFill/>
-                </a:ln>
-                <a:solidFill>
-                  <a:srgbClr val="000000"/>
-                </a:solidFill>
-                <a:effectLst/>
-                <a:latin typeface="Times New Roman" panose="02020603050405020304" pitchFamily="18" charset="0"/>
-                <a:cs typeface="Times New Roman" panose="02020603050405020304" pitchFamily="18" charset="0"/>
-              </a:rPr>
-              <a:t>204</a:t>
-            </a:r>
-            <a:r>
-              <a:rPr kumimoji="0" lang="en-US" altLang="en-US" sz="2800" b="0" i="0" u="none" strike="noStrike" cap="none" normalizeH="0" baseline="0" dirty="0">
-                <a:ln>
-                  <a:noFill/>
-                </a:ln>
-                <a:solidFill>
-                  <a:srgbClr val="000000"/>
-                </a:solidFill>
-                <a:effectLst/>
-                <a:latin typeface="Times New Roman" panose="02020603050405020304" pitchFamily="18" charset="0"/>
-                <a:cs typeface="Times New Roman" panose="02020603050405020304" pitchFamily="18" charset="0"/>
-              </a:rPr>
-              <a:t>, 73–80. </a:t>
-            </a:r>
-            <a:r>
-              <a:rPr kumimoji="0" lang="en-US" altLang="en-US" sz="2800" b="0" i="0" strike="noStrike" cap="none" normalizeH="0" baseline="0" dirty="0">
-                <a:ln>
-                  <a:noFill/>
-                </a:ln>
-                <a:solidFill>
-                  <a:srgbClr val="000000"/>
-                </a:solidFill>
-                <a:effectLst/>
-                <a:latin typeface="Times New Roman" panose="02020603050405020304" pitchFamily="18" charset="0"/>
-                <a:cs typeface="Times New Roman" panose="02020603050405020304" pitchFamily="18" charset="0"/>
-                <a:hlinkClick r:id="rId2"/>
-              </a:rPr>
-              <a:t>https://doi.org/10.1016/j.procs.2022.08.009</a:t>
-            </a:r>
-            <a:endParaRPr kumimoji="0" lang="en-US" altLang="en-US" sz="2800" b="0" i="0" strike="noStrike" cap="none" normalizeH="0" baseline="0" dirty="0">
-              <a:ln>
-                <a:noFill/>
-              </a:ln>
-              <a:solidFill>
-                <a:srgbClr val="000000"/>
-              </a:solidFill>
-              <a:effectLst/>
-              <a:latin typeface="Times New Roman" panose="02020603050405020304" pitchFamily="18" charset="0"/>
-              <a:cs typeface="Times New Roman" panose="02020603050405020304" pitchFamily="18" charset="0"/>
-            </a:endParaRPr>
-          </a:p>
-          <a:p>
-            <a:pPr marR="0" lvl="0" algn="just" defTabSz="914400" rtl="0" eaLnBrk="0" fontAlgn="base" latinLnBrk="0" hangingPunct="0">
-              <a:lnSpc>
-                <a:spcPct val="100000"/>
-              </a:lnSpc>
-              <a:spcBef>
-                <a:spcPct val="0"/>
-              </a:spcBef>
-              <a:spcAft>
-                <a:spcPct val="0"/>
-              </a:spcAft>
-              <a:buClrTx/>
-              <a:buSzTx/>
-              <a:buFont typeface="Wingdings" panose="05000000000000000000" pitchFamily="2" charset="2"/>
-              <a:buChar char="Ø"/>
-            </a:pPr>
-            <a:endParaRPr lang="en-US" altLang="en-US" sz="2800" dirty="0">
-              <a:solidFill>
-                <a:srgbClr val="000000"/>
-              </a:solidFill>
-              <a:latin typeface="Times New Roman" panose="02020603050405020304" pitchFamily="18" charset="0"/>
-              <a:cs typeface="Times New Roman" panose="02020603050405020304" pitchFamily="18" charset="0"/>
-            </a:endParaRPr>
-          </a:p>
-          <a:p>
-            <a:pPr marR="0" lvl="0" algn="just" defTabSz="914400" rtl="0" eaLnBrk="0" fontAlgn="base" latinLnBrk="0" hangingPunct="0">
-              <a:lnSpc>
-                <a:spcPct val="100000"/>
-              </a:lnSpc>
-              <a:spcBef>
-                <a:spcPct val="0"/>
-              </a:spcBef>
-              <a:spcAft>
-                <a:spcPct val="0"/>
-              </a:spcAft>
-              <a:buClrTx/>
-              <a:buSzTx/>
-              <a:buFont typeface="Wingdings" panose="05000000000000000000" pitchFamily="2" charset="2"/>
-              <a:buChar char="Ø"/>
-            </a:pPr>
-            <a:r>
-              <a:rPr lang="en-IN" sz="2400" b="0" i="0" dirty="0">
-                <a:solidFill>
-                  <a:srgbClr val="000000"/>
-                </a:solidFill>
-                <a:effectLst/>
-                <a:latin typeface="Times New Roman" panose="02020603050405020304" pitchFamily="18" charset="0"/>
-              </a:rPr>
-              <a:t>Pham, H. H., </a:t>
-            </a:r>
-            <a:r>
-              <a:rPr lang="en-IN" sz="2400" b="0" i="0" dirty="0" err="1">
-                <a:solidFill>
-                  <a:srgbClr val="000000"/>
-                </a:solidFill>
-                <a:effectLst/>
-                <a:latin typeface="Times New Roman" panose="02020603050405020304" pitchFamily="18" charset="0"/>
-              </a:rPr>
-              <a:t>Khoudour</a:t>
-            </a:r>
-            <a:r>
-              <a:rPr lang="en-IN" sz="2400" b="0" i="0" dirty="0">
-                <a:solidFill>
-                  <a:srgbClr val="000000"/>
-                </a:solidFill>
-                <a:effectLst/>
-                <a:latin typeface="Times New Roman" panose="02020603050405020304" pitchFamily="18" charset="0"/>
-              </a:rPr>
-              <a:t>, L., </a:t>
-            </a:r>
-            <a:r>
-              <a:rPr lang="en-IN" sz="2400" b="0" i="0" dirty="0" err="1">
-                <a:solidFill>
-                  <a:srgbClr val="000000"/>
-                </a:solidFill>
-                <a:effectLst/>
-                <a:latin typeface="Times New Roman" panose="02020603050405020304" pitchFamily="18" charset="0"/>
-              </a:rPr>
-              <a:t>Crouzil</a:t>
-            </a:r>
-            <a:r>
-              <a:rPr lang="en-IN" sz="2400" b="0" i="0" dirty="0">
-                <a:solidFill>
-                  <a:srgbClr val="000000"/>
-                </a:solidFill>
-                <a:effectLst/>
-                <a:latin typeface="Times New Roman" panose="02020603050405020304" pitchFamily="18" charset="0"/>
-              </a:rPr>
-              <a:t>, A., </a:t>
-            </a:r>
-            <a:r>
-              <a:rPr lang="en-IN" sz="2400" b="0" i="0" dirty="0" err="1">
-                <a:solidFill>
-                  <a:srgbClr val="000000"/>
-                </a:solidFill>
-                <a:effectLst/>
-                <a:latin typeface="Times New Roman" panose="02020603050405020304" pitchFamily="18" charset="0"/>
-              </a:rPr>
-              <a:t>Zegers</a:t>
-            </a:r>
-            <a:r>
-              <a:rPr lang="en-IN" sz="2400" b="0" i="0" dirty="0">
-                <a:solidFill>
-                  <a:srgbClr val="000000"/>
-                </a:solidFill>
-                <a:effectLst/>
-                <a:latin typeface="Times New Roman" panose="02020603050405020304" pitchFamily="18" charset="0"/>
-              </a:rPr>
-              <a:t>, P., &amp; </a:t>
-            </a:r>
-            <a:r>
-              <a:rPr lang="en-IN" sz="2400" b="0" i="0" dirty="0" err="1">
-                <a:solidFill>
-                  <a:srgbClr val="000000"/>
-                </a:solidFill>
-                <a:effectLst/>
-                <a:latin typeface="Times New Roman" panose="02020603050405020304" pitchFamily="18" charset="0"/>
-              </a:rPr>
-              <a:t>Velastin</a:t>
-            </a:r>
-            <a:r>
-              <a:rPr lang="en-IN" sz="2400" b="0" i="0" dirty="0">
-                <a:solidFill>
-                  <a:srgbClr val="000000"/>
-                </a:solidFill>
-                <a:effectLst/>
-                <a:latin typeface="Times New Roman" panose="02020603050405020304" pitchFamily="18" charset="0"/>
-              </a:rPr>
-              <a:t>, S. A. (2022). Video-based Human Action Recognition using Deep Learning: A Review. </a:t>
-            </a:r>
-            <a:r>
-              <a:rPr lang="en-IN" sz="2400" b="0" i="1" dirty="0" err="1">
-                <a:solidFill>
-                  <a:srgbClr val="000000"/>
-                </a:solidFill>
-                <a:effectLst/>
-                <a:latin typeface="Times New Roman" panose="02020603050405020304" pitchFamily="18" charset="0"/>
-              </a:rPr>
-              <a:t>arXiv</a:t>
-            </a:r>
-            <a:r>
-              <a:rPr lang="en-IN" sz="2400" b="0" i="1" dirty="0">
-                <a:solidFill>
-                  <a:srgbClr val="000000"/>
-                </a:solidFill>
-                <a:effectLst/>
-                <a:latin typeface="Times New Roman" panose="02020603050405020304" pitchFamily="18" charset="0"/>
-              </a:rPr>
-              <a:t> (Cornell University)</a:t>
-            </a:r>
-            <a:r>
-              <a:rPr lang="en-IN" sz="2400" b="0" i="0" dirty="0">
-                <a:solidFill>
-                  <a:srgbClr val="000000"/>
-                </a:solidFill>
-                <a:effectLst/>
-                <a:latin typeface="Times New Roman" panose="02020603050405020304" pitchFamily="18" charset="0"/>
-              </a:rPr>
-              <a:t>. https://doi.org/10.48550/arxiv.2208.03775</a:t>
-            </a:r>
-          </a:p>
-          <a:p>
-            <a:pPr marR="0" lvl="0" algn="just" defTabSz="914400" rtl="0" eaLnBrk="0" fontAlgn="base" latinLnBrk="0" hangingPunct="0">
-              <a:lnSpc>
-                <a:spcPct val="100000"/>
-              </a:lnSpc>
-              <a:spcBef>
-                <a:spcPct val="0"/>
-              </a:spcBef>
-              <a:spcAft>
-                <a:spcPct val="0"/>
-              </a:spcAft>
-              <a:buClrTx/>
-              <a:buSzTx/>
-              <a:buFont typeface="Wingdings" panose="05000000000000000000" pitchFamily="2" charset="2"/>
-              <a:buChar char="Ø"/>
-            </a:pPr>
-            <a:endParaRPr kumimoji="0" lang="en-IN" altLang="en-US" sz="2400" u="none" strike="noStrike" cap="none" normalizeH="0" baseline="0" dirty="0">
-              <a:ln>
-                <a:noFill/>
-              </a:ln>
-              <a:solidFill>
-                <a:srgbClr val="000000"/>
-              </a:solidFill>
-              <a:latin typeface="Times New Roman" panose="02020603050405020304" pitchFamily="18" charset="0"/>
-              <a:cs typeface="Times New Roman" panose="02020603050405020304" pitchFamily="18" charset="0"/>
-            </a:endParaRPr>
-          </a:p>
-          <a:p>
-            <a:pPr marR="0" lvl="0" algn="just" defTabSz="914400" rtl="0" eaLnBrk="0" fontAlgn="base" latinLnBrk="0" hangingPunct="0">
-              <a:lnSpc>
-                <a:spcPct val="100000"/>
-              </a:lnSpc>
-              <a:spcBef>
-                <a:spcPct val="0"/>
-              </a:spcBef>
-              <a:spcAft>
-                <a:spcPct val="0"/>
-              </a:spcAft>
-              <a:buClrTx/>
-              <a:buSzTx/>
-              <a:buFont typeface="Wingdings" panose="05000000000000000000" pitchFamily="2" charset="2"/>
-              <a:buChar char="Ø"/>
-            </a:pPr>
-            <a:r>
-              <a:rPr lang="en-GB" sz="2400" b="0" i="0" dirty="0">
-                <a:solidFill>
-                  <a:srgbClr val="000000"/>
-                </a:solidFill>
-                <a:effectLst/>
-                <a:latin typeface="Times New Roman" panose="02020603050405020304" pitchFamily="18" charset="0"/>
-              </a:rPr>
-              <a:t>Wu, Z., &amp; Du, H. (2022). Research on Human Action feature detection and recognition algorithm based on deep learning. </a:t>
-            </a:r>
-            <a:r>
-              <a:rPr lang="en-GB" sz="2400" b="0" i="1" dirty="0">
-                <a:solidFill>
-                  <a:srgbClr val="000000"/>
-                </a:solidFill>
-                <a:effectLst/>
-                <a:latin typeface="Times New Roman" panose="02020603050405020304" pitchFamily="18" charset="0"/>
-              </a:rPr>
-              <a:t>Mobile Information Systems</a:t>
-            </a:r>
-            <a:r>
-              <a:rPr lang="en-GB" sz="2400" b="0" i="0" dirty="0">
-                <a:solidFill>
-                  <a:srgbClr val="000000"/>
-                </a:solidFill>
-                <a:effectLst/>
-                <a:latin typeface="Times New Roman" panose="02020603050405020304" pitchFamily="18" charset="0"/>
-              </a:rPr>
-              <a:t>, </a:t>
-            </a:r>
-            <a:r>
-              <a:rPr lang="en-GB" sz="2400" b="0" i="1" dirty="0">
-                <a:solidFill>
-                  <a:srgbClr val="000000"/>
-                </a:solidFill>
-                <a:effectLst/>
-                <a:latin typeface="Times New Roman" panose="02020603050405020304" pitchFamily="18" charset="0"/>
-              </a:rPr>
-              <a:t>2022</a:t>
-            </a:r>
-            <a:r>
-              <a:rPr lang="en-GB" sz="2400" b="0" i="0" dirty="0">
-                <a:solidFill>
-                  <a:srgbClr val="000000"/>
-                </a:solidFill>
-                <a:effectLst/>
-                <a:latin typeface="Times New Roman" panose="02020603050405020304" pitchFamily="18" charset="0"/>
-              </a:rPr>
-              <a:t>, 1–12. https://doi.org/10.1155/2022/4652946</a:t>
-            </a:r>
-            <a:endParaRPr kumimoji="0" lang="en-US" altLang="en-US" sz="2800" b="0" i="0" u="none" strike="noStrike" cap="none" normalizeH="0" baseline="0" dirty="0">
-              <a:ln>
-                <a:noFill/>
-              </a:ln>
-              <a:solidFill>
-                <a:srgbClr val="000000"/>
-              </a:solidFill>
-              <a:effectLst/>
-              <a:latin typeface="Times New Roman" panose="02020603050405020304" pitchFamily="18" charset="0"/>
-              <a:cs typeface="Times New Roman" panose="02020603050405020304" pitchFamily="18" charset="0"/>
-            </a:endParaRPr>
-          </a:p>
-          <a:p>
-            <a:pPr marR="0" lvl="0" algn="just" defTabSz="914400" rtl="0" eaLnBrk="0" fontAlgn="base" latinLnBrk="0" hangingPunct="0">
-              <a:lnSpc>
-                <a:spcPct val="100000"/>
-              </a:lnSpc>
-              <a:spcBef>
-                <a:spcPct val="0"/>
-              </a:spcBef>
-              <a:spcAft>
-                <a:spcPct val="0"/>
-              </a:spcAft>
-              <a:buClrTx/>
-              <a:buSzTx/>
-              <a:buFont typeface="Wingdings" panose="05000000000000000000" pitchFamily="2" charset="2"/>
-              <a:buChar char="Ø"/>
-            </a:pPr>
-            <a:endParaRPr kumimoji="0" lang="en-US" altLang="en-US" sz="2800" b="0" i="0" u="none" strike="noStrike" cap="none" normalizeH="0" baseline="0" dirty="0">
-              <a:ln>
-                <a:noFill/>
-              </a:ln>
-              <a:solidFill>
-                <a:srgbClr val="000000"/>
-              </a:solidFill>
-              <a:effectLst/>
-              <a:latin typeface="Times New Roman" panose="02020603050405020304" pitchFamily="18" charset="0"/>
-              <a:cs typeface="Times New Roman" panose="02020603050405020304" pitchFamily="18" charset="0"/>
-            </a:endParaRPr>
-          </a:p>
-          <a:p>
-            <a:endParaRPr lang="en-IN" dirty="0"/>
-          </a:p>
-          <a:p>
-            <a:endParaRPr lang="en-IN" dirty="0"/>
-          </a:p>
-        </p:txBody>
-      </p:sp>
-    </p:spTree>
-    <p:extLst>
-      <p:ext uri="{BB962C8B-B14F-4D97-AF65-F5344CB8AC3E}">
-        <p14:creationId xmlns:p14="http://schemas.microsoft.com/office/powerpoint/2010/main" val="1139935611"/>
-      </p:ext>
-    </p:extLst>
-  </p:cSld>
-  <p:clrMapOvr>
-    <a:masterClrMapping/>
-  </p:clrMapOvr>
-</p:sld>
-</file>
-
-<file path=ppt/slides/slide22.xml><?xml version="1.0" encoding="utf-8"?>
-<p:sld xmlns:a="http://schemas.openxmlformats.org/drawingml/2006/main" xmlns:r="http://schemas.openxmlformats.org/officeDocument/2006/relationships" xmlns:p="http://schemas.openxmlformats.org/presentationml/2006/main">
-  <p:cSld>
-    <p:spTree>
-      <p:nvGrpSpPr>
-        <p:cNvPr id="1" name=""/>
-        <p:cNvGrpSpPr/>
-        <p:nvPr/>
-      </p:nvGrpSpPr>
-      <p:grpSpPr>
-        <a:xfrm>
-          <a:off x="0" y="0"/>
-          <a:ext cx="0" cy="0"/>
-          <a:chOff x="0" y="0"/>
-          <a:chExt cx="0" cy="0"/>
-        </a:xfrm>
-      </p:grpSpPr>
-      <p:sp>
-        <p:nvSpPr>
-          <p:cNvPr id="2" name="Title 1">
-            <a:extLst>
-              <a:ext uri="{FF2B5EF4-FFF2-40B4-BE49-F238E27FC236}">
-                <a16:creationId xmlns:a16="http://schemas.microsoft.com/office/drawing/2014/main" id="{35C792D0-02B1-89E6-1CEB-191244AD9905}"/>
-              </a:ext>
-            </a:extLst>
-          </p:cNvPr>
-          <p:cNvSpPr>
-            <a:spLocks noGrp="1"/>
-          </p:cNvSpPr>
-          <p:nvPr>
-            <p:ph type="title"/>
-          </p:nvPr>
-        </p:nvSpPr>
-        <p:spPr/>
-        <p:txBody>
-          <a:bodyPr/>
-          <a:lstStyle/>
-          <a:p>
-            <a:r>
-              <a:rPr kumimoji="0" lang="en-US" altLang="en-US" sz="3200" b="1" i="0" u="none" strike="noStrike" cap="none" normalizeH="0" baseline="0" dirty="0">
-                <a:ln>
-                  <a:noFill/>
-                </a:ln>
-                <a:solidFill>
-                  <a:schemeClr val="tx1"/>
-                </a:solidFill>
-                <a:effectLst/>
-                <a:latin typeface="Arial" panose="020B0604020202020204" pitchFamily="34" charset="0"/>
-              </a:rPr>
-              <a:t>Conclusion</a:t>
-            </a:r>
-            <a:r>
-              <a:rPr kumimoji="0" lang="en-US" altLang="en-US" sz="3200" b="0" i="0" u="none" strike="noStrike" cap="none" normalizeH="0" baseline="0" dirty="0">
-                <a:ln>
-                  <a:noFill/>
-                </a:ln>
-                <a:solidFill>
-                  <a:schemeClr val="tx1"/>
-                </a:solidFill>
-                <a:effectLst/>
-                <a:latin typeface="Arial" panose="020B0604020202020204" pitchFamily="34" charset="0"/>
-              </a:rPr>
-              <a:t>:</a:t>
-            </a:r>
-            <a:endParaRPr lang="en-IN" dirty="0"/>
-          </a:p>
-        </p:txBody>
-      </p:sp>
-      <p:sp>
-        <p:nvSpPr>
-          <p:cNvPr id="5" name="Rectangle 2">
-            <a:extLst>
-              <a:ext uri="{FF2B5EF4-FFF2-40B4-BE49-F238E27FC236}">
-                <a16:creationId xmlns:a16="http://schemas.microsoft.com/office/drawing/2014/main" id="{CF951E36-B33E-461A-506D-5BA9196D0016}"/>
-              </a:ext>
-            </a:extLst>
-          </p:cNvPr>
-          <p:cNvSpPr>
-            <a:spLocks noGrp="1" noChangeArrowheads="1"/>
-          </p:cNvSpPr>
-          <p:nvPr>
-            <p:ph sz="quarter" idx="1"/>
-          </p:nvPr>
-        </p:nvSpPr>
-        <p:spPr bwMode="auto">
-          <a:xfrm>
-            <a:off x="685800" y="2133600"/>
-            <a:ext cx="10286999" cy="2308324"/>
-          </a:xfrm>
-          <a:prstGeom prst="rect">
-            <a:avLst/>
-          </a:prstGeom>
-          <a:noFill/>
-          <a:ln>
-            <a:noFill/>
-          </a:ln>
-          <a:effectLst/>
-          <a:extLst>
-            <a:ext uri="{909E8E84-426E-40DD-AFC4-6F175D3DCCD1}">
-              <a14:hiddenFill xmlns:a14="http://schemas.microsoft.com/office/drawing/2010/main">
-                <a:solidFill>
-                  <a:schemeClr val="accent1"/>
-                </a:solidFill>
-              </a14:hiddenFill>
-            </a:ext>
-            <a:ext uri="{91240B29-F687-4F45-9708-019B960494DF}">
-              <a14:hiddenLine xmlns:a14="http://schemas.microsoft.com/office/drawing/2010/main" w="9525">
-                <a:solidFill>
-                  <a:schemeClr val="tx1"/>
-                </a:solidFill>
-                <a:miter lim="800000"/>
-                <a:headEnd/>
-                <a:tailEnd/>
-              </a14:hiddenLine>
-            </a:ext>
-            <a:ext uri="{AF507438-7753-43E0-B8FC-AC1667EBCBE1}">
-              <a14:hiddenEffects xmlns:a14="http://schemas.microsoft.com/office/drawing/2010/main">
-                <a:effectLst>
-                  <a:outerShdw dist="35921" dir="2700000" algn="ctr" rotWithShape="0">
-                    <a:schemeClr val="bg2"/>
-                  </a:outerShdw>
-                </a:effectLst>
-              </a14:hiddenEffects>
-            </a:ext>
-          </a:extLst>
-        </p:spPr>
-        <p:txBody>
-          <a:bodyPr vert="horz" wrap="square" lIns="91440" tIns="45720" rIns="91440" bIns="45720" numCol="1" anchor="ctr" anchorCtr="0" compatLnSpc="1">
-            <a:prstTxWarp prst="textNoShape">
-              <a:avLst/>
-            </a:prstTxWarp>
-            <a:spAutoFit/>
-          </a:bodyPr>
-          <a:lstStyle/>
-          <a:p>
-            <a:pPr marL="0" marR="0" lvl="0" indent="0" algn="l" defTabSz="914400" rtl="0" eaLnBrk="0" fontAlgn="base" latinLnBrk="0" hangingPunct="0">
-              <a:lnSpc>
-                <a:spcPct val="100000"/>
-              </a:lnSpc>
-              <a:spcBef>
-                <a:spcPct val="0"/>
-              </a:spcBef>
-              <a:spcAft>
-                <a:spcPct val="0"/>
-              </a:spcAft>
-              <a:buClrTx/>
-              <a:buSzTx/>
-              <a:buFontTx/>
-              <a:buNone/>
-              <a:tabLst/>
-            </a:pPr>
-            <a:r>
-              <a:rPr kumimoji="0" lang="en-US" altLang="en-US" sz="1800" b="0" i="0" u="none" strike="noStrike" cap="none" normalizeH="0" baseline="0" dirty="0">
-                <a:ln>
-                  <a:noFill/>
-                </a:ln>
-                <a:solidFill>
-                  <a:schemeClr val="tx1"/>
-                </a:solidFill>
-                <a:effectLst/>
-                <a:latin typeface="Calibri" panose="020F0502020204030204" pitchFamily="34" charset="0"/>
-                <a:ea typeface="Calibri" panose="020F0502020204030204" pitchFamily="34" charset="0"/>
-                <a:cs typeface="Calibri" panose="020F0502020204030204" pitchFamily="34" charset="0"/>
-              </a:rPr>
-              <a:t>This project showcases the successful integration of 3D-CNN and LSTM models for real-time human action recognition, enabling accurate detection of complex actions like walking with a dog, fighting, and car crashes in dynamic environments. By leveraging spatial and temporal features, the system overcomes challenges such as occlusions, varying lighting, and crowded settings, offering robust performance. The user-friendly interface, historical data retrieval, and real-time processing capabilities make it highly practical for applications in public surveillance, smart cities, crowd management, and behavioral analysis. The project highlights the potential of combining advanced deep learning techniques for scalable, efficient, and reliable action recognition in real-world scenarios.</a:t>
-            </a:r>
-          </a:p>
-        </p:txBody>
-      </p:sp>
-    </p:spTree>
-    <p:extLst>
-      <p:ext uri="{BB962C8B-B14F-4D97-AF65-F5344CB8AC3E}">
-        <p14:creationId xmlns:p14="http://schemas.microsoft.com/office/powerpoint/2010/main" val="2252945209"/>
       </p:ext>
     </p:extLst>
   </p:cSld>
@@ -11717,12 +10341,16 @@
               <a:buChar char="Ø"/>
             </a:pPr>
             <a:r>
-              <a:rPr lang="en-US" sz="2000" dirty="0">
-                <a:latin typeface="Calibri" panose="020F0502020204030204" pitchFamily="34" charset="0"/>
-                <a:ea typeface="Calibri" panose="020F0502020204030204" pitchFamily="34" charset="0"/>
-                <a:cs typeface="Calibri" panose="020F0502020204030204" pitchFamily="34" charset="0"/>
-              </a:rPr>
-              <a:t>This project presents a hybrid approach for human action recognition in public spaces using 3D Convolutional Neural Networks (3D-CNN) and Long Short-Term Memory (LSTM) networks. The system captures spatial features from video frames with 3D-CNN and learns temporal dependencies with LSTM, enabling accurate action detection in real-time. The model is trained on a diverse dataset, ensuring robustness in varying environmental conditions. This approach is particularly effective for recognizing critical actions such as fighting or accidents, enhancing security and safety. The solution is suitable for applications in smart cities and public safety, with future improvements aimed at handling occlusions, multiple people, and more complex action recognition scenarios.</a:t>
+              <a:rPr lang="en-US" sz="2000" dirty="0"/>
+              <a:t>        In today’s fast-paced world, traditional advertising methods often fail to capture the attention of the right audience at the right time. This project, titled </a:t>
+            </a:r>
+            <a:r>
+              <a:rPr lang="en-US" sz="2000" i="1" dirty="0"/>
+              <a:t>“Revolutionizing Ads with Mobile Vehicles Campaigns”</a:t>
+            </a:r>
+            <a:r>
+              <a:rPr lang="en-US" sz="2000" dirty="0"/>
+              <a:t>, aims to make advertising smarter and more dynamic using real-time object detection. The system uses a live camera feed to monitor traffic, and with the help of the YOLOv8 deep learning model, it detects and counts vehicles passing by. Based on the vehicle density, the system intelligently selects and displays relevant advertisements. The entire process is controlled and viewed through a simple web interface. By adapting the advertisement content to real-world conditions, this project enhances the effectiveness of mobile billboard campaigns, ensuring that ad displays are more targeted, timely, and engaging.</a:t>
             </a:r>
             <a:endParaRPr lang="en-IN" sz="2000" dirty="0">
               <a:latin typeface="Calibri" panose="020F0502020204030204" pitchFamily="34" charset="0"/>
@@ -11830,26 +10458,15 @@
               <a:buFont typeface="Wingdings" panose="05000000000000000000" pitchFamily="2" charset="2"/>
               <a:buChar char="Ø"/>
             </a:pPr>
+            <a:r>
+              <a:rPr lang="en-US" sz="2000"/>
+              <a:t>             The </a:t>
+            </a:r>
+            <a:r>
+              <a:rPr lang="en-US" sz="2000" dirty="0"/>
+              <a:t>proposed system is designed to enhance mobile advertising by making it intelligent and responsive to real-time traffic conditions. It uses a live camera, typically mounted on a vehicle or roadside, to continuously capture video of the surrounding area. These video frames are processed using the YOLOv8 object detection model, which accurately detects and counts vehicles such as cars, buses, and trucks. Based on the number of vehicles detected, the system selects an appropriate advertisement from a predefined set—low-traffic areas display basic ads, medium traffic areas display mid-range ads, and high-traffic conditions trigger premium ad content. The selected advertisement, along with the live video feed, is then displayed on a web-based interface accessible to users. The system allows for real-time control, enabling users to start or stop the operation and monitor the outputs.</a:t>
+            </a:r>
             <a:endParaRPr lang="en-US" sz="2000" dirty="0">
-              <a:latin typeface="Calibri" panose="020F0502020204030204" pitchFamily="34" charset="0"/>
-              <a:ea typeface="Calibri" panose="020F0502020204030204" pitchFamily="34" charset="0"/>
-              <a:cs typeface="Calibri" panose="020F0502020204030204" pitchFamily="34" charset="0"/>
-            </a:endParaRPr>
-          </a:p>
-          <a:p>
-            <a:pPr algn="just">
-              <a:buFont typeface="Wingdings" panose="05000000000000000000" pitchFamily="2" charset="2"/>
-              <a:buChar char="Ø"/>
-            </a:pPr>
-            <a:r>
-              <a:rPr lang="en-US" sz="2000" dirty="0">
-                <a:latin typeface="Calibri" panose="020F0502020204030204" pitchFamily="34" charset="0"/>
-                <a:ea typeface="Calibri" panose="020F0502020204030204" pitchFamily="34" charset="0"/>
-                <a:cs typeface="Calibri" panose="020F0502020204030204" pitchFamily="34" charset="0"/>
-              </a:rPr>
-              <a:t>The proposed system focuses on human action recognition in public spaces using a combination of 3D Convolutional Neural Networks (3D-CNN) and Long Short-Term Memory (LSTM) networks. By capturing both spatial and temporal features from video sequences, the system can accurately detect and classify a wide range of human actions in dynamic and complex environments. It addresses challenges like occlusions, varying lighting, and crowded scenes, ensuring reliable performance in real-world public spaces. The model is designed for real-time action detection, making it a suitable solution for automated surveillance, public safety, and behavior analysis in urban areas.</a:t>
-            </a:r>
-            <a:endParaRPr lang="en-IN" sz="2000" dirty="0">
               <a:latin typeface="Calibri" panose="020F0502020204030204" pitchFamily="34" charset="0"/>
               <a:ea typeface="Calibri" panose="020F0502020204030204" pitchFamily="34" charset="0"/>
               <a:cs typeface="Calibri" panose="020F0502020204030204" pitchFamily="34" charset="0"/>
@@ -11938,7 +10555,7 @@
         <p:spPr/>
         <p:txBody>
           <a:bodyPr>
-            <a:normAutofit/>
+            <a:normAutofit lnSpcReduction="10000"/>
           </a:bodyPr>
           <a:lstStyle/>
           <a:p>
@@ -11958,29 +10575,7 @@
                 <a:ea typeface="Calibri" panose="020F0502020204030204" pitchFamily="34" charset="0"/>
                 <a:cs typeface="Calibri" panose="020F0502020204030204" pitchFamily="34" charset="0"/>
               </a:rPr>
-              <a:t>1.PAPER TITLE: Deep learning-based human activity recognition using CNN, </a:t>
-            </a:r>
-            <a:r>
-              <a:rPr lang="en-US" sz="1800" b="1" dirty="0" err="1">
-                <a:solidFill>
-                  <a:srgbClr val="000000"/>
-                </a:solidFill>
-                <a:latin typeface="Calibri" panose="020F0502020204030204" pitchFamily="34" charset="0"/>
-                <a:ea typeface="Calibri" panose="020F0502020204030204" pitchFamily="34" charset="0"/>
-                <a:cs typeface="Calibri" panose="020F0502020204030204" pitchFamily="34" charset="0"/>
-              </a:rPr>
-              <a:t>ConvLSTM</a:t>
-            </a:r>
-            <a:r>
-              <a:rPr lang="en-US" sz="1800" b="1" dirty="0">
-                <a:solidFill>
-                  <a:srgbClr val="000000"/>
-                </a:solidFill>
-                <a:latin typeface="Calibri" panose="020F0502020204030204" pitchFamily="34" charset="0"/>
-                <a:ea typeface="Calibri" panose="020F0502020204030204" pitchFamily="34" charset="0"/>
-                <a:cs typeface="Calibri" panose="020F0502020204030204" pitchFamily="34" charset="0"/>
-              </a:rPr>
-              <a:t>, and LRCN</a:t>
+              <a:t>1.PAPER TITLE	: Combining YOLO and Visual Rhythm for Vehicle Counting</a:t>
             </a:r>
             <a:endParaRPr lang="en-US" sz="1800" dirty="0">
               <a:latin typeface="Calibri" panose="020F0502020204030204" pitchFamily="34" charset="0"/>
@@ -12005,10 +10600,10 @@
                 <a:ea typeface="Calibri" panose="020F0502020204030204" pitchFamily="34" charset="0"/>
                 <a:cs typeface="Calibri" panose="020F0502020204030204" pitchFamily="34" charset="0"/>
               </a:rPr>
-              <a:t>AUTHORS: Md. Ashraf </a:t>
-            </a:r>
-            <a:r>
-              <a:rPr lang="en-US" sz="1800" b="1" dirty="0" err="1">
+              <a:t>   AUTHORS	: </a:t>
+            </a:r>
+            <a:r>
+              <a:rPr lang="pt-BR" sz="1800" b="1" dirty="0">
                 <a:solidFill>
                   <a:srgbClr val="000000"/>
                 </a:solidFill>
@@ -12016,120 +10611,19 @@
                 <a:ea typeface="Calibri" panose="020F0502020204030204" pitchFamily="34" charset="0"/>
                 <a:cs typeface="Calibri" panose="020F0502020204030204" pitchFamily="34" charset="0"/>
               </a:rPr>
-              <a:t>Uddin,</a:t>
-            </a:r>
-            <a:r>
-              <a:rPr lang="en-US" sz="1800" dirty="0" err="1">
-                <a:latin typeface="Calibri" panose="020F0502020204030204" pitchFamily="34" charset="0"/>
-                <a:ea typeface="Calibri" panose="020F0502020204030204" pitchFamily="34" charset="0"/>
-                <a:cs typeface="Calibri" panose="020F0502020204030204" pitchFamily="34" charset="0"/>
-              </a:rPr>
-              <a:t>Md</a:t>
-            </a:r>
-            <a:r>
-              <a:rPr lang="en-US" sz="1800" dirty="0">
-                <a:latin typeface="Calibri" panose="020F0502020204030204" pitchFamily="34" charset="0"/>
-                <a:ea typeface="Calibri" panose="020F0502020204030204" pitchFamily="34" charset="0"/>
-                <a:cs typeface="Calibri" panose="020F0502020204030204" pitchFamily="34" charset="0"/>
-              </a:rPr>
-              <a:t>. </a:t>
-            </a:r>
-            <a:r>
-              <a:rPr lang="en-US" sz="1800" dirty="0" err="1">
-                <a:latin typeface="Calibri" panose="020F0502020204030204" pitchFamily="34" charset="0"/>
-                <a:ea typeface="Calibri" panose="020F0502020204030204" pitchFamily="34" charset="0"/>
-                <a:cs typeface="Calibri" panose="020F0502020204030204" pitchFamily="34" charset="0"/>
-              </a:rPr>
-              <a:t>Alamin</a:t>
-            </a:r>
-            <a:r>
-              <a:rPr lang="en-US" sz="1800" dirty="0">
+              <a:t>Victor Nascimento Ribeiro, Nina S. T. Hirata</a:t>
+            </a:r>
+            <a:r>
+              <a:rPr lang="en-US" sz="1800" b="1" dirty="0">
+                <a:solidFill>
+                  <a:srgbClr val="000000"/>
+                </a:solidFill>
                 <a:latin typeface="Calibri" panose="020F0502020204030204" pitchFamily="34" charset="0"/>
                 <a:ea typeface="Calibri" panose="020F0502020204030204" pitchFamily="34" charset="0"/>
                 <a:cs typeface="Calibri" panose="020F0502020204030204" pitchFamily="34" charset="0"/>
               </a:rPr>
               <a:t> </a:t>
             </a:r>
-            <a:r>
-              <a:rPr lang="en-US" sz="1800" dirty="0" err="1">
-                <a:latin typeface="Calibri" panose="020F0502020204030204" pitchFamily="34" charset="0"/>
-                <a:ea typeface="Calibri" panose="020F0502020204030204" pitchFamily="34" charset="0"/>
-                <a:cs typeface="Calibri" panose="020F0502020204030204" pitchFamily="34" charset="0"/>
-              </a:rPr>
-              <a:t>Talukder</a:t>
-            </a:r>
-            <a:r>
-              <a:rPr lang="en-US" sz="1800" dirty="0">
-                <a:latin typeface="Calibri" panose="020F0502020204030204" pitchFamily="34" charset="0"/>
-                <a:ea typeface="Calibri" panose="020F0502020204030204" pitchFamily="34" charset="0"/>
-                <a:cs typeface="Calibri" panose="020F0502020204030204" pitchFamily="34" charset="0"/>
-              </a:rPr>
-              <a:t>, Muhammad </a:t>
-            </a:r>
-            <a:r>
-              <a:rPr lang="en-US" sz="1800" dirty="0" err="1">
-                <a:latin typeface="Calibri" panose="020F0502020204030204" pitchFamily="34" charset="0"/>
-                <a:ea typeface="Calibri" panose="020F0502020204030204" pitchFamily="34" charset="0"/>
-                <a:cs typeface="Calibri" panose="020F0502020204030204" pitchFamily="34" charset="0"/>
-              </a:rPr>
-              <a:t>Sajib</a:t>
-            </a:r>
-            <a:r>
-              <a:rPr lang="en-US" sz="1800" dirty="0">
-                <a:latin typeface="Calibri" panose="020F0502020204030204" pitchFamily="34" charset="0"/>
-                <a:ea typeface="Calibri" panose="020F0502020204030204" pitchFamily="34" charset="0"/>
-                <a:cs typeface="Calibri" panose="020F0502020204030204" pitchFamily="34" charset="0"/>
-              </a:rPr>
-              <a:t> </a:t>
-            </a:r>
-            <a:r>
-              <a:rPr lang="en-US" sz="1800" dirty="0" err="1">
-                <a:latin typeface="Calibri" panose="020F0502020204030204" pitchFamily="34" charset="0"/>
-                <a:ea typeface="Calibri" panose="020F0502020204030204" pitchFamily="34" charset="0"/>
-                <a:cs typeface="Calibri" panose="020F0502020204030204" pitchFamily="34" charset="0"/>
-              </a:rPr>
-              <a:t>Uzzaman</a:t>
-            </a:r>
-            <a:r>
-              <a:rPr lang="en-US" sz="1800" dirty="0">
-                <a:latin typeface="Calibri" panose="020F0502020204030204" pitchFamily="34" charset="0"/>
-                <a:ea typeface="Calibri" panose="020F0502020204030204" pitchFamily="34" charset="0"/>
-                <a:cs typeface="Calibri" panose="020F0502020204030204" pitchFamily="34" charset="0"/>
-              </a:rPr>
-              <a:t>, Chandan Debnath, </a:t>
-            </a:r>
-            <a:r>
-              <a:rPr lang="en-US" sz="1800" dirty="0" err="1">
-                <a:latin typeface="Calibri" panose="020F0502020204030204" pitchFamily="34" charset="0"/>
-                <a:ea typeface="Calibri" panose="020F0502020204030204" pitchFamily="34" charset="0"/>
-                <a:cs typeface="Calibri" panose="020F0502020204030204" pitchFamily="34" charset="0"/>
-              </a:rPr>
-              <a:t>Moumita</a:t>
-            </a:r>
-            <a:r>
-              <a:rPr lang="en-US" sz="1800" dirty="0">
-                <a:latin typeface="Calibri" panose="020F0502020204030204" pitchFamily="34" charset="0"/>
-                <a:ea typeface="Calibri" panose="020F0502020204030204" pitchFamily="34" charset="0"/>
-                <a:cs typeface="Calibri" panose="020F0502020204030204" pitchFamily="34" charset="0"/>
-              </a:rPr>
-              <a:t> </a:t>
-            </a:r>
-            <a:r>
-              <a:rPr lang="en-US" sz="1800" dirty="0" err="1">
-                <a:latin typeface="Calibri" panose="020F0502020204030204" pitchFamily="34" charset="0"/>
-                <a:ea typeface="Calibri" panose="020F0502020204030204" pitchFamily="34" charset="0"/>
-                <a:cs typeface="Calibri" panose="020F0502020204030204" pitchFamily="34" charset="0"/>
-              </a:rPr>
-              <a:t>Chanda,Souvik</a:t>
-            </a:r>
-            <a:r>
-              <a:rPr lang="en-US" sz="1800" dirty="0">
-                <a:latin typeface="Calibri" panose="020F0502020204030204" pitchFamily="34" charset="0"/>
-                <a:ea typeface="Calibri" panose="020F0502020204030204" pitchFamily="34" charset="0"/>
-                <a:cs typeface="Calibri" panose="020F0502020204030204" pitchFamily="34" charset="0"/>
-              </a:rPr>
-              <a:t> Paul</a:t>
-            </a:r>
           </a:p>
           <a:p>
             <a:pPr marL="114300" indent="0" algn="just">
@@ -12148,23 +10642,8 @@
                 <a:ea typeface="Calibri" panose="020F0502020204030204" pitchFamily="34" charset="0"/>
                 <a:cs typeface="Calibri" panose="020F0502020204030204" pitchFamily="34" charset="0"/>
               </a:rPr>
-              <a:t>DESCRIPTION OF PROPOSED ALGORITHMS:  </a:t>
-            </a:r>
-            <a:r>
-              <a:rPr lang="en-US" sz="1800" b="0" dirty="0">
-                <a:solidFill>
-                  <a:srgbClr val="000000"/>
-                </a:solidFill>
-                <a:latin typeface="Calibri" panose="020F0502020204030204" pitchFamily="34" charset="0"/>
-                <a:ea typeface="Calibri" panose="020F0502020204030204" pitchFamily="34" charset="0"/>
-                <a:cs typeface="Calibri" panose="020F0502020204030204" pitchFamily="34" charset="0"/>
-              </a:rPr>
-              <a:t>The proposed models combine convolutional and recurrent networks to improve human activity recognition by extracting spatial and temporal features from video data.</a:t>
-            </a:r>
-            <a:endParaRPr lang="zh-CN" altLang="en-US" sz="1800" b="0" dirty="0">
-              <a:latin typeface="Calibri" panose="020F0502020204030204" pitchFamily="34" charset="0"/>
-              <a:cs typeface="Calibri" panose="020F0502020204030204" pitchFamily="34" charset="0"/>
-            </a:endParaRPr>
+              <a:t>   DESCRIPTION OF PROPOSED ALGORITHMS:  </a:t>
+            </a:r>
           </a:p>
           <a:p>
             <a:pPr marL="114300" indent="0" algn="just">
@@ -12183,7 +10662,7 @@
                 <a:ea typeface="Calibri" panose="020F0502020204030204" pitchFamily="34" charset="0"/>
                 <a:cs typeface="Calibri" panose="020F0502020204030204" pitchFamily="34" charset="0"/>
               </a:rPr>
-              <a:t>RESULTS OBTAINED BY AUTHORS:  </a:t>
+              <a:t>	</a:t>
             </a:r>
             <a:r>
               <a:rPr lang="en-US" sz="1800" b="0" dirty="0">
@@ -12194,34 +10673,8 @@
                 <a:ea typeface="Calibri" panose="020F0502020204030204" pitchFamily="34" charset="0"/>
                 <a:cs typeface="Calibri" panose="020F0502020204030204" pitchFamily="34" charset="0"/>
               </a:rPr>
-              <a:t>UCF50: CNN (99.58%), LRCN (93.44%), </a:t>
-            </a:r>
-            <a:r>
-              <a:rPr lang="en-US" sz="1800" b="0" dirty="0" err="1">
-                <a:solidFill>
-                  <a:srgbClr val="000000"/>
-                </a:solidFill>
-                <a:latin typeface="Calibri" panose="020F0502020204030204" pitchFamily="34" charset="0"/>
-                <a:ea typeface="Calibri" panose="020F0502020204030204" pitchFamily="34" charset="0"/>
-                <a:cs typeface="Calibri" panose="020F0502020204030204" pitchFamily="34" charset="0"/>
-              </a:rPr>
-              <a:t>ConvLSTM</a:t>
-            </a:r>
-            <a:r>
-              <a:rPr lang="en-US" sz="1800" b="0" dirty="0">
-                <a:solidFill>
-                  <a:srgbClr val="000000"/>
-                </a:solidFill>
-                <a:latin typeface="Calibri" panose="020F0502020204030204" pitchFamily="34" charset="0"/>
-                <a:ea typeface="Calibri" panose="020F0502020204030204" pitchFamily="34" charset="0"/>
-                <a:cs typeface="Calibri" panose="020F0502020204030204" pitchFamily="34" charset="0"/>
-              </a:rPr>
-              <a:t> (82%)</a:t>
-            </a:r>
-            <a:endParaRPr lang="zh-CN" altLang="en-US" sz="1800" b="0" dirty="0">
-              <a:latin typeface="Calibri" panose="020F0502020204030204" pitchFamily="34" charset="0"/>
-              <a:cs typeface="Calibri" panose="020F0502020204030204" pitchFamily="34" charset="0"/>
-            </a:endParaRPr>
+              <a:t>This study introduces an efficient vehicle counting method by integrating YOLO for detection 	with Visual Rhythm, a technique that emphasizes key video frames, eliminating the need for 	tracking.</a:t>
+            </a:r>
           </a:p>
           <a:p>
             <a:pPr marL="114300" indent="0" algn="just">
@@ -12231,14 +10684,28 @@
               <a:buSzPts val="2200"/>
               <a:buNone/>
             </a:pPr>
-            <a:endParaRPr lang="en-US" sz="1800" b="1" dirty="0">
-              <a:solidFill>
-                <a:srgbClr val="000000"/>
-              </a:solidFill>
-              <a:latin typeface="Calibri" panose="020F0502020204030204" pitchFamily="34" charset="0"/>
-              <a:ea typeface="Calibri" panose="020F0502020204030204" pitchFamily="34" charset="0"/>
-              <a:cs typeface="Calibri" panose="020F0502020204030204" pitchFamily="34" charset="0"/>
-            </a:endParaRPr>
+            <a:r>
+              <a:rPr lang="en-US" sz="1800" b="1" dirty="0">
+                <a:solidFill>
+                  <a:srgbClr val="000000"/>
+                </a:solidFill>
+                <a:latin typeface="Calibri" panose="020F0502020204030204" pitchFamily="34" charset="0"/>
+                <a:ea typeface="Calibri" panose="020F0502020204030204" pitchFamily="34" charset="0"/>
+                <a:cs typeface="Calibri" panose="020F0502020204030204" pitchFamily="34" charset="0"/>
+              </a:rPr>
+              <a:t>    RESULTS OBTAINED BY AUTHORS:  </a:t>
+            </a:r>
+            <a:r>
+              <a:rPr lang="en-US" sz="1800" dirty="0">
+                <a:solidFill>
+                  <a:srgbClr val="000000"/>
+                </a:solidFill>
+                <a:latin typeface="Calibri" panose="020F0502020204030204" pitchFamily="34" charset="0"/>
+                <a:ea typeface="Calibri" panose="020F0502020204030204" pitchFamily="34" charset="0"/>
+                <a:cs typeface="Calibri" panose="020F0502020204030204" pitchFamily="34" charset="0"/>
+              </a:rPr>
+              <a:t>Achieved a mean counting accuracy of approximately 99.15% and 	a processing speed three times faster than traditional tracking-based methods.</a:t>
+            </a:r>
           </a:p>
           <a:p>
             <a:pPr marL="114300" indent="0" algn="just">
@@ -12248,18 +10715,7 @@
               <a:buSzPts val="2200"/>
               <a:buNone/>
             </a:pPr>
-            <a:r>
-              <a:rPr lang="en-US" sz="1800" b="1" dirty="0">
-                <a:solidFill>
-                  <a:srgbClr val="000000"/>
-                </a:solidFill>
-                <a:latin typeface="Calibri" panose="020F0502020204030204" pitchFamily="34" charset="0"/>
-                <a:ea typeface="Calibri" panose="020F0502020204030204" pitchFamily="34" charset="0"/>
-                <a:cs typeface="Calibri" panose="020F0502020204030204" pitchFamily="34" charset="0"/>
-              </a:rPr>
-              <a:t>2. PAPER TITLE:  Human Action Recognition: A Taxonomy-Based Survey, Updates, and Opportunities</a:t>
-            </a:r>
-            <a:endParaRPr lang="zh-CN" altLang="en-US" sz="1800" b="1" dirty="0">
+            <a:endParaRPr lang="zh-CN" altLang="en-US" sz="1800" b="0" dirty="0">
               <a:latin typeface="Calibri" panose="020F0502020204030204" pitchFamily="34" charset="0"/>
               <a:cs typeface="Calibri" panose="020F0502020204030204" pitchFamily="34" charset="0"/>
             </a:endParaRPr>
@@ -12281,10 +10737,23 @@
                 <a:ea typeface="Calibri" panose="020F0502020204030204" pitchFamily="34" charset="0"/>
                 <a:cs typeface="Calibri" panose="020F0502020204030204" pitchFamily="34" charset="0"/>
               </a:rPr>
-              <a:t>AUTHORS:  Md Golam Morshed ,</a:t>
-            </a:r>
-            <a:r>
-              <a:rPr lang="en-US" sz="1800" b="1" dirty="0" err="1">
+              <a:t>2. PAPER TITLE	:  Design and Implementation of Road Vehicle Counting Model Based on YOLOv8</a:t>
+            </a:r>
+            <a:endParaRPr lang="zh-CN" altLang="en-US" sz="1800" b="1" dirty="0">
+              <a:latin typeface="Calibri" panose="020F0502020204030204" pitchFamily="34" charset="0"/>
+              <a:cs typeface="Calibri" panose="020F0502020204030204" pitchFamily="34" charset="0"/>
+            </a:endParaRPr>
+          </a:p>
+          <a:p>
+            <a:pPr marL="114300" indent="0" algn="just">
+              <a:lnSpc>
+                <a:spcPct val="90000"/>
+              </a:lnSpc>
+              <a:buSzPts val="2200"/>
+              <a:buNone/>
+            </a:pPr>
+            <a:r>
+              <a:rPr lang="en-US" sz="1800" b="1" dirty="0">
                 <a:solidFill>
                   <a:srgbClr val="000000"/>
                 </a:solidFill>
@@ -12292,18 +10761,7 @@
                 <a:ea typeface="Calibri" panose="020F0502020204030204" pitchFamily="34" charset="0"/>
                 <a:cs typeface="Calibri" panose="020F0502020204030204" pitchFamily="34" charset="0"/>
               </a:rPr>
-              <a:t>Tangina</a:t>
-            </a:r>
-            <a:r>
-              <a:rPr lang="en-US" sz="1800" b="1" dirty="0">
-                <a:solidFill>
-                  <a:srgbClr val="000000"/>
-                </a:solidFill>
-                <a:latin typeface="Calibri" panose="020F0502020204030204" pitchFamily="34" charset="0"/>
-                <a:ea typeface="Calibri" panose="020F0502020204030204" pitchFamily="34" charset="0"/>
-                <a:cs typeface="Calibri" panose="020F0502020204030204" pitchFamily="34" charset="0"/>
-              </a:rPr>
-              <a:t> Sultana Aftab Alam </a:t>
+              <a:t>    AUTHORS	:  Md Golam Morshed ,Tangina Sultana Aftab Alam </a:t>
             </a:r>
             <a:r>
               <a:rPr lang="en-US" sz="1800" b="1" dirty="0" err="1">
@@ -12350,8 +10808,17 @@
                 <a:ea typeface="Calibri" panose="020F0502020204030204" pitchFamily="34" charset="0"/>
                 <a:cs typeface="Calibri" panose="020F0502020204030204" pitchFamily="34" charset="0"/>
               </a:rPr>
-              <a:t>DESCRIPTION OF PROPOSED ALGORITHMS: </a:t>
-            </a:r>
+              <a:t>    DESCRIPTION OF PROPOSED ALGORITHMS: </a:t>
+            </a:r>
+          </a:p>
+          <a:p>
+            <a:pPr marL="114300" indent="0" algn="just">
+              <a:lnSpc>
+                <a:spcPct val="90000"/>
+              </a:lnSpc>
+              <a:buSzPts val="2200"/>
+              <a:buNone/>
+            </a:pPr>
             <a:r>
               <a:rPr lang="en-US" sz="1800" dirty="0">
                 <a:solidFill>
@@ -12361,7 +10828,7 @@
                 <a:ea typeface="Calibri" panose="020F0502020204030204" pitchFamily="34" charset="0"/>
                 <a:cs typeface="Calibri" panose="020F0502020204030204" pitchFamily="34" charset="0"/>
               </a:rPr>
-              <a:t>These AI-driven systems are capable of identifying network anomalies, detection intrusion with high accuracy and minimizing using Convolutional Neural Network (CNN) </a:t>
+              <a:t>		Proposes a road vehicle counting model utilizing YOLOv8, incorporating Kalman 		filtering for tracking and irrelevant region masking to enhance counting accuracy.</a:t>
             </a:r>
             <a:endParaRPr lang="en-US" sz="1800" dirty="0">
               <a:latin typeface="Calibri" panose="020F0502020204030204" pitchFamily="34" charset="0"/>
@@ -12386,7 +10853,7 @@
                 <a:ea typeface="Calibri" panose="020F0502020204030204" pitchFamily="34" charset="0"/>
                 <a:cs typeface="Calibri" panose="020F0502020204030204" pitchFamily="34" charset="0"/>
               </a:rPr>
-              <a:t>RESULTS OBTAINED BY AUTHORS: </a:t>
+              <a:t>    RESULTS OBTAINED BY AUTHORS: </a:t>
             </a:r>
             <a:r>
               <a:rPr lang="en-US" sz="1800" dirty="0">
@@ -12397,7 +10864,27 @@
                 <a:ea typeface="Calibri" panose="020F0502020204030204" pitchFamily="34" charset="0"/>
                 <a:cs typeface="Calibri" panose="020F0502020204030204" pitchFamily="34" charset="0"/>
               </a:rPr>
-              <a:t>The system demonstrated 95% accuracy.</a:t>
+              <a:t>Demonstrated stable performance with high accuracy 95%, 			precision, recall, and F1 scores, effectively determining road congestion levels.</a:t>
+            </a:r>
+          </a:p>
+          <a:p>
+            <a:pPr marL="114300" indent="0" algn="just">
+              <a:lnSpc>
+                <a:spcPct val="90000"/>
+              </a:lnSpc>
+              <a:buSzPts val="2200"/>
+              <a:buNone/>
+            </a:pPr>
+            <a:r>
+              <a:rPr lang="en-US" sz="1800" dirty="0">
+                <a:solidFill>
+                  <a:srgbClr val="000000"/>
+                </a:solidFill>
+                <a:latin typeface="Calibri" panose="020F0502020204030204" pitchFamily="34" charset="0"/>
+                <a:ea typeface="Calibri" panose="020F0502020204030204" pitchFamily="34" charset="0"/>
+                <a:cs typeface="Calibri" panose="020F0502020204030204" pitchFamily="34" charset="0"/>
+              </a:rPr>
+              <a:t>.</a:t>
             </a:r>
           </a:p>
           <a:p>
@@ -12486,7 +10973,7 @@
         <p:spPr/>
         <p:txBody>
           <a:bodyPr>
-            <a:normAutofit/>
+            <a:normAutofit lnSpcReduction="10000"/>
           </a:bodyPr>
           <a:lstStyle/>
           <a:p>
@@ -12503,7 +10990,7 @@
                 <a:ea typeface="Calibri" panose="020F0502020204030204" pitchFamily="34" charset="0"/>
                 <a:cs typeface="Calibri" panose="020F0502020204030204" pitchFamily="34" charset="0"/>
               </a:rPr>
-              <a:t>3. PAPER TITLE: Human Action Recognition in Public Spaces using Depth Maps</a:t>
+              <a:t>3. PAPER TITLE	: Vehicle Counting in Drone Images: An Adaptive Method with Spatial 			  Attention and Multiscale Receptive Fields</a:t>
             </a:r>
             <a:endParaRPr lang="en-US" sz="1900" dirty="0">
               <a:latin typeface="Calibri" panose="020F0502020204030204" pitchFamily="34" charset="0"/>
@@ -12525,7 +11012,51 @@
                 <a:ea typeface="Calibri" panose="020F0502020204030204" pitchFamily="34" charset="0"/>
                 <a:cs typeface="Calibri" panose="020F0502020204030204" pitchFamily="34" charset="0"/>
               </a:rPr>
-              <a:t>AUTHORS: M. S. Hossain, M. A. Islam, M. M. Uddin</a:t>
+              <a:t>    AUTHORS	: Yu Liu, Hang Shen, </a:t>
+            </a:r>
+            <a:r>
+              <a:rPr lang="en-US" sz="1900" b="1" dirty="0" err="1">
+                <a:solidFill>
+                  <a:srgbClr val="000000"/>
+                </a:solidFill>
+                <a:latin typeface="Calibri" panose="020F0502020204030204" pitchFamily="34" charset="0"/>
+                <a:ea typeface="Calibri" panose="020F0502020204030204" pitchFamily="34" charset="0"/>
+                <a:cs typeface="Calibri" panose="020F0502020204030204" pitchFamily="34" charset="0"/>
+              </a:rPr>
+              <a:t>Tianjing</a:t>
+            </a:r>
+            <a:r>
+              <a:rPr lang="en-US" sz="1900" b="1" dirty="0">
+                <a:solidFill>
+                  <a:srgbClr val="000000"/>
+                </a:solidFill>
+                <a:latin typeface="Calibri" panose="020F0502020204030204" pitchFamily="34" charset="0"/>
+                <a:ea typeface="Calibri" panose="020F0502020204030204" pitchFamily="34" charset="0"/>
+                <a:cs typeface="Calibri" panose="020F0502020204030204" pitchFamily="34" charset="0"/>
+              </a:rPr>
+              <a:t> Wang, </a:t>
+            </a:r>
+            <a:r>
+              <a:rPr lang="en-US" sz="1900" b="1" dirty="0" err="1">
+                <a:solidFill>
+                  <a:srgbClr val="000000"/>
+                </a:solidFill>
+                <a:latin typeface="Calibri" panose="020F0502020204030204" pitchFamily="34" charset="0"/>
+                <a:ea typeface="Calibri" panose="020F0502020204030204" pitchFamily="34" charset="0"/>
+                <a:cs typeface="Calibri" panose="020F0502020204030204" pitchFamily="34" charset="0"/>
+              </a:rPr>
+              <a:t>Guangwei</a:t>
+            </a:r>
+            <a:r>
+              <a:rPr lang="en-US" sz="1900" b="1" dirty="0">
+                <a:solidFill>
+                  <a:srgbClr val="000000"/>
+                </a:solidFill>
+                <a:latin typeface="Calibri" panose="020F0502020204030204" pitchFamily="34" charset="0"/>
+                <a:ea typeface="Calibri" panose="020F0502020204030204" pitchFamily="34" charset="0"/>
+                <a:cs typeface="Calibri" panose="020F0502020204030204" pitchFamily="34" charset="0"/>
+              </a:rPr>
+              <a:t> Bai</a:t>
             </a:r>
             <a:endParaRPr lang="en-US" sz="1900" dirty="0">
               <a:latin typeface="Calibri" panose="020F0502020204030204" pitchFamily="34" charset="0"/>
@@ -12547,10 +11078,16 @@
                 <a:ea typeface="Calibri" panose="020F0502020204030204" pitchFamily="34" charset="0"/>
                 <a:cs typeface="Calibri" panose="020F0502020204030204" pitchFamily="34" charset="0"/>
               </a:rPr>
-              <a:t>DESCRIPTION OF PROPOSED ALGORITHMS:   </a:t>
-            </a:r>
-            <a:r>
-              <a:rPr lang="en-US" sz="1900" b="0" dirty="0">
+              <a:t>    DESCRIPTION OF PROPOSED ALGORITHMS: </a:t>
+            </a:r>
+          </a:p>
+          <a:p>
+            <a:pPr marL="114300" indent="0" algn="just">
+              <a:buSzPts val="2200"/>
+              <a:buNone/>
+            </a:pPr>
+            <a:r>
+              <a:rPr lang="en-US" sz="1900" b="1" dirty="0">
                 <a:solidFill>
                   <a:srgbClr val="000000"/>
                 </a:solidFill>
@@ -12558,21 +11095,10 @@
                 <a:ea typeface="Calibri" panose="020F0502020204030204" pitchFamily="34" charset="0"/>
                 <a:cs typeface="Calibri" panose="020F0502020204030204" pitchFamily="34" charset="0"/>
               </a:rPr>
-              <a:t>A depth-based CNN model that integrates RGB-D data to capture spatial and temporal features for recognizing human actions in public spaces.</a:t>
-            </a:r>
-            <a:endParaRPr lang="en-US" sz="1900" b="0" dirty="0">
-              <a:latin typeface="Calibri" panose="020F0502020204030204" pitchFamily="34" charset="0"/>
-              <a:ea typeface="Calibri" panose="020F0502020204030204" pitchFamily="34" charset="0"/>
-              <a:cs typeface="Calibri" panose="020F0502020204030204" pitchFamily="34" charset="0"/>
-            </a:endParaRPr>
-          </a:p>
-          <a:p>
-            <a:pPr marL="114300" indent="0" algn="just">
-              <a:buSzPts val="2200"/>
-              <a:buNone/>
-            </a:pPr>
-            <a:r>
-              <a:rPr lang="en-US" sz="1900" b="1" dirty="0">
+              <a:t>		</a:t>
+            </a:r>
+            <a:r>
+              <a:rPr lang="en-US" sz="1900" dirty="0">
                 <a:solidFill>
                   <a:srgbClr val="000000"/>
                 </a:solidFill>
@@ -12580,10 +11106,16 @@
                 <a:ea typeface="Calibri" panose="020F0502020204030204" pitchFamily="34" charset="0"/>
                 <a:cs typeface="Calibri" panose="020F0502020204030204" pitchFamily="34" charset="0"/>
               </a:rPr>
-              <a:t>RESULTS OBTAINED BY AUTHORS: </a:t>
-            </a:r>
-            <a:r>
-              <a:rPr lang="en-US" sz="1900" dirty="0">
+              <a:t>Develops an adaptive vehicle counting method for drone images, employing 		spatial attention mechanisms and multiscale receptive fields to enhance 			detection accuracy.</a:t>
+            </a:r>
+          </a:p>
+          <a:p>
+            <a:pPr marL="114300" indent="0" algn="just">
+              <a:buSzPts val="2200"/>
+              <a:buNone/>
+            </a:pPr>
+            <a:r>
+              <a:rPr lang="en-US" sz="1900" b="1" dirty="0">
                 <a:solidFill>
                   <a:srgbClr val="000000"/>
                 </a:solidFill>
@@ -12591,7 +11123,35 @@
                 <a:ea typeface="Calibri" panose="020F0502020204030204" pitchFamily="34" charset="0"/>
                 <a:cs typeface="Calibri" panose="020F0502020204030204" pitchFamily="34" charset="0"/>
               </a:rPr>
-              <a:t>The system demonstrated 94.2% accuracy.</a:t>
+              <a:t>    RESULTS OBTAINED BY AUTHORS: </a:t>
+            </a:r>
+            <a:r>
+              <a:rPr lang="en-US" sz="1900" dirty="0">
+                <a:solidFill>
+                  <a:srgbClr val="000000"/>
+                </a:solidFill>
+                <a:latin typeface="Calibri" panose="020F0502020204030204" pitchFamily="34" charset="0"/>
+                <a:ea typeface="Calibri" panose="020F0502020204030204" pitchFamily="34" charset="0"/>
+                <a:cs typeface="Calibri" panose="020F0502020204030204" pitchFamily="34" charset="0"/>
+              </a:rPr>
+              <a:t>Achieved significant improvements in counting accuracy, 		making it suitable for aerial traffic monitoring applications.</a:t>
+            </a:r>
+          </a:p>
+          <a:p>
+            <a:pPr marL="114300" indent="0" algn="just">
+              <a:buSzPts val="2200"/>
+              <a:buNone/>
+            </a:pPr>
+            <a:r>
+              <a:rPr lang="en-US" sz="1900" b="1" dirty="0">
+                <a:solidFill>
+                  <a:srgbClr val="000000"/>
+                </a:solidFill>
+                <a:latin typeface="Calibri" panose="020F0502020204030204" pitchFamily="34" charset="0"/>
+                <a:ea typeface="Calibri" panose="020F0502020204030204" pitchFamily="34" charset="0"/>
+                <a:cs typeface="Calibri" panose="020F0502020204030204" pitchFamily="34" charset="0"/>
+              </a:rPr>
+              <a:t>4. PAPER TITLE	: Evaluating the Significance of Outdoor Advertising from Driver's Perspective 		  Using Computer Vision</a:t>
             </a:r>
             <a:endParaRPr lang="en-US" sz="1900" dirty="0">
               <a:latin typeface="Calibri" panose="020F0502020204030204" pitchFamily="34" charset="0"/>
@@ -12600,19 +11160,6 @@
             </a:endParaRPr>
           </a:p>
           <a:p>
-            <a:pPr algn="just">
-              <a:buSzPts val="2200"/>
-            </a:pPr>
-            <a:endParaRPr lang="en-US" sz="1900" dirty="0">
-              <a:solidFill>
-                <a:srgbClr val="000000"/>
-              </a:solidFill>
-              <a:latin typeface="Calibri" panose="020F0502020204030204" pitchFamily="34" charset="0"/>
-              <a:ea typeface="Calibri" panose="020F0502020204030204" pitchFamily="34" charset="0"/>
-              <a:cs typeface="Calibri" panose="020F0502020204030204" pitchFamily="34" charset="0"/>
-            </a:endParaRPr>
-          </a:p>
-          <a:p>
             <a:pPr marL="114300" indent="0" algn="just">
               <a:buSzPts val="2200"/>
               <a:buNone/>
@@ -12626,21 +11173,10 @@
                 <a:ea typeface="Calibri" panose="020F0502020204030204" pitchFamily="34" charset="0"/>
                 <a:cs typeface="Calibri" panose="020F0502020204030204" pitchFamily="34" charset="0"/>
               </a:rPr>
-              <a:t>4. PAPER TITLE:  Real-Time Human Action Recognition in Videos Using 3D Convolutional Neural Networks</a:t>
-            </a:r>
-            <a:endParaRPr lang="en-US" sz="1900" dirty="0">
-              <a:latin typeface="Calibri" panose="020F0502020204030204" pitchFamily="34" charset="0"/>
-              <a:ea typeface="Calibri" panose="020F0502020204030204" pitchFamily="34" charset="0"/>
-              <a:cs typeface="Calibri" panose="020F0502020204030204" pitchFamily="34" charset="0"/>
-            </a:endParaRPr>
-          </a:p>
-          <a:p>
-            <a:pPr marL="114300" indent="0" algn="just">
-              <a:buSzPts val="2200"/>
-              <a:buNone/>
-            </a:pPr>
-            <a:r>
-              <a:rPr lang="en-US" sz="1900" b="1" dirty="0">
+              <a:t>    AUTHORS	: Zuzana </a:t>
+            </a:r>
+            <a:r>
+              <a:rPr lang="en-US" sz="1900" b="1" dirty="0" err="1">
                 <a:solidFill>
                   <a:srgbClr val="000000"/>
                 </a:solidFill>
@@ -12648,19 +11184,8 @@
                 <a:ea typeface="Calibri" panose="020F0502020204030204" pitchFamily="34" charset="0"/>
                 <a:cs typeface="Calibri" panose="020F0502020204030204" pitchFamily="34" charset="0"/>
               </a:rPr>
-              <a:t>AUTHORS: M. D. J. He, Z. Wei</a:t>
-            </a:r>
-            <a:endParaRPr lang="en-US" sz="1900" dirty="0">
-              <a:latin typeface="Calibri" panose="020F0502020204030204" pitchFamily="34" charset="0"/>
-              <a:ea typeface="Calibri" panose="020F0502020204030204" pitchFamily="34" charset="0"/>
-              <a:cs typeface="Calibri" panose="020F0502020204030204" pitchFamily="34" charset="0"/>
-            </a:endParaRPr>
-          </a:p>
-          <a:p>
-            <a:pPr marL="114300" indent="0" algn="just">
-              <a:buSzPts val="2200"/>
-              <a:buNone/>
-            </a:pPr>
+              <a:t>Černeková</a:t>
+            </a:r>
             <a:r>
               <a:rPr lang="en-US" sz="1900" b="1" dirty="0">
                 <a:solidFill>
@@ -12670,10 +11195,10 @@
                 <a:ea typeface="Calibri" panose="020F0502020204030204" pitchFamily="34" charset="0"/>
                 <a:cs typeface="Calibri" panose="020F0502020204030204" pitchFamily="34" charset="0"/>
               </a:rPr>
-              <a:t>DESCRIPTION OF PROPOSED ALGORITHMS:  </a:t>
-            </a:r>
-            <a:r>
-              <a:rPr lang="en-US" sz="1900" b="0" dirty="0">
+              <a:t>, Zuzana Berger </a:t>
+            </a:r>
+            <a:r>
+              <a:rPr lang="en-US" sz="1900" b="1" dirty="0" err="1">
                 <a:solidFill>
                   <a:srgbClr val="000000"/>
                 </a:solidFill>
@@ -12681,19 +11206,8 @@
                 <a:ea typeface="Calibri" panose="020F0502020204030204" pitchFamily="34" charset="0"/>
                 <a:cs typeface="Calibri" panose="020F0502020204030204" pitchFamily="34" charset="0"/>
               </a:rPr>
-              <a:t>A 3D CNN-based approach that captures spatiotemporal features from video sequences for real-time human action recognition.</a:t>
-            </a:r>
-            <a:endParaRPr lang="en-US" sz="1900" dirty="0">
-              <a:latin typeface="Calibri" panose="020F0502020204030204" pitchFamily="34" charset="0"/>
-              <a:ea typeface="Calibri" panose="020F0502020204030204" pitchFamily="34" charset="0"/>
-              <a:cs typeface="Calibri" panose="020F0502020204030204" pitchFamily="34" charset="0"/>
-            </a:endParaRPr>
-          </a:p>
-          <a:p>
-            <a:pPr marL="114300" indent="0" algn="just">
-              <a:buSzPts val="2200"/>
-              <a:buNone/>
-            </a:pPr>
+              <a:t>Haladová</a:t>
+            </a:r>
             <a:r>
               <a:rPr lang="en-US" sz="1900" b="1" dirty="0">
                 <a:solidFill>
@@ -12703,10 +11217,10 @@
                 <a:ea typeface="Calibri" panose="020F0502020204030204" pitchFamily="34" charset="0"/>
                 <a:cs typeface="Calibri" panose="020F0502020204030204" pitchFamily="34" charset="0"/>
               </a:rPr>
-              <a:t>RESULTS OBTAINED BY AUTHORS: </a:t>
-            </a:r>
-            <a:r>
-              <a:rPr lang="en-US" sz="1900" dirty="0">
+              <a:t>, Ján </a:t>
+            </a:r>
+            <a:r>
+              <a:rPr lang="en-US" sz="1900" b="1" dirty="0" err="1">
                 <a:solidFill>
                   <a:srgbClr val="000000"/>
                 </a:solidFill>
@@ -12714,7 +11228,74 @@
                 <a:ea typeface="Calibri" panose="020F0502020204030204" pitchFamily="34" charset="0"/>
                 <a:cs typeface="Calibri" panose="020F0502020204030204" pitchFamily="34" charset="0"/>
               </a:rPr>
-              <a:t>The system demonstrated 91.5% accuracy.</a:t>
+              <a:t>Špirka</a:t>
+            </a:r>
+            <a:r>
+              <a:rPr lang="en-US" sz="1900" b="1" dirty="0">
+                <a:solidFill>
+                  <a:srgbClr val="000000"/>
+                </a:solidFill>
+                <a:latin typeface="Calibri" panose="020F0502020204030204" pitchFamily="34" charset="0"/>
+                <a:ea typeface="Calibri" panose="020F0502020204030204" pitchFamily="34" charset="0"/>
+                <a:cs typeface="Calibri" panose="020F0502020204030204" pitchFamily="34" charset="0"/>
+              </a:rPr>
+              <a:t>, Viktor Kocur </a:t>
+            </a:r>
+          </a:p>
+          <a:p>
+            <a:pPr marL="114300" indent="0" algn="just">
+              <a:buSzPts val="2200"/>
+              <a:buNone/>
+            </a:pPr>
+            <a:r>
+              <a:rPr lang="en-US" sz="1900" b="1" dirty="0">
+                <a:solidFill>
+                  <a:srgbClr val="000000"/>
+                </a:solidFill>
+                <a:latin typeface="Calibri" panose="020F0502020204030204" pitchFamily="34" charset="0"/>
+                <a:ea typeface="Calibri" panose="020F0502020204030204" pitchFamily="34" charset="0"/>
+                <a:cs typeface="Calibri" panose="020F0502020204030204" pitchFamily="34" charset="0"/>
+              </a:rPr>
+              <a:t>    DESCRIPTION OF PROPOSED ALGORITHMS: </a:t>
+            </a:r>
+            <a:r>
+              <a:rPr lang="en-US" sz="1900" dirty="0">
+                <a:solidFill>
+                  <a:srgbClr val="000000"/>
+                </a:solidFill>
+                <a:latin typeface="Calibri" panose="020F0502020204030204" pitchFamily="34" charset="0"/>
+                <a:ea typeface="Calibri" panose="020F0502020204030204" pitchFamily="34" charset="0"/>
+                <a:cs typeface="Calibri" panose="020F0502020204030204" pitchFamily="34" charset="0"/>
+              </a:rPr>
+              <a:t>Introduces a pipeline for assessing the impact of 		roadside billboards on drivers, utilizing eye-tracking data and YOLOv8 for object 		detection to classify billboard significance. </a:t>
+            </a:r>
+          </a:p>
+          <a:p>
+            <a:pPr marL="114300" indent="0" algn="just">
+              <a:buSzPts val="2200"/>
+              <a:buNone/>
+            </a:pPr>
+            <a:r>
+              <a:rPr lang="en-US" sz="1900" b="1" dirty="0">
+                <a:solidFill>
+                  <a:srgbClr val="000000"/>
+                </a:solidFill>
+                <a:latin typeface="Calibri" panose="020F0502020204030204" pitchFamily="34" charset="0"/>
+                <a:ea typeface="Calibri" panose="020F0502020204030204" pitchFamily="34" charset="0"/>
+                <a:cs typeface="Calibri" panose="020F0502020204030204" pitchFamily="34" charset="0"/>
+              </a:rPr>
+              <a:t>   RESULTS OBTAINED BY AUTHORS: </a:t>
+            </a:r>
+            <a:r>
+              <a:rPr lang="en-US" sz="1900" dirty="0">
+                <a:solidFill>
+                  <a:srgbClr val="000000"/>
+                </a:solidFill>
+                <a:latin typeface="Calibri" panose="020F0502020204030204" pitchFamily="34" charset="0"/>
+                <a:ea typeface="Calibri" panose="020F0502020204030204" pitchFamily="34" charset="0"/>
+                <a:cs typeface="Calibri" panose="020F0502020204030204" pitchFamily="34" charset="0"/>
+              </a:rPr>
+              <a:t>The system demonstrated 97.5% accuracy.</a:t>
             </a:r>
             <a:endParaRPr lang="en-US" sz="1900" dirty="0">
               <a:latin typeface="Calibri" panose="020F0502020204030204" pitchFamily="34" charset="0"/>
@@ -12762,7 +11343,7 @@
           <p:cNvPr id="2" name="Title 1">
             <a:extLst>
               <a:ext uri="{FF2B5EF4-FFF2-40B4-BE49-F238E27FC236}">
-                <a16:creationId xmlns:a16="http://schemas.microsoft.com/office/drawing/2014/main" id="{0F0A0A8A-E0BA-BBB9-14DF-6401D4C87EA8}"/>
+                <a16:creationId xmlns:a16="http://schemas.microsoft.com/office/drawing/2014/main" id="{3A2B8EE5-C9F3-E4E4-22D5-5A7A8F08031E}"/>
               </a:ext>
             </a:extLst>
           </p:cNvPr>
@@ -12779,12 +11360,12 @@
           <a:lstStyle/>
           <a:p>
             <a:r>
-              <a:rPr lang="en-US" sz="3200" b="1" dirty="0">
-                <a:latin typeface="Times New Roman" panose="02020603050405020304" pitchFamily="18" charset="0"/>
-                <a:cs typeface="Times New Roman" panose="02020603050405020304" pitchFamily="18" charset="0"/>
-              </a:rPr>
-              <a:t>CONTINUED LITERATURE SURVEY</a:t>
-            </a:r>
+              <a:rPr lang="en-IN" b="1" dirty="0"/>
+              <a:t>Software / Hardware Requirements</a:t>
+            </a:r>
+            <a:br>
+              <a:rPr lang="en-IN" dirty="0"/>
+            </a:br>
             <a:endParaRPr lang="en-IN" dirty="0"/>
           </a:p>
         </p:txBody>
@@ -12794,7 +11375,7 @@
           <p:cNvPr id="3" name="Content Placeholder 2">
             <a:extLst>
               <a:ext uri="{FF2B5EF4-FFF2-40B4-BE49-F238E27FC236}">
-                <a16:creationId xmlns:a16="http://schemas.microsoft.com/office/drawing/2014/main" id="{6E8DE153-5F4F-E504-AAF4-B0C3229D3875}"/>
+                <a16:creationId xmlns:a16="http://schemas.microsoft.com/office/drawing/2014/main" id="{074CA953-8774-41D5-E959-EEEE6B48B5BD}"/>
               </a:ext>
             </a:extLst>
           </p:cNvPr>
@@ -12805,338 +11386,22 @@
             <p:ph sz="quarter" idx="1"/>
           </p:nvPr>
         </p:nvSpPr>
-        <p:spPr/>
+        <p:spPr>
+          <a:xfrm>
+            <a:off x="609600" y="1405169"/>
+            <a:ext cx="9956800" cy="4873752"/>
+          </a:xfrm>
+        </p:spPr>
         <p:txBody>
           <a:bodyPr>
             <a:normAutofit/>
           </a:bodyPr>
           <a:lstStyle/>
           <a:p>
-            <a:pPr algn="just">
-              <a:buNone/>
-            </a:pPr>
-            <a:r>
-              <a:rPr lang="en-US" sz="1800" b="1" dirty="0">
-                <a:solidFill>
-                  <a:srgbClr val="000000"/>
-                </a:solidFill>
-                <a:latin typeface="Calibri" panose="020F0502020204030204" pitchFamily="34" charset="0"/>
-                <a:ea typeface="Calibri" panose="020F0502020204030204" pitchFamily="34" charset="0"/>
-                <a:cs typeface="Calibri" panose="020F0502020204030204" pitchFamily="34" charset="0"/>
-              </a:rPr>
-              <a:t>5. PAPER TITLE:  </a:t>
-            </a:r>
-            <a:r>
-              <a:rPr lang="en-US" sz="1800" b="0" dirty="0">
-                <a:solidFill>
-                  <a:srgbClr val="000000"/>
-                </a:solidFill>
-                <a:latin typeface="Calibri" panose="020F0502020204030204" pitchFamily="34" charset="0"/>
-                <a:ea typeface="Calibri" panose="020F0502020204030204" pitchFamily="34" charset="0"/>
-                <a:cs typeface="Calibri" panose="020F0502020204030204" pitchFamily="34" charset="0"/>
-              </a:rPr>
-              <a:t>Pose-Track: Joint 3D Human Pose Estimation and Tracking in the Wild</a:t>
-            </a:r>
-            <a:endParaRPr lang="en-US" sz="1800" dirty="0">
-              <a:latin typeface="Calibri" panose="020F0502020204030204" pitchFamily="34" charset="0"/>
-              <a:ea typeface="Calibri" panose="020F0502020204030204" pitchFamily="34" charset="0"/>
-              <a:cs typeface="Calibri" panose="020F0502020204030204" pitchFamily="34" charset="0"/>
-            </a:endParaRPr>
-          </a:p>
-          <a:p>
-            <a:pPr algn="just">
-              <a:buNone/>
-            </a:pPr>
-            <a:r>
-              <a:rPr lang="en-US" sz="1800" b="1" dirty="0">
-                <a:solidFill>
-                  <a:srgbClr val="000000"/>
-                </a:solidFill>
-                <a:latin typeface="Calibri" panose="020F0502020204030204" pitchFamily="34" charset="0"/>
-                <a:ea typeface="Calibri" panose="020F0502020204030204" pitchFamily="34" charset="0"/>
-                <a:cs typeface="Calibri" panose="020F0502020204030204" pitchFamily="34" charset="0"/>
-              </a:rPr>
-              <a:t>AUTHORS:   S. X. Yu, A. K. D. P. K. Reddy</a:t>
-            </a:r>
-            <a:endParaRPr lang="en-US" sz="1800" dirty="0">
-              <a:latin typeface="Calibri" panose="020F0502020204030204" pitchFamily="34" charset="0"/>
-              <a:ea typeface="Calibri" panose="020F0502020204030204" pitchFamily="34" charset="0"/>
-              <a:cs typeface="Calibri" panose="020F0502020204030204" pitchFamily="34" charset="0"/>
-            </a:endParaRPr>
-          </a:p>
-          <a:p>
-            <a:pPr algn="just">
-              <a:buNone/>
-            </a:pPr>
-            <a:r>
-              <a:rPr lang="en-US" sz="1800" b="1" dirty="0">
-                <a:solidFill>
-                  <a:srgbClr val="000000"/>
-                </a:solidFill>
-                <a:latin typeface="Calibri" panose="020F0502020204030204" pitchFamily="34" charset="0"/>
-                <a:ea typeface="Calibri" panose="020F0502020204030204" pitchFamily="34" charset="0"/>
-                <a:cs typeface="Calibri" panose="020F0502020204030204" pitchFamily="34" charset="0"/>
-              </a:rPr>
-              <a:t>DESCRIPTION OF PROPOSED ALGORITHMS:  </a:t>
-            </a:r>
-            <a:r>
-              <a:rPr lang="en-US" sz="1800" b="0" dirty="0">
-                <a:solidFill>
-                  <a:srgbClr val="000000"/>
-                </a:solidFill>
-                <a:latin typeface="Calibri" panose="020F0502020204030204" pitchFamily="34" charset="0"/>
-                <a:ea typeface="Calibri" panose="020F0502020204030204" pitchFamily="34" charset="0"/>
-                <a:cs typeface="Calibri" panose="020F0502020204030204" pitchFamily="34" charset="0"/>
-              </a:rPr>
-              <a:t>A joint 3D human pose estimation and tracking method for real-time action recognition in dynamic and unconstrained environments.</a:t>
-            </a:r>
-            <a:endParaRPr lang="en-US" sz="1800" dirty="0">
-              <a:latin typeface="Calibri" panose="020F0502020204030204" pitchFamily="34" charset="0"/>
-              <a:ea typeface="Calibri" panose="020F0502020204030204" pitchFamily="34" charset="0"/>
-              <a:cs typeface="Calibri" panose="020F0502020204030204" pitchFamily="34" charset="0"/>
-            </a:endParaRPr>
-          </a:p>
-          <a:p>
-            <a:pPr algn="just">
-              <a:buNone/>
-            </a:pPr>
-            <a:r>
-              <a:rPr lang="en-US" sz="1800" b="1" dirty="0">
-                <a:solidFill>
-                  <a:srgbClr val="000000"/>
-                </a:solidFill>
-                <a:latin typeface="Calibri" panose="020F0502020204030204" pitchFamily="34" charset="0"/>
-                <a:ea typeface="Calibri" panose="020F0502020204030204" pitchFamily="34" charset="0"/>
-                <a:cs typeface="Calibri" panose="020F0502020204030204" pitchFamily="34" charset="0"/>
-              </a:rPr>
-              <a:t>RESULTS OBTAINED BY AUTHORS: </a:t>
-            </a:r>
-            <a:r>
-              <a:rPr lang="en-US" sz="1800" dirty="0">
-                <a:solidFill>
-                  <a:srgbClr val="000000"/>
-                </a:solidFill>
-                <a:latin typeface="Calibri" panose="020F0502020204030204" pitchFamily="34" charset="0"/>
-                <a:ea typeface="Calibri" panose="020F0502020204030204" pitchFamily="34" charset="0"/>
-                <a:cs typeface="Calibri" panose="020F0502020204030204" pitchFamily="34" charset="0"/>
-              </a:rPr>
-              <a:t>The system demonstrated 80% accuracy.</a:t>
-            </a:r>
-            <a:endParaRPr lang="en-US" sz="1800" dirty="0">
-              <a:latin typeface="Calibri" panose="020F0502020204030204" pitchFamily="34" charset="0"/>
-              <a:ea typeface="Calibri" panose="020F0502020204030204" pitchFamily="34" charset="0"/>
-              <a:cs typeface="Calibri" panose="020F0502020204030204" pitchFamily="34" charset="0"/>
-            </a:endParaRPr>
-          </a:p>
-          <a:p>
-            <a:pPr algn="just">
-              <a:buNone/>
-            </a:pPr>
-            <a:endParaRPr lang="en-US" sz="1800" b="1" dirty="0">
-              <a:solidFill>
-                <a:srgbClr val="000000"/>
-              </a:solidFill>
-              <a:latin typeface="Calibri" panose="020F0502020204030204" pitchFamily="34" charset="0"/>
-              <a:ea typeface="Calibri" panose="020F0502020204030204" pitchFamily="34" charset="0"/>
-              <a:cs typeface="Calibri" panose="020F0502020204030204" pitchFamily="34" charset="0"/>
-            </a:endParaRPr>
-          </a:p>
-          <a:p>
-            <a:pPr algn="just">
-              <a:buNone/>
-            </a:pPr>
-            <a:r>
-              <a:rPr lang="en-US" sz="1800" b="1" dirty="0">
-                <a:solidFill>
-                  <a:srgbClr val="000000"/>
-                </a:solidFill>
-                <a:latin typeface="Calibri" panose="020F0502020204030204" pitchFamily="34" charset="0"/>
-                <a:ea typeface="Calibri" panose="020F0502020204030204" pitchFamily="34" charset="0"/>
-                <a:cs typeface="Calibri" panose="020F0502020204030204" pitchFamily="34" charset="0"/>
-              </a:rPr>
-              <a:t>6. PAPER TITLE:  </a:t>
-            </a:r>
-            <a:r>
-              <a:rPr lang="en-US" sz="1800" b="0" dirty="0">
-                <a:solidFill>
-                  <a:srgbClr val="000000"/>
-                </a:solidFill>
-                <a:latin typeface="Calibri" panose="020F0502020204030204" pitchFamily="34" charset="0"/>
-                <a:ea typeface="Calibri" panose="020F0502020204030204" pitchFamily="34" charset="0"/>
-                <a:cs typeface="Calibri" panose="020F0502020204030204" pitchFamily="34" charset="0"/>
-              </a:rPr>
-              <a:t>Two-Stream Inflated 3D </a:t>
-            </a:r>
-            <a:r>
-              <a:rPr lang="en-US" sz="1800" b="0" dirty="0" err="1">
-                <a:solidFill>
-                  <a:srgbClr val="000000"/>
-                </a:solidFill>
-                <a:latin typeface="Calibri" panose="020F0502020204030204" pitchFamily="34" charset="0"/>
-                <a:ea typeface="Calibri" panose="020F0502020204030204" pitchFamily="34" charset="0"/>
-                <a:cs typeface="Calibri" panose="020F0502020204030204" pitchFamily="34" charset="0"/>
-              </a:rPr>
-              <a:t>ConvNet</a:t>
-            </a:r>
-            <a:r>
-              <a:rPr lang="en-US" sz="1800" b="0" dirty="0">
-                <a:solidFill>
-                  <a:srgbClr val="000000"/>
-                </a:solidFill>
-                <a:latin typeface="Calibri" panose="020F0502020204030204" pitchFamily="34" charset="0"/>
-                <a:ea typeface="Calibri" panose="020F0502020204030204" pitchFamily="34" charset="0"/>
-                <a:cs typeface="Calibri" panose="020F0502020204030204" pitchFamily="34" charset="0"/>
-              </a:rPr>
-              <a:t> for Action Recognition</a:t>
-            </a:r>
-            <a:endParaRPr lang="en-US" sz="1800" dirty="0">
-              <a:latin typeface="Calibri" panose="020F0502020204030204" pitchFamily="34" charset="0"/>
-              <a:ea typeface="Calibri" panose="020F0502020204030204" pitchFamily="34" charset="0"/>
-              <a:cs typeface="Calibri" panose="020F0502020204030204" pitchFamily="34" charset="0"/>
-            </a:endParaRPr>
-          </a:p>
-          <a:p>
-            <a:pPr algn="just">
-              <a:buNone/>
-            </a:pPr>
-            <a:r>
-              <a:rPr lang="en-US" sz="1800" b="1" dirty="0">
-                <a:solidFill>
-                  <a:srgbClr val="000000"/>
-                </a:solidFill>
-                <a:latin typeface="Calibri" panose="020F0502020204030204" pitchFamily="34" charset="0"/>
-                <a:ea typeface="Calibri" panose="020F0502020204030204" pitchFamily="34" charset="0"/>
-                <a:cs typeface="Calibri" panose="020F0502020204030204" pitchFamily="34" charset="0"/>
-              </a:rPr>
-              <a:t>AUTHORS:  </a:t>
-            </a:r>
-            <a:r>
-              <a:rPr lang="en-US" sz="1800" b="0" dirty="0">
-                <a:solidFill>
-                  <a:srgbClr val="000000"/>
-                </a:solidFill>
-                <a:latin typeface="Calibri" panose="020F0502020204030204" pitchFamily="34" charset="0"/>
-                <a:ea typeface="Calibri" panose="020F0502020204030204" pitchFamily="34" charset="0"/>
-                <a:cs typeface="Calibri" panose="020F0502020204030204" pitchFamily="34" charset="0"/>
-              </a:rPr>
-              <a:t>J. </a:t>
-            </a:r>
-            <a:r>
-              <a:rPr lang="en-US" sz="1800" b="0" dirty="0" err="1">
-                <a:solidFill>
-                  <a:srgbClr val="000000"/>
-                </a:solidFill>
-                <a:latin typeface="Calibri" panose="020F0502020204030204" pitchFamily="34" charset="0"/>
-                <a:ea typeface="Calibri" panose="020F0502020204030204" pitchFamily="34" charset="0"/>
-                <a:cs typeface="Calibri" panose="020F0502020204030204" pitchFamily="34" charset="0"/>
-              </a:rPr>
-              <a:t>Carreira</a:t>
-            </a:r>
-            <a:r>
-              <a:rPr lang="en-US" sz="1800" b="0" dirty="0">
-                <a:solidFill>
-                  <a:srgbClr val="000000"/>
-                </a:solidFill>
-                <a:latin typeface="Calibri" panose="020F0502020204030204" pitchFamily="34" charset="0"/>
-                <a:ea typeface="Calibri" panose="020F0502020204030204" pitchFamily="34" charset="0"/>
-                <a:cs typeface="Calibri" panose="020F0502020204030204" pitchFamily="34" charset="0"/>
-              </a:rPr>
-              <a:t>, A. Zisserman</a:t>
-            </a:r>
-            <a:endParaRPr lang="en-US" sz="1800" dirty="0">
-              <a:latin typeface="Calibri" panose="020F0502020204030204" pitchFamily="34" charset="0"/>
-              <a:ea typeface="Calibri" panose="020F0502020204030204" pitchFamily="34" charset="0"/>
-              <a:cs typeface="Calibri" panose="020F0502020204030204" pitchFamily="34" charset="0"/>
-            </a:endParaRPr>
-          </a:p>
-          <a:p>
-            <a:pPr algn="just">
-              <a:buNone/>
-            </a:pPr>
-            <a:r>
-              <a:rPr lang="en-US" sz="1800" b="1" dirty="0">
-                <a:solidFill>
-                  <a:srgbClr val="000000"/>
-                </a:solidFill>
-                <a:latin typeface="Calibri" panose="020F0502020204030204" pitchFamily="34" charset="0"/>
-                <a:ea typeface="Calibri" panose="020F0502020204030204" pitchFamily="34" charset="0"/>
-                <a:cs typeface="Calibri" panose="020F0502020204030204" pitchFamily="34" charset="0"/>
-              </a:rPr>
-              <a:t>DESCRIPTION OF PROPOSED ALGORITHMS:  </a:t>
-            </a:r>
-            <a:r>
-              <a:rPr lang="en-US" sz="1800" b="0" dirty="0">
-                <a:solidFill>
-                  <a:srgbClr val="000000"/>
-                </a:solidFill>
-                <a:latin typeface="Calibri" panose="020F0502020204030204" pitchFamily="34" charset="0"/>
-                <a:ea typeface="Calibri" panose="020F0502020204030204" pitchFamily="34" charset="0"/>
-                <a:cs typeface="Calibri" panose="020F0502020204030204" pitchFamily="34" charset="0"/>
-              </a:rPr>
-              <a:t> The Inflated 3D </a:t>
-            </a:r>
-            <a:r>
-              <a:rPr lang="en-US" sz="1800" b="0" dirty="0" err="1">
-                <a:solidFill>
-                  <a:srgbClr val="000000"/>
-                </a:solidFill>
-                <a:latin typeface="Calibri" panose="020F0502020204030204" pitchFamily="34" charset="0"/>
-                <a:ea typeface="Calibri" panose="020F0502020204030204" pitchFamily="34" charset="0"/>
-                <a:cs typeface="Calibri" panose="020F0502020204030204" pitchFamily="34" charset="0"/>
-              </a:rPr>
-              <a:t>ConvNet</a:t>
-            </a:r>
-            <a:r>
-              <a:rPr lang="en-US" sz="1800" b="0" dirty="0">
-                <a:solidFill>
-                  <a:srgbClr val="000000"/>
-                </a:solidFill>
-                <a:latin typeface="Calibri" panose="020F0502020204030204" pitchFamily="34" charset="0"/>
-                <a:ea typeface="Calibri" panose="020F0502020204030204" pitchFamily="34" charset="0"/>
-                <a:cs typeface="Calibri" panose="020F0502020204030204" pitchFamily="34" charset="0"/>
-              </a:rPr>
-              <a:t> (I3D) extends 2D CNNs by inflating them into 3D, enabling efficient recognition of both appearance and motion cues in videos.</a:t>
-            </a:r>
-            <a:endParaRPr lang="en-US" sz="1800" dirty="0">
-              <a:latin typeface="Calibri" panose="020F0502020204030204" pitchFamily="34" charset="0"/>
-              <a:ea typeface="Calibri" panose="020F0502020204030204" pitchFamily="34" charset="0"/>
-              <a:cs typeface="Calibri" panose="020F0502020204030204" pitchFamily="34" charset="0"/>
-            </a:endParaRPr>
-          </a:p>
-          <a:p>
-            <a:pPr algn="just">
-              <a:buNone/>
-            </a:pPr>
-            <a:r>
-              <a:rPr lang="en-US" sz="1800" b="1" dirty="0">
-                <a:solidFill>
-                  <a:srgbClr val="000000"/>
-                </a:solidFill>
-                <a:latin typeface="Calibri" panose="020F0502020204030204" pitchFamily="34" charset="0"/>
-                <a:ea typeface="Calibri" panose="020F0502020204030204" pitchFamily="34" charset="0"/>
-                <a:cs typeface="Calibri" panose="020F0502020204030204" pitchFamily="34" charset="0"/>
-              </a:rPr>
-              <a:t>RESULTS OBTAINED BY AUTHORS: </a:t>
-            </a:r>
-            <a:r>
-              <a:rPr lang="en-US" sz="1800" dirty="0">
-                <a:solidFill>
-                  <a:srgbClr val="000000"/>
-                </a:solidFill>
-                <a:latin typeface="Calibri" panose="020F0502020204030204" pitchFamily="34" charset="0"/>
-                <a:ea typeface="Calibri" panose="020F0502020204030204" pitchFamily="34" charset="0"/>
-                <a:cs typeface="Calibri" panose="020F0502020204030204" pitchFamily="34" charset="0"/>
-              </a:rPr>
-              <a:t>The system demonstrated 95.6% accuracy.</a:t>
-            </a:r>
-            <a:endParaRPr lang="en-US" sz="1800" dirty="0">
-              <a:latin typeface="Calibri" panose="020F0502020204030204" pitchFamily="34" charset="0"/>
-              <a:ea typeface="Calibri" panose="020F0502020204030204" pitchFamily="34" charset="0"/>
-              <a:cs typeface="Calibri" panose="020F0502020204030204" pitchFamily="34" charset="0"/>
-            </a:endParaRPr>
-          </a:p>
-          <a:p>
-            <a:pPr algn="just"/>
+            <a:pPr>
+              <a:buFont typeface="Wingdings" panose="05000000000000000000" pitchFamily="2" charset="2"/>
+              <a:buChar char="Ø"/>
+            </a:pPr>
             <a:endParaRPr lang="en-IN" sz="1800" dirty="0">
               <a:latin typeface="Calibri" panose="020F0502020204030204" pitchFamily="34" charset="0"/>
               <a:ea typeface="Calibri" panose="020F0502020204030204" pitchFamily="34" charset="0"/>
@@ -13144,19 +11409,196 @@
             </a:endParaRPr>
           </a:p>
           <a:p>
-            <a:pPr algn="just"/>
+            <a:pPr marL="0" indent="0">
+              <a:buNone/>
+            </a:pPr>
+            <a:r>
+              <a:rPr lang="en-IN" sz="1800" b="1" dirty="0">
+                <a:latin typeface="Calibri" panose="020F0502020204030204" pitchFamily="34" charset="0"/>
+                <a:ea typeface="Calibri" panose="020F0502020204030204" pitchFamily="34" charset="0"/>
+                <a:cs typeface="Calibri" panose="020F0502020204030204" pitchFamily="34" charset="0"/>
+              </a:rPr>
+              <a:t>Software Requirements:</a:t>
+            </a:r>
+          </a:p>
+          <a:p>
+            <a:pPr marL="0" indent="0">
+              <a:buNone/>
+            </a:pPr>
+            <a:endParaRPr lang="en-IN" sz="1800" b="1" dirty="0">
+              <a:latin typeface="Calibri" panose="020F0502020204030204" pitchFamily="34" charset="0"/>
+              <a:ea typeface="Calibri" panose="020F0502020204030204" pitchFamily="34" charset="0"/>
+              <a:cs typeface="Calibri" panose="020F0502020204030204" pitchFamily="34" charset="0"/>
+            </a:endParaRPr>
+          </a:p>
+          <a:p>
+            <a:pPr>
+              <a:buFont typeface="Wingdings" panose="05000000000000000000" pitchFamily="2" charset="2"/>
+              <a:buChar char="Ø"/>
+            </a:pPr>
+            <a:r>
+              <a:rPr lang="en-IN" sz="1800" dirty="0">
+                <a:latin typeface="Calibri" panose="020F0502020204030204" pitchFamily="34" charset="0"/>
+                <a:ea typeface="Calibri" panose="020F0502020204030204" pitchFamily="34" charset="0"/>
+                <a:cs typeface="Calibri" panose="020F0502020204030204" pitchFamily="34" charset="0"/>
+              </a:rPr>
+              <a:t>Operating System: Windows 10 or higher</a:t>
+            </a:r>
+          </a:p>
+          <a:p>
+            <a:pPr>
+              <a:buFont typeface="Wingdings" panose="05000000000000000000" pitchFamily="2" charset="2"/>
+              <a:buChar char="Ø"/>
+            </a:pPr>
+            <a:r>
+              <a:rPr lang="en-IN" sz="1800" dirty="0">
+                <a:latin typeface="Calibri" panose="020F0502020204030204" pitchFamily="34" charset="0"/>
+                <a:ea typeface="Calibri" panose="020F0502020204030204" pitchFamily="34" charset="0"/>
+                <a:cs typeface="Calibri" panose="020F0502020204030204" pitchFamily="34" charset="0"/>
+              </a:rPr>
+              <a:t>Technology: Python, Machine Learning, Deep Learning, </a:t>
+            </a:r>
+            <a:r>
+              <a:rPr lang="en-IN" sz="1800" dirty="0" err="1">
+                <a:latin typeface="Calibri" panose="020F0502020204030204" pitchFamily="34" charset="0"/>
+                <a:ea typeface="Calibri" panose="020F0502020204030204" pitchFamily="34" charset="0"/>
+                <a:cs typeface="Calibri" panose="020F0502020204030204" pitchFamily="34" charset="0"/>
+              </a:rPr>
+              <a:t>Flask,pytorch</a:t>
+            </a:r>
             <a:endParaRPr lang="en-IN" sz="1800" dirty="0">
               <a:latin typeface="Calibri" panose="020F0502020204030204" pitchFamily="34" charset="0"/>
               <a:ea typeface="Calibri" panose="020F0502020204030204" pitchFamily="34" charset="0"/>
               <a:cs typeface="Calibri" panose="020F0502020204030204" pitchFamily="34" charset="0"/>
             </a:endParaRPr>
           </a:p>
+          <a:p>
+            <a:pPr>
+              <a:buFont typeface="Wingdings" panose="05000000000000000000" pitchFamily="2" charset="2"/>
+              <a:buChar char="Ø"/>
+            </a:pPr>
+            <a:r>
+              <a:rPr lang="en-IN" sz="1800" dirty="0">
+                <a:latin typeface="Calibri" panose="020F0502020204030204" pitchFamily="34" charset="0"/>
+                <a:ea typeface="Calibri" panose="020F0502020204030204" pitchFamily="34" charset="0"/>
+                <a:cs typeface="Calibri" panose="020F0502020204030204" pitchFamily="34" charset="0"/>
+              </a:rPr>
+              <a:t>Software: </a:t>
+            </a:r>
+            <a:r>
+              <a:rPr lang="en-IN" sz="1800" dirty="0" err="1">
+                <a:latin typeface="Calibri" panose="020F0502020204030204" pitchFamily="34" charset="0"/>
+                <a:ea typeface="Calibri" panose="020F0502020204030204" pitchFamily="34" charset="0"/>
+                <a:cs typeface="Calibri" panose="020F0502020204030204" pitchFamily="34" charset="0"/>
+              </a:rPr>
+              <a:t>Jupyter</a:t>
+            </a:r>
+            <a:r>
+              <a:rPr lang="en-IN" sz="1800" dirty="0">
+                <a:latin typeface="Calibri" panose="020F0502020204030204" pitchFamily="34" charset="0"/>
+                <a:ea typeface="Calibri" panose="020F0502020204030204" pitchFamily="34" charset="0"/>
+                <a:cs typeface="Calibri" panose="020F0502020204030204" pitchFamily="34" charset="0"/>
+              </a:rPr>
+              <a:t>, VS Code, or PyCharm</a:t>
+            </a:r>
+          </a:p>
+          <a:p>
+            <a:pPr>
+              <a:buFont typeface="Wingdings" panose="05000000000000000000" pitchFamily="2" charset="2"/>
+              <a:buChar char="Ø"/>
+            </a:pPr>
+            <a:endParaRPr lang="en-IN" sz="1800" b="1" dirty="0">
+              <a:latin typeface="Calibri" panose="020F0502020204030204" pitchFamily="34" charset="0"/>
+              <a:ea typeface="Calibri" panose="020F0502020204030204" pitchFamily="34" charset="0"/>
+              <a:cs typeface="Calibri" panose="020F0502020204030204" pitchFamily="34" charset="0"/>
+            </a:endParaRPr>
+          </a:p>
+          <a:p>
+            <a:pPr marL="0" indent="0">
+              <a:buNone/>
+            </a:pPr>
+            <a:r>
+              <a:rPr lang="en-IN" sz="1800" b="1" dirty="0">
+                <a:latin typeface="Calibri" panose="020F0502020204030204" pitchFamily="34" charset="0"/>
+                <a:ea typeface="Calibri" panose="020F0502020204030204" pitchFamily="34" charset="0"/>
+                <a:cs typeface="Calibri" panose="020F0502020204030204" pitchFamily="34" charset="0"/>
+              </a:rPr>
+              <a:t>Hardware Requirements:</a:t>
+            </a:r>
+          </a:p>
+          <a:p>
+            <a:pPr>
+              <a:buFont typeface="Wingdings" panose="05000000000000000000" pitchFamily="2" charset="2"/>
+              <a:buChar char="Ø"/>
+            </a:pPr>
+            <a:endParaRPr lang="en-IN" sz="1800" b="1" dirty="0">
+              <a:latin typeface="Calibri" panose="020F0502020204030204" pitchFamily="34" charset="0"/>
+              <a:ea typeface="Calibri" panose="020F0502020204030204" pitchFamily="34" charset="0"/>
+              <a:cs typeface="Calibri" panose="020F0502020204030204" pitchFamily="34" charset="0"/>
+            </a:endParaRPr>
+          </a:p>
+          <a:p>
+            <a:pPr>
+              <a:buFont typeface="Wingdings" panose="05000000000000000000" pitchFamily="2" charset="2"/>
+              <a:buChar char="Ø"/>
+            </a:pPr>
+            <a:r>
+              <a:rPr lang="en-IN" sz="1800" dirty="0">
+                <a:latin typeface="Calibri" panose="020F0502020204030204" pitchFamily="34" charset="0"/>
+                <a:ea typeface="Calibri" panose="020F0502020204030204" pitchFamily="34" charset="0"/>
+                <a:cs typeface="Calibri" panose="020F0502020204030204" pitchFamily="34" charset="0"/>
+              </a:rPr>
+              <a:t>Processor: Intel i3 or higher</a:t>
+            </a:r>
+          </a:p>
+          <a:p>
+            <a:pPr>
+              <a:buFont typeface="Wingdings" panose="05000000000000000000" pitchFamily="2" charset="2"/>
+              <a:buChar char="Ø"/>
+            </a:pPr>
+            <a:r>
+              <a:rPr lang="en-IN" sz="1800" dirty="0">
+                <a:latin typeface="Calibri" panose="020F0502020204030204" pitchFamily="34" charset="0"/>
+                <a:ea typeface="Calibri" panose="020F0502020204030204" pitchFamily="34" charset="0"/>
+                <a:cs typeface="Calibri" panose="020F0502020204030204" pitchFamily="34" charset="0"/>
+              </a:rPr>
+              <a:t>Operating System: Windows</a:t>
+            </a:r>
+          </a:p>
+          <a:p>
+            <a:pPr>
+              <a:buFont typeface="Wingdings" panose="05000000000000000000" pitchFamily="2" charset="2"/>
+              <a:buChar char="Ø"/>
+            </a:pPr>
+            <a:r>
+              <a:rPr lang="en-IN" sz="1800" dirty="0">
+                <a:latin typeface="Calibri" panose="020F0502020204030204" pitchFamily="34" charset="0"/>
+                <a:ea typeface="Calibri" panose="020F0502020204030204" pitchFamily="34" charset="0"/>
+                <a:cs typeface="Calibri" panose="020F0502020204030204" pitchFamily="34" charset="0"/>
+              </a:rPr>
+              <a:t>RAM: At least 4 GB</a:t>
+            </a:r>
+          </a:p>
+          <a:p>
+            <a:pPr>
+              <a:buFont typeface="Wingdings" panose="05000000000000000000" pitchFamily="2" charset="2"/>
+              <a:buChar char="Ø"/>
+            </a:pPr>
+            <a:r>
+              <a:rPr lang="en-IN" sz="1800" dirty="0">
+                <a:latin typeface="Calibri" panose="020F0502020204030204" pitchFamily="34" charset="0"/>
+                <a:ea typeface="Calibri" panose="020F0502020204030204" pitchFamily="34" charset="0"/>
+                <a:cs typeface="Calibri" panose="020F0502020204030204" pitchFamily="34" charset="0"/>
+              </a:rPr>
+              <a:t>Hard Disk: At least 100 GB storage</a:t>
+            </a:r>
+          </a:p>
         </p:txBody>
       </p:sp>
     </p:spTree>
     <p:extLst>
       <p:ext uri="{BB962C8B-B14F-4D97-AF65-F5344CB8AC3E}">
-        <p14:creationId xmlns:p14="http://schemas.microsoft.com/office/powerpoint/2010/main" val="1141094823"/>
+        <p14:creationId xmlns:p14="http://schemas.microsoft.com/office/powerpoint/2010/main" val="394186022"/>
       </p:ext>
     </p:extLst>
   </p:cSld>
@@ -13188,280 +11630,6 @@
           <p:cNvPr id="2" name="Title 1">
             <a:extLst>
               <a:ext uri="{FF2B5EF4-FFF2-40B4-BE49-F238E27FC236}">
-                <a16:creationId xmlns:a16="http://schemas.microsoft.com/office/drawing/2014/main" id="{3A2B8EE5-C9F3-E4E4-22D5-5A7A8F08031E}"/>
-              </a:ext>
-            </a:extLst>
-          </p:cNvPr>
-          <p:cNvSpPr>
-            <a:spLocks noGrp="1"/>
-          </p:cNvSpPr>
-          <p:nvPr>
-            <p:ph type="title"/>
-          </p:nvPr>
-        </p:nvSpPr>
-        <p:spPr/>
-        <p:txBody>
-          <a:bodyPr/>
-          <a:lstStyle/>
-          <a:p>
-            <a:r>
-              <a:rPr lang="en-IN" b="1" dirty="0"/>
-              <a:t>Software / Hardware Requirements</a:t>
-            </a:r>
-            <a:br>
-              <a:rPr lang="en-IN" dirty="0"/>
-            </a:br>
-            <a:endParaRPr lang="en-IN" dirty="0"/>
-          </a:p>
-        </p:txBody>
-      </p:sp>
-      <p:sp>
-        <p:nvSpPr>
-          <p:cNvPr id="3" name="Content Placeholder 2">
-            <a:extLst>
-              <a:ext uri="{FF2B5EF4-FFF2-40B4-BE49-F238E27FC236}">
-                <a16:creationId xmlns:a16="http://schemas.microsoft.com/office/drawing/2014/main" id="{074CA953-8774-41D5-E959-EEEE6B48B5BD}"/>
-              </a:ext>
-            </a:extLst>
-          </p:cNvPr>
-          <p:cNvSpPr>
-            <a:spLocks noGrp="1"/>
-          </p:cNvSpPr>
-          <p:nvPr>
-            <p:ph sz="quarter" idx="1"/>
-          </p:nvPr>
-        </p:nvSpPr>
-        <p:spPr>
-          <a:xfrm>
-            <a:off x="609600" y="1405169"/>
-            <a:ext cx="9956800" cy="4873752"/>
-          </a:xfrm>
-        </p:spPr>
-        <p:txBody>
-          <a:bodyPr>
-            <a:normAutofit/>
-          </a:bodyPr>
-          <a:lstStyle/>
-          <a:p>
-            <a:pPr>
-              <a:buFont typeface="Wingdings" panose="05000000000000000000" pitchFamily="2" charset="2"/>
-              <a:buChar char="Ø"/>
-            </a:pPr>
-            <a:endParaRPr lang="en-IN" sz="1800" dirty="0">
-              <a:latin typeface="Calibri" panose="020F0502020204030204" pitchFamily="34" charset="0"/>
-              <a:ea typeface="Calibri" panose="020F0502020204030204" pitchFamily="34" charset="0"/>
-              <a:cs typeface="Calibri" panose="020F0502020204030204" pitchFamily="34" charset="0"/>
-            </a:endParaRPr>
-          </a:p>
-          <a:p>
-            <a:pPr marL="0" indent="0">
-              <a:buNone/>
-            </a:pPr>
-            <a:r>
-              <a:rPr lang="en-IN" sz="1800" b="1" dirty="0">
-                <a:latin typeface="Calibri" panose="020F0502020204030204" pitchFamily="34" charset="0"/>
-                <a:ea typeface="Calibri" panose="020F0502020204030204" pitchFamily="34" charset="0"/>
-                <a:cs typeface="Calibri" panose="020F0502020204030204" pitchFamily="34" charset="0"/>
-              </a:rPr>
-              <a:t>Software Requirements:</a:t>
-            </a:r>
-          </a:p>
-          <a:p>
-            <a:pPr marL="0" indent="0">
-              <a:buNone/>
-            </a:pPr>
-            <a:endParaRPr lang="en-IN" sz="1800" b="1" dirty="0">
-              <a:latin typeface="Calibri" panose="020F0502020204030204" pitchFamily="34" charset="0"/>
-              <a:ea typeface="Calibri" panose="020F0502020204030204" pitchFamily="34" charset="0"/>
-              <a:cs typeface="Calibri" panose="020F0502020204030204" pitchFamily="34" charset="0"/>
-            </a:endParaRPr>
-          </a:p>
-          <a:p>
-            <a:pPr>
-              <a:buFont typeface="Wingdings" panose="05000000000000000000" pitchFamily="2" charset="2"/>
-              <a:buChar char="Ø"/>
-            </a:pPr>
-            <a:r>
-              <a:rPr lang="en-IN" sz="1800" dirty="0">
-                <a:latin typeface="Calibri" panose="020F0502020204030204" pitchFamily="34" charset="0"/>
-                <a:ea typeface="Calibri" panose="020F0502020204030204" pitchFamily="34" charset="0"/>
-                <a:cs typeface="Calibri" panose="020F0502020204030204" pitchFamily="34" charset="0"/>
-              </a:rPr>
-              <a:t>Operating System: Windows 10 or higher</a:t>
-            </a:r>
-          </a:p>
-          <a:p>
-            <a:pPr>
-              <a:buFont typeface="Wingdings" panose="05000000000000000000" pitchFamily="2" charset="2"/>
-              <a:buChar char="Ø"/>
-            </a:pPr>
-            <a:r>
-              <a:rPr lang="en-IN" sz="1800" dirty="0">
-                <a:latin typeface="Calibri" panose="020F0502020204030204" pitchFamily="34" charset="0"/>
-                <a:ea typeface="Calibri" panose="020F0502020204030204" pitchFamily="34" charset="0"/>
-                <a:cs typeface="Calibri" panose="020F0502020204030204" pitchFamily="34" charset="0"/>
-              </a:rPr>
-              <a:t>Technology: Python, Machine Learning, Deep Learning, Django</a:t>
-            </a:r>
-          </a:p>
-          <a:p>
-            <a:pPr>
-              <a:buFont typeface="Wingdings" panose="05000000000000000000" pitchFamily="2" charset="2"/>
-              <a:buChar char="Ø"/>
-            </a:pPr>
-            <a:r>
-              <a:rPr lang="en-IN" sz="1800" dirty="0">
-                <a:latin typeface="Calibri" panose="020F0502020204030204" pitchFamily="34" charset="0"/>
-                <a:ea typeface="Calibri" panose="020F0502020204030204" pitchFamily="34" charset="0"/>
-                <a:cs typeface="Calibri" panose="020F0502020204030204" pitchFamily="34" charset="0"/>
-              </a:rPr>
-              <a:t>Software: </a:t>
-            </a:r>
-            <a:r>
-              <a:rPr lang="en-IN" sz="1800" dirty="0" err="1">
-                <a:latin typeface="Calibri" panose="020F0502020204030204" pitchFamily="34" charset="0"/>
-                <a:ea typeface="Calibri" panose="020F0502020204030204" pitchFamily="34" charset="0"/>
-                <a:cs typeface="Calibri" panose="020F0502020204030204" pitchFamily="34" charset="0"/>
-              </a:rPr>
-              <a:t>Jupyter</a:t>
-            </a:r>
-            <a:r>
-              <a:rPr lang="en-IN" sz="1800" dirty="0">
-                <a:latin typeface="Calibri" panose="020F0502020204030204" pitchFamily="34" charset="0"/>
-                <a:ea typeface="Calibri" panose="020F0502020204030204" pitchFamily="34" charset="0"/>
-                <a:cs typeface="Calibri" panose="020F0502020204030204" pitchFamily="34" charset="0"/>
-              </a:rPr>
-              <a:t>, VS Code, or PyCharm</a:t>
-            </a:r>
-          </a:p>
-          <a:p>
-            <a:pPr>
-              <a:buFont typeface="Wingdings" panose="05000000000000000000" pitchFamily="2" charset="2"/>
-              <a:buChar char="Ø"/>
-            </a:pPr>
-            <a:endParaRPr lang="en-IN" sz="1800" b="1" dirty="0">
-              <a:latin typeface="Calibri" panose="020F0502020204030204" pitchFamily="34" charset="0"/>
-              <a:ea typeface="Calibri" panose="020F0502020204030204" pitchFamily="34" charset="0"/>
-              <a:cs typeface="Calibri" panose="020F0502020204030204" pitchFamily="34" charset="0"/>
-            </a:endParaRPr>
-          </a:p>
-          <a:p>
-            <a:pPr marL="0" indent="0">
-              <a:buNone/>
-            </a:pPr>
-            <a:r>
-              <a:rPr lang="en-IN" sz="1800" b="1" dirty="0">
-                <a:latin typeface="Calibri" panose="020F0502020204030204" pitchFamily="34" charset="0"/>
-                <a:ea typeface="Calibri" panose="020F0502020204030204" pitchFamily="34" charset="0"/>
-                <a:cs typeface="Calibri" panose="020F0502020204030204" pitchFamily="34" charset="0"/>
-              </a:rPr>
-              <a:t>Hardware Requirements:</a:t>
-            </a:r>
-          </a:p>
-          <a:p>
-            <a:pPr>
-              <a:buFont typeface="Wingdings" panose="05000000000000000000" pitchFamily="2" charset="2"/>
-              <a:buChar char="Ø"/>
-            </a:pPr>
-            <a:endParaRPr lang="en-IN" sz="1800" b="1" dirty="0">
-              <a:latin typeface="Calibri" panose="020F0502020204030204" pitchFamily="34" charset="0"/>
-              <a:ea typeface="Calibri" panose="020F0502020204030204" pitchFamily="34" charset="0"/>
-              <a:cs typeface="Calibri" panose="020F0502020204030204" pitchFamily="34" charset="0"/>
-            </a:endParaRPr>
-          </a:p>
-          <a:p>
-            <a:pPr>
-              <a:buFont typeface="Wingdings" panose="05000000000000000000" pitchFamily="2" charset="2"/>
-              <a:buChar char="Ø"/>
-            </a:pPr>
-            <a:r>
-              <a:rPr lang="en-IN" sz="1800" dirty="0">
-                <a:latin typeface="Calibri" panose="020F0502020204030204" pitchFamily="34" charset="0"/>
-                <a:ea typeface="Calibri" panose="020F0502020204030204" pitchFamily="34" charset="0"/>
-                <a:cs typeface="Calibri" panose="020F0502020204030204" pitchFamily="34" charset="0"/>
-              </a:rPr>
-              <a:t>Processor: Intel i3 or higher</a:t>
-            </a:r>
-          </a:p>
-          <a:p>
-            <a:pPr>
-              <a:buFont typeface="Wingdings" panose="05000000000000000000" pitchFamily="2" charset="2"/>
-              <a:buChar char="Ø"/>
-            </a:pPr>
-            <a:r>
-              <a:rPr lang="en-IN" sz="1800" dirty="0">
-                <a:latin typeface="Calibri" panose="020F0502020204030204" pitchFamily="34" charset="0"/>
-                <a:ea typeface="Calibri" panose="020F0502020204030204" pitchFamily="34" charset="0"/>
-                <a:cs typeface="Calibri" panose="020F0502020204030204" pitchFamily="34" charset="0"/>
-              </a:rPr>
-              <a:t>Operating System: Windows</a:t>
-            </a:r>
-          </a:p>
-          <a:p>
-            <a:pPr>
-              <a:buFont typeface="Wingdings" panose="05000000000000000000" pitchFamily="2" charset="2"/>
-              <a:buChar char="Ø"/>
-            </a:pPr>
-            <a:r>
-              <a:rPr lang="en-IN" sz="1800" dirty="0">
-                <a:latin typeface="Calibri" panose="020F0502020204030204" pitchFamily="34" charset="0"/>
-                <a:ea typeface="Calibri" panose="020F0502020204030204" pitchFamily="34" charset="0"/>
-                <a:cs typeface="Calibri" panose="020F0502020204030204" pitchFamily="34" charset="0"/>
-              </a:rPr>
-              <a:t>RAM: At least 4 GB</a:t>
-            </a:r>
-          </a:p>
-          <a:p>
-            <a:pPr>
-              <a:buFont typeface="Wingdings" panose="05000000000000000000" pitchFamily="2" charset="2"/>
-              <a:buChar char="Ø"/>
-            </a:pPr>
-            <a:r>
-              <a:rPr lang="en-IN" sz="1800" dirty="0">
-                <a:latin typeface="Calibri" panose="020F0502020204030204" pitchFamily="34" charset="0"/>
-                <a:ea typeface="Calibri" panose="020F0502020204030204" pitchFamily="34" charset="0"/>
-                <a:cs typeface="Calibri" panose="020F0502020204030204" pitchFamily="34" charset="0"/>
-              </a:rPr>
-              <a:t>Hard Disk: At least 100 GB storage</a:t>
-            </a:r>
-          </a:p>
-        </p:txBody>
-      </p:sp>
-    </p:spTree>
-    <p:extLst>
-      <p:ext uri="{BB962C8B-B14F-4D97-AF65-F5344CB8AC3E}">
-        <p14:creationId xmlns:p14="http://schemas.microsoft.com/office/powerpoint/2010/main" val="394186022"/>
-      </p:ext>
-    </p:extLst>
-  </p:cSld>
-  <p:clrMapOvr>
-    <a:masterClrMapping/>
-  </p:clrMapOvr>
-</p:sld>
-</file>
-
-<file path=ppt/slides/slide9.xml><?xml version="1.0" encoding="utf-8"?>
-<p:sld xmlns:a="http://schemas.openxmlformats.org/drawingml/2006/main" xmlns:r="http://schemas.openxmlformats.org/officeDocument/2006/relationships" xmlns:p="http://schemas.openxmlformats.org/presentationml/2006/main">
-  <p:cSld>
-    <p:spTree>
-      <p:nvGrpSpPr>
-        <p:cNvPr id="1" name=""/>
-        <p:cNvGrpSpPr/>
-        <p:nvPr/>
-      </p:nvGrpSpPr>
-      <p:grpSpPr>
-        <a:xfrm>
-          <a:off x="0" y="0"/>
-          <a:ext cx="0" cy="0"/>
-          <a:chOff x="0" y="0"/>
-          <a:chExt cx="0" cy="0"/>
-        </a:xfrm>
-      </p:grpSpPr>
-      <p:sp>
-        <p:nvSpPr>
-          <p:cNvPr id="2" name="Title 1">
-            <a:extLst>
-              <a:ext uri="{FF2B5EF4-FFF2-40B4-BE49-F238E27FC236}">
                 <a16:creationId xmlns:a16="http://schemas.microsoft.com/office/drawing/2014/main" id="{5840B79D-3BB7-C91C-2CDE-897384CC489E}"/>
               </a:ext>
             </a:extLst>
@@ -13496,10 +11664,10 @@
       </p:sp>
       <p:pic>
         <p:nvPicPr>
-          <p:cNvPr id="5" name="Content Placeholder 4" descr="A diagram of a software development&#10;&#10;Description automatically generated">
+          <p:cNvPr id="7" name="Content Placeholder 6" descr="A diagram of a computer system&#10;&#10;AI-generated content may be incorrect.">
             <a:extLst>
               <a:ext uri="{FF2B5EF4-FFF2-40B4-BE49-F238E27FC236}">
-                <a16:creationId xmlns:a16="http://schemas.microsoft.com/office/drawing/2014/main" id="{90D01C7B-D87C-B244-10D3-18A6057D6FC0}"/>
+                <a16:creationId xmlns:a16="http://schemas.microsoft.com/office/drawing/2014/main" id="{82F9735C-6988-31AB-0EB7-A749C2F97930}"/>
               </a:ext>
             </a:extLst>
           </p:cNvPr>
@@ -13518,8 +11686,8 @@
         </p:blipFill>
         <p:spPr>
           <a:xfrm>
-            <a:off x="609600" y="2131031"/>
-            <a:ext cx="9956800" cy="3811963"/>
+            <a:off x="990600" y="1600200"/>
+            <a:ext cx="9906000" cy="4873625"/>
           </a:xfrm>
         </p:spPr>
       </p:pic>
@@ -13527,6 +11695,103 @@
     <p:extLst>
       <p:ext uri="{BB962C8B-B14F-4D97-AF65-F5344CB8AC3E}">
         <p14:creationId xmlns:p14="http://schemas.microsoft.com/office/powerpoint/2010/main" val="1533154675"/>
+      </p:ext>
+    </p:extLst>
+  </p:cSld>
+  <p:clrMapOvr>
+    <a:masterClrMapping/>
+  </p:clrMapOvr>
+</p:sld>
+</file>
+
+<file path=ppt/slides/slide9.xml><?xml version="1.0" encoding="utf-8"?>
+<p:sld xmlns:a="http://schemas.openxmlformats.org/drawingml/2006/main" xmlns:r="http://schemas.openxmlformats.org/officeDocument/2006/relationships" xmlns:p="http://schemas.openxmlformats.org/presentationml/2006/main">
+  <p:cSld>
+    <p:spTree>
+      <p:nvGrpSpPr>
+        <p:cNvPr id="1" name="">
+          <a:extLst>
+            <a:ext uri="{FF2B5EF4-FFF2-40B4-BE49-F238E27FC236}">
+              <a16:creationId xmlns:a16="http://schemas.microsoft.com/office/drawing/2014/main" id="{646D3F78-8FB4-1B50-F60E-02EEF63279EA}"/>
+            </a:ext>
+          </a:extLst>
+        </p:cNvPr>
+        <p:cNvGrpSpPr/>
+        <p:nvPr/>
+      </p:nvGrpSpPr>
+      <p:grpSpPr>
+        <a:xfrm>
+          <a:off x="0" y="0"/>
+          <a:ext cx="0" cy="0"/>
+          <a:chOff x="0" y="0"/>
+          <a:chExt cx="0" cy="0"/>
+        </a:xfrm>
+      </p:grpSpPr>
+      <p:sp>
+        <p:nvSpPr>
+          <p:cNvPr id="2" name="Title 1">
+            <a:extLst>
+              <a:ext uri="{FF2B5EF4-FFF2-40B4-BE49-F238E27FC236}">
+                <a16:creationId xmlns:a16="http://schemas.microsoft.com/office/drawing/2014/main" id="{234E915A-E9A3-22F1-7163-C967C4356C6A}"/>
+              </a:ext>
+            </a:extLst>
+          </p:cNvPr>
+          <p:cNvSpPr>
+            <a:spLocks noGrp="1"/>
+          </p:cNvSpPr>
+          <p:nvPr>
+            <p:ph type="title"/>
+          </p:nvPr>
+        </p:nvSpPr>
+        <p:spPr/>
+        <p:txBody>
+          <a:bodyPr/>
+          <a:lstStyle/>
+          <a:p>
+            <a:r>
+              <a:rPr lang="en-IN" dirty="0" err="1"/>
+              <a:t>Uml</a:t>
+            </a:r>
+            <a:r>
+              <a:rPr lang="en-IN" dirty="0"/>
+              <a:t> diagrams CLASS DIAGRAM</a:t>
+            </a:r>
+          </a:p>
+        </p:txBody>
+      </p:sp>
+      <p:pic>
+        <p:nvPicPr>
+          <p:cNvPr id="7" name="Content Placeholder 6" descr="A diagram of a diagram&#10;&#10;AI-generated content may be incorrect.">
+            <a:extLst>
+              <a:ext uri="{FF2B5EF4-FFF2-40B4-BE49-F238E27FC236}">
+                <a16:creationId xmlns:a16="http://schemas.microsoft.com/office/drawing/2014/main" id="{79274824-3071-17E8-6110-2C5FEB98183E}"/>
+              </a:ext>
+            </a:extLst>
+          </p:cNvPr>
+          <p:cNvPicPr>
+            <a:picLocks noGrp="1" noChangeAspect="1"/>
+          </p:cNvPicPr>
+          <p:nvPr>
+            <p:ph sz="quarter" idx="1"/>
+          </p:nvPr>
+        </p:nvPicPr>
+        <p:blipFill>
+          <a:blip r:embed="rId2"/>
+          <a:stretch>
+            <a:fillRect/>
+          </a:stretch>
+        </p:blipFill>
+        <p:spPr>
+          <a:xfrm>
+            <a:off x="2336596" y="1600200"/>
+            <a:ext cx="7950404" cy="4873625"/>
+          </a:xfrm>
+        </p:spPr>
+      </p:pic>
+    </p:spTree>
+    <p:extLst>
+      <p:ext uri="{BB962C8B-B14F-4D97-AF65-F5344CB8AC3E}">
+        <p14:creationId xmlns:p14="http://schemas.microsoft.com/office/powerpoint/2010/main" val="3597675650"/>
       </p:ext>
     </p:extLst>
   </p:cSld>
